--- a/Week2/Slides/Week 2.pptx
+++ b/Week2/Slides/Week 2.pptx
@@ -5,7 +5,7 @@
     <p:sldMasterId id="2147483684" r:id="rId1"/>
   </p:sldMasterIdLst>
   <p:notesMasterIdLst>
-    <p:notesMasterId r:id="rId54"/>
+    <p:notesMasterId r:id="rId55"/>
   </p:notesMasterIdLst>
   <p:sldIdLst>
     <p:sldId id="256" r:id="rId2"/>
@@ -40,26 +40,27 @@
     <p:sldId id="314" r:id="rId31"/>
     <p:sldId id="315" r:id="rId32"/>
     <p:sldId id="316" r:id="rId33"/>
-    <p:sldId id="317" r:id="rId34"/>
-    <p:sldId id="318" r:id="rId35"/>
-    <p:sldId id="319" r:id="rId36"/>
-    <p:sldId id="320" r:id="rId37"/>
-    <p:sldId id="321" r:id="rId38"/>
-    <p:sldId id="325" r:id="rId39"/>
-    <p:sldId id="327" r:id="rId40"/>
-    <p:sldId id="328" r:id="rId41"/>
-    <p:sldId id="324" r:id="rId42"/>
-    <p:sldId id="322" r:id="rId43"/>
-    <p:sldId id="332" r:id="rId44"/>
-    <p:sldId id="334" r:id="rId45"/>
-    <p:sldId id="335" r:id="rId46"/>
-    <p:sldId id="336" r:id="rId47"/>
-    <p:sldId id="341" r:id="rId48"/>
-    <p:sldId id="343" r:id="rId49"/>
-    <p:sldId id="337" r:id="rId50"/>
-    <p:sldId id="338" r:id="rId51"/>
-    <p:sldId id="339" r:id="rId52"/>
-    <p:sldId id="340" r:id="rId53"/>
+    <p:sldId id="346" r:id="rId34"/>
+    <p:sldId id="317" r:id="rId35"/>
+    <p:sldId id="318" r:id="rId36"/>
+    <p:sldId id="319" r:id="rId37"/>
+    <p:sldId id="320" r:id="rId38"/>
+    <p:sldId id="321" r:id="rId39"/>
+    <p:sldId id="325" r:id="rId40"/>
+    <p:sldId id="327" r:id="rId41"/>
+    <p:sldId id="328" r:id="rId42"/>
+    <p:sldId id="324" r:id="rId43"/>
+    <p:sldId id="322" r:id="rId44"/>
+    <p:sldId id="332" r:id="rId45"/>
+    <p:sldId id="334" r:id="rId46"/>
+    <p:sldId id="335" r:id="rId47"/>
+    <p:sldId id="336" r:id="rId48"/>
+    <p:sldId id="341" r:id="rId49"/>
+    <p:sldId id="343" r:id="rId50"/>
+    <p:sldId id="337" r:id="rId51"/>
+    <p:sldId id="338" r:id="rId52"/>
+    <p:sldId id="339" r:id="rId53"/>
+    <p:sldId id="340" r:id="rId54"/>
   </p:sldIdLst>
   <p:sldSz cx="9144000" cy="6858000" type="screen4x3"/>
   <p:notesSz cx="6858000" cy="9144000"/>
@@ -160,7 +161,7 @@
   </p:defaultTextStyle>
   <p:extLst>
     <p:ext uri="{EFAFB233-063F-42B5-8137-9DF3F51BA10A}">
-      <p15:sldGuideLst xmlns="" xmlns:p15="http://schemas.microsoft.com/office/powerpoint/2012/main">
+      <p15:sldGuideLst xmlns:p15="http://schemas.microsoft.com/office/powerpoint/2012/main" xmlns="">
         <p15:guide id="1" orient="horz" pos="2160">
           <p15:clr>
             <a:srgbClr val="A4A3A4"/>
@@ -296,11 +297,11 @@
         </c:dLbls>
         <c:marker val="1"/>
         <c:smooth val="0"/>
-        <c:axId val="2080525160"/>
-        <c:axId val="-2142476168"/>
+        <c:axId val="-2132058504"/>
+        <c:axId val="-2124251544"/>
       </c:lineChart>
       <c:catAx>
-        <c:axId val="2080525160"/>
+        <c:axId val="-2132058504"/>
         <c:scaling>
           <c:orientation val="minMax"/>
         </c:scaling>
@@ -324,7 +325,7 @@
         <c:majorTickMark val="out"/>
         <c:minorTickMark val="none"/>
         <c:tickLblPos val="nextTo"/>
-        <c:crossAx val="-2142476168"/>
+        <c:crossAx val="-2124251544"/>
         <c:crosses val="autoZero"/>
         <c:auto val="1"/>
         <c:lblAlgn val="ctr"/>
@@ -332,7 +333,7 @@
         <c:noMultiLvlLbl val="0"/>
       </c:catAx>
       <c:valAx>
-        <c:axId val="-2142476168"/>
+        <c:axId val="-2124251544"/>
         <c:scaling>
           <c:orientation val="minMax"/>
         </c:scaling>
@@ -383,7 +384,7 @@
             <a:endParaRPr lang="en-US"/>
           </a:p>
         </c:txPr>
-        <c:crossAx val="2080525160"/>
+        <c:crossAx val="-2132058504"/>
         <c:crosses val="autoZero"/>
         <c:crossBetween val="between"/>
       </c:valAx>
@@ -538,11 +539,11 @@
           <c:showBubbleSize val="0"/>
         </c:dLbls>
         <c:gapWidth val="150"/>
-        <c:axId val="-2132885704"/>
-        <c:axId val="2100741672"/>
+        <c:axId val="-2123911336"/>
+        <c:axId val="-2123907912"/>
       </c:barChart>
       <c:catAx>
-        <c:axId val="-2132885704"/>
+        <c:axId val="-2123911336"/>
         <c:scaling>
           <c:orientation val="minMax"/>
         </c:scaling>
@@ -566,7 +567,7 @@
         <c:majorTickMark val="none"/>
         <c:minorTickMark val="none"/>
         <c:tickLblPos val="nextTo"/>
-        <c:crossAx val="2100741672"/>
+        <c:crossAx val="-2123907912"/>
         <c:crosses val="autoZero"/>
         <c:auto val="1"/>
         <c:lblAlgn val="ctr"/>
@@ -574,7 +575,7 @@
         <c:noMultiLvlLbl val="0"/>
       </c:catAx>
       <c:valAx>
-        <c:axId val="2100741672"/>
+        <c:axId val="-2123907912"/>
         <c:scaling>
           <c:orientation val="minMax"/>
         </c:scaling>
@@ -631,7 +632,7 @@
             <a:endParaRPr lang="en-US"/>
           </a:p>
         </c:txPr>
-        <c:crossAx val="-2132885704"/>
+        <c:crossAx val="-2123911336"/>
         <c:crosses val="autoZero"/>
         <c:crossBetween val="between"/>
       </c:valAx>
@@ -1869,7 +1870,7 @@
           <a:p>
             <a:fld id="{90AF4669-11A5-AA4B-ACB6-1CD3E71EA0D2}" type="datetimeFigureOut">
               <a:rPr lang="en-US" smtClean="0"/>
-              <a:t>4/6/14</a:t>
+              <a:t>4/7/14</a:t>
             </a:fld>
             <a:endParaRPr lang="en-US"/>
           </a:p>
@@ -2427,7 +2428,7 @@
           <a:p>
             <a:fld id="{C95D1B94-35C6-4950-B226-D68A01DA1DCF}" type="datetimeFigureOut">
               <a:rPr lang="en-US" smtClean="0"/>
-              <a:t>4/6/14</a:t>
+              <a:t>4/7/14</a:t>
             </a:fld>
             <a:endParaRPr lang="en-US"/>
           </a:p>
@@ -2592,7 +2593,7 @@
           <a:p>
             <a:fld id="{C95D1B94-35C6-4950-B226-D68A01DA1DCF}" type="datetimeFigureOut">
               <a:rPr lang="en-US" smtClean="0"/>
-              <a:t>4/6/14</a:t>
+              <a:t>4/7/14</a:t>
             </a:fld>
             <a:endParaRPr lang="en-US"/>
           </a:p>
@@ -2767,7 +2768,7 @@
           <a:p>
             <a:fld id="{C95D1B94-35C6-4950-B226-D68A01DA1DCF}" type="datetimeFigureOut">
               <a:rPr lang="en-US" smtClean="0"/>
-              <a:t>4/6/14</a:t>
+              <a:t>4/7/14</a:t>
             </a:fld>
             <a:endParaRPr lang="en-US"/>
           </a:p>
@@ -2950,7 +2951,7 @@
           <a:p>
             <a:fld id="{C95D1B94-35C6-4950-B226-D68A01DA1DCF}" type="datetimeFigureOut">
               <a:rPr lang="en-US" smtClean="0"/>
-              <a:t>4/6/14</a:t>
+              <a:t>4/7/14</a:t>
             </a:fld>
             <a:endParaRPr lang="en-US"/>
           </a:p>
@@ -3212,7 +3213,7 @@
           <a:p>
             <a:fld id="{C95D1B94-35C6-4950-B226-D68A01DA1DCF}" type="datetimeFigureOut">
               <a:rPr lang="en-US" smtClean="0"/>
-              <a:t>4/6/14</a:t>
+              <a:t>4/7/14</a:t>
             </a:fld>
             <a:endParaRPr lang="en-US"/>
           </a:p>
@@ -3560,7 +3561,7 @@
           <a:p>
             <a:fld id="{C95D1B94-35C6-4950-B226-D68A01DA1DCF}" type="datetimeFigureOut">
               <a:rPr lang="en-US" smtClean="0"/>
-              <a:t>4/6/14</a:t>
+              <a:t>4/7/14</a:t>
             </a:fld>
             <a:endParaRPr lang="en-US"/>
           </a:p>
@@ -3868,7 +3869,7 @@
           <a:p>
             <a:fld id="{C95D1B94-35C6-4950-B226-D68A01DA1DCF}" type="datetimeFigureOut">
               <a:rPr lang="en-US" smtClean="0"/>
-              <a:t>4/6/14</a:t>
+              <a:t>4/7/14</a:t>
             </a:fld>
             <a:endParaRPr lang="en-US"/>
           </a:p>
@@ -4095,7 +4096,7 @@
           <a:p>
             <a:fld id="{C95D1B94-35C6-4950-B226-D68A01DA1DCF}" type="datetimeFigureOut">
               <a:rPr lang="en-US" smtClean="0"/>
-              <a:t>4/6/14</a:t>
+              <a:t>4/7/14</a:t>
             </a:fld>
             <a:endParaRPr lang="en-US"/>
           </a:p>
@@ -4185,7 +4186,7 @@
           <a:p>
             <a:fld id="{C95D1B94-35C6-4950-B226-D68A01DA1DCF}" type="datetimeFigureOut">
               <a:rPr lang="en-US" smtClean="0"/>
-              <a:t>4/6/14</a:t>
+              <a:t>4/7/14</a:t>
             </a:fld>
             <a:endParaRPr lang="en-US"/>
           </a:p>
@@ -4473,7 +4474,7 @@
           <a:p>
             <a:fld id="{C95D1B94-35C6-4950-B226-D68A01DA1DCF}" type="datetimeFigureOut">
               <a:rPr lang="en-US" smtClean="0"/>
-              <a:t>4/6/14</a:t>
+              <a:t>4/7/14</a:t>
             </a:fld>
             <a:endParaRPr lang="en-US"/>
           </a:p>
@@ -4742,7 +4743,7 @@
           <a:p>
             <a:fld id="{C95D1B94-35C6-4950-B226-D68A01DA1DCF}" type="datetimeFigureOut">
               <a:rPr lang="en-US" smtClean="0"/>
-              <a:t>4/6/14</a:t>
+              <a:t>4/7/14</a:t>
             </a:fld>
             <a:endParaRPr lang="en-US"/>
           </a:p>
@@ -4952,7 +4953,7 @@
           <a:p>
             <a:fld id="{C95D1B94-35C6-4950-B226-D68A01DA1DCF}" type="datetimeFigureOut">
               <a:rPr lang="en-US" smtClean="0"/>
-              <a:t>4/6/14</a:t>
+              <a:t>4/7/14</a:t>
             </a:fld>
             <a:endParaRPr lang="en-US"/>
           </a:p>
@@ -5699,11 +5700,7 @@
             <a:pPr lvl="2"/>
             <a:r>
               <a:rPr lang="en-US" dirty="0" smtClean="0"/>
-              <a:t>This </a:t>
-            </a:r>
-            <a:r>
-              <a:rPr lang="en-US" dirty="0" smtClean="0"/>
-              <a:t>creates interleaved stereo data, with mirrored channels</a:t>
+              <a:t>This creates interleaved stereo data, with mirrored channels</a:t>
             </a:r>
             <a:endParaRPr lang="en-US" dirty="0"/>
           </a:p>
@@ -12499,15 +12496,7 @@
             <a:pPr lvl="1"/>
             <a:r>
               <a:rPr lang="en-US" dirty="0" smtClean="0"/>
-              <a:t>We’ll take a brief </a:t>
-            </a:r>
-            <a:r>
-              <a:rPr lang="en-US" dirty="0" smtClean="0"/>
-              <a:t>look at </a:t>
-            </a:r>
-            <a:r>
-              <a:rPr lang="en-US" dirty="0" smtClean="0"/>
-              <a:t>the basics of dealing with sampled data</a:t>
+              <a:t>We’ll take a brief look at the basics of dealing with sampled data</a:t>
             </a:r>
           </a:p>
           <a:p>
@@ -15795,6 +15784,10 @@
           <a:p>
             <a:pPr lvl="1"/>
             <a:r>
+              <a:rPr lang="en-US" dirty="0" smtClean="0"/>
+              <a:t> </a:t>
+            </a:r>
+            <a:r>
               <a:rPr lang="en-US" dirty="0" smtClean="0">
                 <a:solidFill>
                   <a:srgbClr val="0000FF"/>
@@ -15808,7 +15801,11 @@
             </a:r>
             <a:r>
               <a:rPr lang="en-US" dirty="0" smtClean="0"/>
-              <a:t> is a special variable type that matches the right-hand side</a:t>
+              <a:t> </a:t>
+            </a:r>
+            <a:r>
+              <a:rPr lang="en-US" dirty="0" smtClean="0"/>
+              <a:t>is a special variable type that matches the right-hand side</a:t>
             </a:r>
           </a:p>
           <a:p>
@@ -15890,7 +15887,11 @@
             <a:pPr lvl="1"/>
             <a:r>
               <a:rPr lang="en-US" dirty="0" smtClean="0"/>
-              <a:t>If you’re scared of </a:t>
+              <a:t>If </a:t>
+            </a:r>
+            <a:r>
+              <a:rPr lang="en-US" dirty="0" smtClean="0"/>
+              <a:t>you don’t understand </a:t>
             </a:r>
             <a:r>
               <a:rPr lang="en-US" dirty="0">
@@ -15942,7 +15943,11 @@
             </a:r>
             <a:r>
               <a:rPr lang="en-US" dirty="0" smtClean="0"/>
-              <a:t> please ask me after lecture</a:t>
+              <a:t> </a:t>
+            </a:r>
+            <a:r>
+              <a:rPr lang="en-US" dirty="0" smtClean="0"/>
+              <a:t>brush up on pointers</a:t>
             </a:r>
             <a:endParaRPr lang="en-US" dirty="0"/>
           </a:p>
@@ -17854,6 +17859,286 @@
           <a:p>
             <a:r>
               <a:rPr lang="en-US" dirty="0" smtClean="0"/>
+              <a:t>WASAPI (Input) Setup</a:t>
+            </a:r>
+            <a:endParaRPr lang="en-US" dirty="0"/>
+          </a:p>
+        </p:txBody>
+      </p:sp>
+      <p:sp>
+        <p:nvSpPr>
+          <p:cNvPr id="3" name="Content Placeholder 2"/>
+          <p:cNvSpPr>
+            <a:spLocks noGrp="1"/>
+          </p:cNvSpPr>
+          <p:nvPr>
+            <p:ph idx="1"/>
+          </p:nvPr>
+        </p:nvSpPr>
+        <p:spPr/>
+        <p:txBody>
+          <a:bodyPr/>
+          <a:lstStyle/>
+          <a:p>
+            <a:r>
+              <a:rPr lang="en-US" dirty="0" smtClean="0"/>
+              <a:t>Create </a:t>
+            </a:r>
+            <a:r>
+              <a:rPr lang="en-US" dirty="0" err="1" smtClean="0">
+                <a:solidFill>
+                  <a:srgbClr val="000000"/>
+                </a:solidFill>
+                <a:highlight>
+                  <a:srgbClr val="FFFFFF"/>
+                </a:highlight>
+                <a:latin typeface="Consolas" panose="020B0609020204030204" pitchFamily="49" charset="0"/>
+              </a:rPr>
+              <a:t>inputDevice</a:t>
+            </a:r>
+            <a:r>
+              <a:rPr lang="en-US" dirty="0" smtClean="0"/>
+              <a:t> via </a:t>
+            </a:r>
+            <a:r>
+              <a:rPr lang="en-US" dirty="0" err="1" smtClean="0">
+                <a:solidFill>
+                  <a:srgbClr val="000000"/>
+                </a:solidFill>
+                <a:highlight>
+                  <a:srgbClr val="FFFFFF"/>
+                </a:highlight>
+                <a:latin typeface="Consolas" panose="020B0609020204030204" pitchFamily="49" charset="0"/>
+              </a:rPr>
+              <a:t>ActivateAudioInterface</a:t>
+            </a:r>
+            <a:r>
+              <a:rPr lang="en-US" dirty="0" smtClean="0">
+                <a:solidFill>
+                  <a:srgbClr val="000000"/>
+                </a:solidFill>
+                <a:highlight>
+                  <a:srgbClr val="FFFFFF"/>
+                </a:highlight>
+                <a:latin typeface="Consolas" panose="020B0609020204030204" pitchFamily="49" charset="0"/>
+              </a:rPr>
+              <a:t>()</a:t>
+            </a:r>
+          </a:p>
+          <a:p>
+            <a:endParaRPr lang="en-US" dirty="0">
+              <a:solidFill>
+                <a:srgbClr val="000000"/>
+              </a:solidFill>
+              <a:highlight>
+                <a:srgbClr val="FFFFFF"/>
+              </a:highlight>
+              <a:latin typeface="Consolas" panose="020B0609020204030204" pitchFamily="49" charset="0"/>
+            </a:endParaRPr>
+          </a:p>
+          <a:p>
+            <a:r>
+              <a:rPr lang="en-US" dirty="0" smtClean="0"/>
+              <a:t>Get audio format: </a:t>
+            </a:r>
+            <a:r>
+              <a:rPr lang="en-US" dirty="0" err="1" smtClean="0">
+                <a:solidFill>
+                  <a:srgbClr val="000000"/>
+                </a:solidFill>
+                <a:highlight>
+                  <a:srgbClr val="FFFFFF"/>
+                </a:highlight>
+                <a:latin typeface="Consolas" panose="020B0609020204030204" pitchFamily="49" charset="0"/>
+              </a:rPr>
+              <a:t>inputDevice</a:t>
+            </a:r>
+            <a:r>
+              <a:rPr lang="en-US" dirty="0" smtClean="0">
+                <a:solidFill>
+                  <a:srgbClr val="000000"/>
+                </a:solidFill>
+                <a:highlight>
+                  <a:srgbClr val="FFFFFF"/>
+                </a:highlight>
+                <a:latin typeface="Consolas" panose="020B0609020204030204" pitchFamily="49" charset="0"/>
+              </a:rPr>
+              <a:t>-&gt;</a:t>
+            </a:r>
+            <a:r>
+              <a:rPr lang="en-US" dirty="0" err="1" smtClean="0">
+                <a:solidFill>
+                  <a:srgbClr val="000000"/>
+                </a:solidFill>
+                <a:highlight>
+                  <a:srgbClr val="FFFFFF"/>
+                </a:highlight>
+                <a:latin typeface="Consolas" panose="020B0609020204030204" pitchFamily="49" charset="0"/>
+              </a:rPr>
+              <a:t>GetMixFormat</a:t>
+            </a:r>
+            <a:r>
+              <a:rPr lang="en-US" dirty="0" smtClean="0">
+                <a:solidFill>
+                  <a:srgbClr val="000000"/>
+                </a:solidFill>
+                <a:highlight>
+                  <a:srgbClr val="FFFFFF"/>
+                </a:highlight>
+                <a:latin typeface="Consolas" panose="020B0609020204030204" pitchFamily="49" charset="0"/>
+              </a:rPr>
+              <a:t>()</a:t>
+            </a:r>
+          </a:p>
+          <a:p>
+            <a:endParaRPr lang="en-US" dirty="0">
+              <a:solidFill>
+                <a:srgbClr val="000000"/>
+              </a:solidFill>
+              <a:highlight>
+                <a:srgbClr val="FFFFFF"/>
+              </a:highlight>
+              <a:latin typeface="Consolas" panose="020B0609020204030204" pitchFamily="49" charset="0"/>
+            </a:endParaRPr>
+          </a:p>
+          <a:p>
+            <a:r>
+              <a:rPr lang="en-US" dirty="0" smtClean="0"/>
+              <a:t>Initialize </a:t>
+            </a:r>
+            <a:r>
+              <a:rPr lang="en-US" dirty="0" err="1" smtClean="0">
+                <a:solidFill>
+                  <a:srgbClr val="000000"/>
+                </a:solidFill>
+                <a:highlight>
+                  <a:srgbClr val="FFFFFF"/>
+                </a:highlight>
+                <a:latin typeface="Consolas" panose="020B0609020204030204" pitchFamily="49" charset="0"/>
+              </a:rPr>
+              <a:t>inputDevice</a:t>
+            </a:r>
+            <a:r>
+              <a:rPr lang="en-US" dirty="0" smtClean="0"/>
+              <a:t> for event-based recording</a:t>
+            </a:r>
+          </a:p>
+          <a:p>
+            <a:endParaRPr lang="en-US" dirty="0"/>
+          </a:p>
+          <a:p>
+            <a:r>
+              <a:rPr lang="en-US" dirty="0" smtClean="0"/>
+              <a:t>Create </a:t>
+            </a:r>
+            <a:r>
+              <a:rPr lang="en-US" dirty="0" err="1" smtClean="0">
+                <a:solidFill>
+                  <a:srgbClr val="000000"/>
+                </a:solidFill>
+                <a:highlight>
+                  <a:srgbClr val="FFFFFF"/>
+                </a:highlight>
+                <a:latin typeface="Consolas" panose="020B0609020204030204" pitchFamily="49" charset="0"/>
+              </a:rPr>
+              <a:t>inputClient</a:t>
+            </a:r>
+            <a:r>
+              <a:rPr lang="en-US" dirty="0">
+                <a:highlight>
+                  <a:srgbClr val="FFFFFF"/>
+                </a:highlight>
+              </a:rPr>
+              <a:t> </a:t>
+            </a:r>
+            <a:r>
+              <a:rPr lang="en-US" dirty="0" smtClean="0"/>
+              <a:t>to actually read the data in</a:t>
+            </a:r>
+          </a:p>
+          <a:p>
+            <a:endParaRPr lang="en-US" dirty="0"/>
+          </a:p>
+          <a:p>
+            <a:r>
+              <a:rPr lang="en-US" dirty="0" smtClean="0"/>
+              <a:t>Create </a:t>
+            </a:r>
+            <a:r>
+              <a:rPr lang="en-US" dirty="0" err="1" smtClean="0">
+                <a:solidFill>
+                  <a:srgbClr val="000000"/>
+                </a:solidFill>
+                <a:highlight>
+                  <a:srgbClr val="FFFFFF"/>
+                </a:highlight>
+                <a:latin typeface="Consolas" panose="020B0609020204030204" pitchFamily="49" charset="0"/>
+              </a:rPr>
+              <a:t>audioInEvent</a:t>
+            </a:r>
+            <a:r>
+              <a:rPr lang="en-US" dirty="0" smtClean="0">
+                <a:highlight>
+                  <a:srgbClr val="FFFFFF"/>
+                </a:highlight>
+              </a:rPr>
+              <a:t>, a</a:t>
+            </a:r>
+            <a:r>
+              <a:rPr lang="en-US" dirty="0" smtClean="0"/>
+              <a:t> C++ event</a:t>
+            </a:r>
+            <a:endParaRPr lang="en-US" dirty="0"/>
+          </a:p>
+        </p:txBody>
+      </p:sp>
+    </p:spTree>
+    <p:extLst>
+      <p:ext uri="{BB962C8B-B14F-4D97-AF65-F5344CB8AC3E}">
+        <p14:creationId xmlns:p14="http://schemas.microsoft.com/office/powerpoint/2010/main" val="1812530747"/>
+      </p:ext>
+    </p:extLst>
+  </p:cSld>
+  <p:clrMapOvr>
+    <a:masterClrMapping/>
+  </p:clrMapOvr>
+</p:sld>
+</file>
+
+<file path=ppt/slides/slide34.xml><?xml version="1.0" encoding="utf-8"?>
+<p:sld xmlns:a="http://schemas.openxmlformats.org/drawingml/2006/main" xmlns:r="http://schemas.openxmlformats.org/officeDocument/2006/relationships" xmlns:p="http://schemas.openxmlformats.org/presentationml/2006/main">
+  <p:cSld>
+    <p:spTree>
+      <p:nvGrpSpPr>
+        <p:cNvPr id="1" name=""/>
+        <p:cNvGrpSpPr/>
+        <p:nvPr/>
+      </p:nvGrpSpPr>
+      <p:grpSpPr>
+        <a:xfrm>
+          <a:off x="0" y="0"/>
+          <a:ext cx="0" cy="0"/>
+          <a:chOff x="0" y="0"/>
+          <a:chExt cx="0" cy="0"/>
+        </a:xfrm>
+      </p:grpSpPr>
+      <p:sp>
+        <p:nvSpPr>
+          <p:cNvPr id="2" name="Title 1"/>
+          <p:cNvSpPr>
+            <a:spLocks noGrp="1"/>
+          </p:cNvSpPr>
+          <p:nvPr>
+            <p:ph type="title"/>
+          </p:nvPr>
+        </p:nvSpPr>
+        <p:spPr/>
+        <p:txBody>
+          <a:bodyPr/>
+          <a:lstStyle/>
+          <a:p>
+            <a:r>
+              <a:rPr lang="en-US" dirty="0" smtClean="0"/>
               <a:t>Events: C++ vs. C#</a:t>
             </a:r>
             <a:endParaRPr lang="en-US" dirty="0"/>
@@ -17965,7 +18250,7 @@
 </p:sld>
 </file>
 
-<file path=ppt/slides/slide34.xml><?xml version="1.0" encoding="utf-8"?>
+<file path=ppt/slides/slide35.xml><?xml version="1.0" encoding="utf-8"?>
 <p:sld xmlns:a="http://schemas.openxmlformats.org/drawingml/2006/main" xmlns:r="http://schemas.openxmlformats.org/officeDocument/2006/relationships" xmlns:p="http://schemas.openxmlformats.org/presentationml/2006/main">
   <p:cSld>
     <p:spTree>
@@ -18767,552 +19052,6 @@
 </p:sld>
 </file>
 
-<file path=ppt/slides/slide35.xml><?xml version="1.0" encoding="utf-8"?>
-<p:sld xmlns:a="http://schemas.openxmlformats.org/drawingml/2006/main" xmlns:r="http://schemas.openxmlformats.org/officeDocument/2006/relationships" xmlns:p="http://schemas.openxmlformats.org/presentationml/2006/main">
-  <p:cSld>
-    <p:spTree>
-      <p:nvGrpSpPr>
-        <p:cNvPr id="1" name=""/>
-        <p:cNvGrpSpPr/>
-        <p:nvPr/>
-      </p:nvGrpSpPr>
-      <p:grpSpPr>
-        <a:xfrm>
-          <a:off x="0" y="0"/>
-          <a:ext cx="0" cy="0"/>
-          <a:chOff x="0" y="0"/>
-          <a:chExt cx="0" cy="0"/>
-        </a:xfrm>
-      </p:grpSpPr>
-      <p:sp>
-        <p:nvSpPr>
-          <p:cNvPr id="2" name="Title 1"/>
-          <p:cNvSpPr>
-            <a:spLocks noGrp="1"/>
-          </p:cNvSpPr>
-          <p:nvPr>
-            <p:ph type="title"/>
-          </p:nvPr>
-        </p:nvSpPr>
-        <p:spPr/>
-        <p:txBody>
-          <a:bodyPr/>
-          <a:lstStyle/>
-          <a:p>
-            <a:r>
-              <a:rPr lang="en-US" dirty="0" smtClean="0"/>
-              <a:t>Threads ∩ Events</a:t>
-            </a:r>
-            <a:endParaRPr lang="en-US" dirty="0"/>
-          </a:p>
-        </p:txBody>
-      </p:sp>
-      <p:sp>
-        <p:nvSpPr>
-          <p:cNvPr id="3" name="Content Placeholder 2"/>
-          <p:cNvSpPr>
-            <a:spLocks noGrp="1"/>
-          </p:cNvSpPr>
-          <p:nvPr>
-            <p:ph idx="1"/>
-          </p:nvPr>
-        </p:nvSpPr>
-        <p:spPr/>
-        <p:txBody>
-          <a:bodyPr>
-            <a:normAutofit/>
-          </a:bodyPr>
-          <a:lstStyle/>
-          <a:p>
-            <a:r>
-              <a:rPr lang="en-US" dirty="0" smtClean="0"/>
-              <a:t>We will create a thread that sleeps until an event</a:t>
-            </a:r>
-          </a:p>
-          <a:p>
-            <a:pPr lvl="1"/>
-            <a:r>
-              <a:rPr lang="en-US" dirty="0" smtClean="0"/>
-              <a:t>The key function here is </a:t>
-            </a:r>
-            <a:r>
-              <a:rPr lang="en-US" dirty="0" err="1" smtClean="0">
-                <a:solidFill>
-                  <a:srgbClr val="000000"/>
-                </a:solidFill>
-                <a:highlight>
-                  <a:srgbClr val="FFFFFF"/>
-                </a:highlight>
-                <a:latin typeface="Consolas" panose="020B0609020204030204" pitchFamily="49" charset="0"/>
-              </a:rPr>
-              <a:t>WaitForSingleObjectEx</a:t>
-            </a:r>
-            <a:endParaRPr lang="en-US" dirty="0" smtClean="0">
-              <a:highlight>
-                <a:srgbClr val="FFFFFF"/>
-              </a:highlight>
-            </a:endParaRPr>
-          </a:p>
-          <a:p>
-            <a:pPr lvl="1"/>
-            <a:endParaRPr lang="en-US" dirty="0" smtClean="0">
-              <a:highlight>
-                <a:srgbClr val="FFFFFF"/>
-              </a:highlight>
-            </a:endParaRPr>
-          </a:p>
-          <a:p>
-            <a:pPr marL="0" indent="0">
-              <a:buNone/>
-            </a:pPr>
-            <a:r>
-              <a:rPr lang="en-US" sz="1400" dirty="0" smtClean="0">
-                <a:solidFill>
-                  <a:srgbClr val="0000FF"/>
-                </a:solidFill>
-                <a:highlight>
-                  <a:srgbClr val="FFFFFF"/>
-                </a:highlight>
-                <a:latin typeface="Consolas" panose="020B0609020204030204" pitchFamily="49" charset="0"/>
-              </a:rPr>
-              <a:t>while</a:t>
-            </a:r>
-            <a:r>
-              <a:rPr lang="en-US" sz="1400" dirty="0">
-                <a:solidFill>
-                  <a:srgbClr val="000000"/>
-                </a:solidFill>
-                <a:highlight>
-                  <a:srgbClr val="FFFFFF"/>
-                </a:highlight>
-                <a:latin typeface="Consolas" panose="020B0609020204030204" pitchFamily="49" charset="0"/>
-              </a:rPr>
-              <a:t>( </a:t>
-            </a:r>
-            <a:r>
-              <a:rPr lang="en-US" sz="1400" dirty="0">
-                <a:solidFill>
-                  <a:srgbClr val="0000FF"/>
-                </a:solidFill>
-                <a:highlight>
-                  <a:srgbClr val="FFFFFF"/>
-                </a:highlight>
-                <a:latin typeface="Consolas" panose="020B0609020204030204" pitchFamily="49" charset="0"/>
-              </a:rPr>
-              <a:t>true</a:t>
-            </a:r>
-            <a:r>
-              <a:rPr lang="en-US" sz="1400" dirty="0">
-                <a:solidFill>
-                  <a:srgbClr val="000000"/>
-                </a:solidFill>
-                <a:highlight>
-                  <a:srgbClr val="FFFFFF"/>
-                </a:highlight>
-                <a:latin typeface="Consolas" panose="020B0609020204030204" pitchFamily="49" charset="0"/>
-              </a:rPr>
-              <a:t> </a:t>
-            </a:r>
-            <a:r>
-              <a:rPr lang="en-US" sz="1400" dirty="0" smtClean="0">
-                <a:solidFill>
-                  <a:srgbClr val="000000"/>
-                </a:solidFill>
-                <a:highlight>
-                  <a:srgbClr val="FFFFFF"/>
-                </a:highlight>
-                <a:latin typeface="Consolas" panose="020B0609020204030204" pitchFamily="49" charset="0"/>
-              </a:rPr>
-              <a:t>)</a:t>
-            </a:r>
-          </a:p>
-          <a:p>
-            <a:pPr marL="0" indent="0">
-              <a:buNone/>
-            </a:pPr>
-            <a:r>
-              <a:rPr lang="en-US" sz="1400" dirty="0" smtClean="0">
-                <a:solidFill>
-                  <a:srgbClr val="000000"/>
-                </a:solidFill>
-                <a:highlight>
-                  <a:srgbClr val="FFFFFF"/>
-                </a:highlight>
-                <a:latin typeface="Consolas" panose="020B0609020204030204" pitchFamily="49" charset="0"/>
-              </a:rPr>
-              <a:t>{</a:t>
-            </a:r>
-            <a:endParaRPr lang="en-US" sz="1400" dirty="0">
-              <a:solidFill>
-                <a:srgbClr val="000000"/>
-              </a:solidFill>
-              <a:highlight>
-                <a:srgbClr val="FFFFFF"/>
-              </a:highlight>
-              <a:latin typeface="Consolas" panose="020B0609020204030204" pitchFamily="49" charset="0"/>
-            </a:endParaRPr>
-          </a:p>
-          <a:p>
-            <a:pPr marL="0" indent="0">
-              <a:buNone/>
-            </a:pPr>
-            <a:r>
-              <a:rPr lang="en-US" sz="1400" dirty="0" smtClean="0">
-                <a:solidFill>
-                  <a:srgbClr val="0000FF"/>
-                </a:solidFill>
-                <a:highlight>
-                  <a:srgbClr val="FFFFFF"/>
-                </a:highlight>
-                <a:latin typeface="Consolas" panose="020B0609020204030204" pitchFamily="49" charset="0"/>
-              </a:rPr>
-              <a:t>    if</a:t>
-            </a:r>
-            <a:r>
-              <a:rPr lang="en-US" sz="1400" dirty="0">
-                <a:solidFill>
-                  <a:srgbClr val="000000"/>
-                </a:solidFill>
-                <a:highlight>
-                  <a:srgbClr val="FFFFFF"/>
-                </a:highlight>
-                <a:latin typeface="Consolas" panose="020B0609020204030204" pitchFamily="49" charset="0"/>
-              </a:rPr>
-              <a:t>( </a:t>
-            </a:r>
-            <a:r>
-              <a:rPr lang="en-US" sz="1400" dirty="0" err="1" smtClean="0">
-                <a:solidFill>
-                  <a:srgbClr val="000000"/>
-                </a:solidFill>
-                <a:highlight>
-                  <a:srgbClr val="FFFFFF"/>
-                </a:highlight>
-                <a:latin typeface="Consolas" panose="020B0609020204030204" pitchFamily="49" charset="0"/>
-              </a:rPr>
-              <a:t>WaitForSingleObjectEx</a:t>
-            </a:r>
-            <a:r>
-              <a:rPr lang="en-US" sz="1400" dirty="0" smtClean="0">
-                <a:solidFill>
-                  <a:srgbClr val="000000"/>
-                </a:solidFill>
-                <a:highlight>
-                  <a:srgbClr val="FFFFFF"/>
-                </a:highlight>
-                <a:latin typeface="Consolas" panose="020B0609020204030204" pitchFamily="49" charset="0"/>
-              </a:rPr>
-              <a:t>(</a:t>
-            </a:r>
-            <a:r>
-              <a:rPr lang="en-US" sz="1400" dirty="0" err="1" smtClean="0">
-                <a:solidFill>
-                  <a:srgbClr val="000000"/>
-                </a:solidFill>
-                <a:highlight>
-                  <a:srgbClr val="FFFFFF"/>
-                </a:highlight>
-                <a:latin typeface="Consolas" panose="020B0609020204030204" pitchFamily="49" charset="0"/>
-              </a:rPr>
-              <a:t>audioInEvent</a:t>
-            </a:r>
-            <a:r>
-              <a:rPr lang="en-US" sz="1400" dirty="0">
-                <a:solidFill>
-                  <a:srgbClr val="000000"/>
-                </a:solidFill>
-                <a:highlight>
-                  <a:srgbClr val="FFFFFF"/>
-                </a:highlight>
-                <a:latin typeface="Consolas" panose="020B0609020204030204" pitchFamily="49" charset="0"/>
-              </a:rPr>
-              <a:t>, </a:t>
-            </a:r>
-            <a:r>
-              <a:rPr lang="en-US" sz="1400" dirty="0">
-                <a:solidFill>
-                  <a:srgbClr val="6F008A"/>
-                </a:solidFill>
-                <a:highlight>
-                  <a:srgbClr val="FFFFFF"/>
-                </a:highlight>
-                <a:latin typeface="Consolas" panose="020B0609020204030204" pitchFamily="49" charset="0"/>
-              </a:rPr>
-              <a:t>INFINITE</a:t>
-            </a:r>
-            <a:r>
-              <a:rPr lang="en-US" sz="1400" dirty="0">
-                <a:solidFill>
-                  <a:srgbClr val="000000"/>
-                </a:solidFill>
-                <a:highlight>
-                  <a:srgbClr val="FFFFFF"/>
-                </a:highlight>
-                <a:latin typeface="Consolas" panose="020B0609020204030204" pitchFamily="49" charset="0"/>
-              </a:rPr>
-              <a:t>, </a:t>
-            </a:r>
-            <a:r>
-              <a:rPr lang="en-US" sz="1400" dirty="0" smtClean="0">
-                <a:solidFill>
-                  <a:srgbClr val="6F008A"/>
-                </a:solidFill>
-                <a:highlight>
-                  <a:srgbClr val="FFFFFF"/>
-                </a:highlight>
-                <a:latin typeface="Consolas" panose="020B0609020204030204" pitchFamily="49" charset="0"/>
-              </a:rPr>
-              <a:t>FALSE</a:t>
-            </a:r>
-            <a:r>
-              <a:rPr lang="en-US" sz="1400" dirty="0" smtClean="0">
-                <a:solidFill>
-                  <a:srgbClr val="000000"/>
-                </a:solidFill>
-                <a:highlight>
-                  <a:srgbClr val="FFFFFF"/>
-                </a:highlight>
-                <a:latin typeface="Consolas" panose="020B0609020204030204" pitchFamily="49" charset="0"/>
-              </a:rPr>
-              <a:t>) == </a:t>
-            </a:r>
-            <a:r>
-              <a:rPr lang="en-US" sz="1400" dirty="0" smtClean="0">
-                <a:solidFill>
-                  <a:srgbClr val="6F008A"/>
-                </a:solidFill>
-                <a:highlight>
-                  <a:srgbClr val="FFFFFF"/>
-                </a:highlight>
-                <a:latin typeface="Consolas" panose="020B0609020204030204" pitchFamily="49" charset="0"/>
-              </a:rPr>
-              <a:t>WAIT_OBJECT_0 </a:t>
-            </a:r>
-            <a:r>
-              <a:rPr lang="en-US" sz="1400" dirty="0" smtClean="0">
-                <a:solidFill>
-                  <a:srgbClr val="000000"/>
-                </a:solidFill>
-                <a:highlight>
-                  <a:srgbClr val="FFFFFF"/>
-                </a:highlight>
-                <a:latin typeface="Consolas" panose="020B0609020204030204" pitchFamily="49" charset="0"/>
-              </a:rPr>
-              <a:t>)</a:t>
-            </a:r>
-          </a:p>
-          <a:p>
-            <a:pPr marL="0" indent="0">
-              <a:buNone/>
-            </a:pPr>
-            <a:r>
-              <a:rPr lang="en-US" sz="1400" dirty="0">
-                <a:solidFill>
-                  <a:srgbClr val="000000"/>
-                </a:solidFill>
-                <a:highlight>
-                  <a:srgbClr val="FFFFFF"/>
-                </a:highlight>
-                <a:latin typeface="Consolas" panose="020B0609020204030204" pitchFamily="49" charset="0"/>
-              </a:rPr>
-              <a:t> </a:t>
-            </a:r>
-            <a:r>
-              <a:rPr lang="en-US" sz="1400" dirty="0" smtClean="0">
-                <a:solidFill>
-                  <a:srgbClr val="000000"/>
-                </a:solidFill>
-                <a:highlight>
-                  <a:srgbClr val="FFFFFF"/>
-                </a:highlight>
-                <a:latin typeface="Consolas" panose="020B0609020204030204" pitchFamily="49" charset="0"/>
-              </a:rPr>
-              <a:t>   {</a:t>
-            </a:r>
-          </a:p>
-          <a:p>
-            <a:pPr marL="0" indent="0">
-              <a:buNone/>
-            </a:pPr>
-            <a:r>
-              <a:rPr lang="en-US" sz="1400" dirty="0">
-                <a:solidFill>
-                  <a:srgbClr val="000000"/>
-                </a:solidFill>
-                <a:highlight>
-                  <a:srgbClr val="FFFFFF"/>
-                </a:highlight>
-                <a:latin typeface="Consolas" panose="020B0609020204030204" pitchFamily="49" charset="0"/>
-              </a:rPr>
-              <a:t> </a:t>
-            </a:r>
-            <a:r>
-              <a:rPr lang="en-US" sz="1400" dirty="0" smtClean="0">
-                <a:solidFill>
-                  <a:srgbClr val="000000"/>
-                </a:solidFill>
-                <a:highlight>
-                  <a:srgbClr val="FFFFFF"/>
-                </a:highlight>
-                <a:latin typeface="Consolas" panose="020B0609020204030204" pitchFamily="49" charset="0"/>
-              </a:rPr>
-              <a:t>       ...</a:t>
-            </a:r>
-          </a:p>
-          <a:p>
-            <a:pPr marL="0" indent="0">
-              <a:buNone/>
-            </a:pPr>
-            <a:r>
-              <a:rPr lang="en-US" sz="1400" dirty="0">
-                <a:solidFill>
-                  <a:srgbClr val="000000"/>
-                </a:solidFill>
-                <a:highlight>
-                  <a:srgbClr val="FFFFFF"/>
-                </a:highlight>
-                <a:latin typeface="Consolas" panose="020B0609020204030204" pitchFamily="49" charset="0"/>
-              </a:rPr>
-              <a:t> </a:t>
-            </a:r>
-            <a:r>
-              <a:rPr lang="en-US" sz="1400" dirty="0" smtClean="0">
-                <a:solidFill>
-                  <a:srgbClr val="000000"/>
-                </a:solidFill>
-                <a:highlight>
-                  <a:srgbClr val="FFFFFF"/>
-                </a:highlight>
-                <a:latin typeface="Consolas" panose="020B0609020204030204" pitchFamily="49" charset="0"/>
-              </a:rPr>
-              <a:t>   }</a:t>
-            </a:r>
-          </a:p>
-          <a:p>
-            <a:pPr marL="0" indent="0">
-              <a:buNone/>
-            </a:pPr>
-            <a:r>
-              <a:rPr lang="en-US" sz="1400" dirty="0" smtClean="0">
-                <a:solidFill>
-                  <a:srgbClr val="000000"/>
-                </a:solidFill>
-                <a:highlight>
-                  <a:srgbClr val="FFFFFF"/>
-                </a:highlight>
-                <a:latin typeface="Consolas" panose="020B0609020204030204" pitchFamily="49" charset="0"/>
-              </a:rPr>
-              <a:t>}</a:t>
-            </a:r>
-          </a:p>
-          <a:p>
-            <a:pPr marL="0" indent="0">
-              <a:buNone/>
-            </a:pPr>
-            <a:endParaRPr lang="en-US" sz="1400" dirty="0">
-              <a:solidFill>
-                <a:srgbClr val="000000"/>
-              </a:solidFill>
-              <a:highlight>
-                <a:srgbClr val="FFFFFF"/>
-              </a:highlight>
-              <a:latin typeface="Consolas" panose="020B0609020204030204" pitchFamily="49" charset="0"/>
-            </a:endParaRPr>
-          </a:p>
-          <a:p>
-            <a:r>
-              <a:rPr lang="en-US" dirty="0" err="1" smtClean="0">
-                <a:solidFill>
-                  <a:srgbClr val="000000"/>
-                </a:solidFill>
-                <a:highlight>
-                  <a:srgbClr val="FFFFFF"/>
-                </a:highlight>
-                <a:latin typeface="Consolas" panose="020B0609020204030204" pitchFamily="49" charset="0"/>
-              </a:rPr>
-              <a:t>WaitForSingleObjectEx</a:t>
-            </a:r>
-            <a:r>
-              <a:rPr lang="en-US" dirty="0">
-                <a:highlight>
-                  <a:srgbClr val="FFFFFF"/>
-                </a:highlight>
-              </a:rPr>
-              <a:t> </a:t>
-            </a:r>
-            <a:r>
-              <a:rPr lang="en-US" dirty="0" smtClean="0">
-                <a:highlight>
-                  <a:srgbClr val="FFFFFF"/>
-                </a:highlight>
-              </a:rPr>
-              <a:t>does all the hard work</a:t>
-            </a:r>
-          </a:p>
-          <a:p>
-            <a:pPr lvl="1"/>
-            <a:r>
-              <a:rPr lang="en-US" dirty="0" smtClean="0">
-                <a:highlight>
-                  <a:srgbClr val="FFFFFF"/>
-                </a:highlight>
-              </a:rPr>
-              <a:t>It sleeps until the event stored in the object </a:t>
-            </a:r>
-            <a:r>
-              <a:rPr lang="en-US" dirty="0" err="1" smtClean="0">
-                <a:solidFill>
-                  <a:srgbClr val="000000"/>
-                </a:solidFill>
-                <a:highlight>
-                  <a:srgbClr val="FFFFFF"/>
-                </a:highlight>
-                <a:latin typeface="Consolas" panose="020B0609020204030204" pitchFamily="49" charset="0"/>
-              </a:rPr>
-              <a:t>audioInEvent</a:t>
-            </a:r>
-            <a:r>
-              <a:rPr lang="en-US" dirty="0" smtClean="0">
-                <a:highlight>
-                  <a:srgbClr val="FFFFFF"/>
-                </a:highlight>
-              </a:rPr>
-              <a:t> is triggered</a:t>
-            </a:r>
-          </a:p>
-          <a:p>
-            <a:pPr lvl="1"/>
-            <a:r>
-              <a:rPr lang="en-US" dirty="0" smtClean="0">
-                <a:highlight>
-                  <a:srgbClr val="FFFFFF"/>
-                </a:highlight>
-              </a:rPr>
-              <a:t>We then know we have audio data waiting for us in the buffer</a:t>
-            </a:r>
-          </a:p>
-        </p:txBody>
-      </p:sp>
-    </p:spTree>
-    <p:extLst>
-      <p:ext uri="{BB962C8B-B14F-4D97-AF65-F5344CB8AC3E}">
-        <p14:creationId xmlns:p14="http://schemas.microsoft.com/office/powerpoint/2010/main" val="4084050986"/>
-      </p:ext>
-    </p:extLst>
-  </p:cSld>
-  <p:clrMapOvr>
-    <a:masterClrMapping/>
-  </p:clrMapOvr>
-  <p:timing>
-    <p:tnLst>
-      <p:par>
-        <p:cTn xmlns:p14="http://schemas.microsoft.com/office/powerpoint/2010/main" id="1" dur="indefinite" restart="never" nodeType="tmRoot"/>
-      </p:par>
-    </p:tnLst>
-  </p:timing>
-</p:sld>
-</file>
-
 <file path=ppt/slides/slide36.xml><?xml version="1.0" encoding="utf-8"?>
 <p:sld xmlns:a="http://schemas.openxmlformats.org/drawingml/2006/main" xmlns:r="http://schemas.openxmlformats.org/officeDocument/2006/relationships" xmlns:p="http://schemas.openxmlformats.org/presentationml/2006/main">
   <p:cSld>
@@ -19347,7 +19086,7 @@
           <a:p>
             <a:r>
               <a:rPr lang="en-US" dirty="0" smtClean="0"/>
-              <a:t>WASAPI (Input) Reading</a:t>
+              <a:t>Threads ∩ Events</a:t>
             </a:r>
             <a:endParaRPr lang="en-US" dirty="0"/>
           </a:p>
@@ -19363,26 +19102,23 @@
             <p:ph idx="1"/>
           </p:nvPr>
         </p:nvSpPr>
-        <p:spPr>
-          <a:xfrm>
-            <a:off x="457200" y="1600200"/>
-            <a:ext cx="8229600" cy="4876800"/>
-          </a:xfrm>
-        </p:spPr>
+        <p:spPr/>
         <p:txBody>
-          <a:bodyPr/>
+          <a:bodyPr>
+            <a:normAutofit/>
+          </a:bodyPr>
           <a:lstStyle/>
           <a:p>
             <a:r>
               <a:rPr lang="en-US" dirty="0" smtClean="0"/>
-              <a:t>We know when to read audio, now let’s learn how</a:t>
+              <a:t>We will create a thread that sleeps until an event</a:t>
             </a:r>
           </a:p>
           <a:p>
             <a:pPr lvl="1"/>
             <a:r>
               <a:rPr lang="en-US" dirty="0" smtClean="0"/>
-              <a:t>If you remember, this is where that variable </a:t>
+              <a:t>The key function here is </a:t>
             </a:r>
             <a:r>
               <a:rPr lang="en-US" dirty="0" err="1" smtClean="0">
@@ -19394,55 +19130,9 @@
                 </a:highlight>
                 <a:latin typeface="Consolas" panose="020B0609020204030204" pitchFamily="49" charset="0"/>
               </a:rPr>
-              <a:t>inputClient</a:t>
-            </a:r>
-            <a:r>
-              <a:rPr lang="en-US" dirty="0" smtClean="0"/>
-              <a:t> comes in</a:t>
-            </a:r>
-          </a:p>
-          <a:p>
-            <a:pPr lvl="1"/>
-            <a:endParaRPr lang="en-US" dirty="0" smtClean="0"/>
-          </a:p>
-          <a:p>
-            <a:r>
-              <a:rPr lang="en-US" dirty="0" smtClean="0"/>
-              <a:t>We notice </a:t>
-            </a:r>
-            <a:r>
-              <a:rPr lang="en-US" dirty="0" err="1">
-                <a:solidFill>
-                  <a:srgbClr val="000000"/>
-                </a:solidFill>
-                <a:highlight>
-                  <a:srgbClr val="FFFFFF"/>
-                </a:highlight>
-                <a:latin typeface="Consolas" panose="020B0609020204030204" pitchFamily="49" charset="0"/>
-              </a:rPr>
-              <a:t>inputClient</a:t>
-            </a:r>
-            <a:r>
-              <a:rPr lang="en-US" dirty="0" smtClean="0"/>
-              <a:t> has a function </a:t>
-            </a:r>
-            <a:r>
-              <a:rPr lang="en-US" dirty="0" err="1" smtClean="0">
-                <a:solidFill>
-                  <a:srgbClr val="000000"/>
-                </a:solidFill>
-                <a:highlight>
-                  <a:srgbClr val="FFFFFF"/>
-                </a:highlight>
-                <a:latin typeface="Consolas" panose="020B0609020204030204" pitchFamily="49" charset="0"/>
-              </a:rPr>
-              <a:t>GetBuffer</a:t>
-            </a:r>
-            <a:r>
-              <a:rPr lang="en-US" dirty="0" smtClean="0"/>
-              <a:t>:</a:t>
-            </a:r>
-            <a:endParaRPr lang="en-US" dirty="0">
+              <a:t>WaitForSingleObjectEx</a:t>
+            </a:r>
+            <a:endParaRPr lang="en-US" dirty="0" smtClean="0">
               <a:highlight>
                 <a:srgbClr val="FFFFFF"/>
               </a:highlight>
@@ -19451,6 +19141,93 @@
           <a:p>
             <a:pPr lvl="1"/>
             <a:endParaRPr lang="en-US" dirty="0" smtClean="0">
+              <a:highlight>
+                <a:srgbClr val="FFFFFF"/>
+              </a:highlight>
+            </a:endParaRPr>
+          </a:p>
+          <a:p>
+            <a:pPr marL="0" indent="0">
+              <a:buNone/>
+            </a:pPr>
+            <a:r>
+              <a:rPr lang="en-US" sz="1400" dirty="0" smtClean="0">
+                <a:solidFill>
+                  <a:srgbClr val="0000FF"/>
+                </a:solidFill>
+                <a:highlight>
+                  <a:srgbClr val="FFFFFF"/>
+                </a:highlight>
+                <a:latin typeface="Consolas" panose="020B0609020204030204" pitchFamily="49" charset="0"/>
+              </a:rPr>
+              <a:t>while</a:t>
+            </a:r>
+            <a:r>
+              <a:rPr lang="en-US" sz="1400" dirty="0">
+                <a:solidFill>
+                  <a:srgbClr val="000000"/>
+                </a:solidFill>
+                <a:highlight>
+                  <a:srgbClr val="FFFFFF"/>
+                </a:highlight>
+                <a:latin typeface="Consolas" panose="020B0609020204030204" pitchFamily="49" charset="0"/>
+              </a:rPr>
+              <a:t>( </a:t>
+            </a:r>
+            <a:r>
+              <a:rPr lang="en-US" sz="1400" dirty="0">
+                <a:solidFill>
+                  <a:srgbClr val="0000FF"/>
+                </a:solidFill>
+                <a:highlight>
+                  <a:srgbClr val="FFFFFF"/>
+                </a:highlight>
+                <a:latin typeface="Consolas" panose="020B0609020204030204" pitchFamily="49" charset="0"/>
+              </a:rPr>
+              <a:t>true</a:t>
+            </a:r>
+            <a:r>
+              <a:rPr lang="en-US" sz="1400" dirty="0">
+                <a:solidFill>
+                  <a:srgbClr val="000000"/>
+                </a:solidFill>
+                <a:highlight>
+                  <a:srgbClr val="FFFFFF"/>
+                </a:highlight>
+                <a:latin typeface="Consolas" panose="020B0609020204030204" pitchFamily="49" charset="0"/>
+              </a:rPr>
+              <a:t> </a:t>
+            </a:r>
+            <a:r>
+              <a:rPr lang="en-US" sz="1400" dirty="0" smtClean="0">
+                <a:solidFill>
+                  <a:srgbClr val="000000"/>
+                </a:solidFill>
+                <a:highlight>
+                  <a:srgbClr val="FFFFFF"/>
+                </a:highlight>
+                <a:latin typeface="Consolas" panose="020B0609020204030204" pitchFamily="49" charset="0"/>
+              </a:rPr>
+              <a:t>)</a:t>
+            </a:r>
+          </a:p>
+          <a:p>
+            <a:pPr marL="0" indent="0">
+              <a:buNone/>
+            </a:pPr>
+            <a:r>
+              <a:rPr lang="en-US" sz="1400" dirty="0" smtClean="0">
+                <a:solidFill>
+                  <a:srgbClr val="000000"/>
+                </a:solidFill>
+                <a:highlight>
+                  <a:srgbClr val="FFFFFF"/>
+                </a:highlight>
+                <a:latin typeface="Consolas" panose="020B0609020204030204" pitchFamily="49" charset="0"/>
+              </a:rPr>
+              <a:t>{</a:t>
+            </a:r>
+            <a:endParaRPr lang="en-US" sz="1400" dirty="0">
               <a:solidFill>
                 <a:srgbClr val="000000"/>
               </a:solidFill>
@@ -19465,7 +19242,7 @@
               <a:buNone/>
             </a:pPr>
             <a:r>
-              <a:rPr lang="en-US" sz="1600" dirty="0">
+              <a:rPr lang="en-US" sz="1400" dirty="0" smtClean="0">
                 <a:solidFill>
                   <a:srgbClr val="0000FF"/>
                 </a:solidFill>
@@ -19474,67 +19251,139 @@
                 </a:highlight>
                 <a:latin typeface="Consolas" panose="020B0609020204030204" pitchFamily="49" charset="0"/>
               </a:rPr>
-              <a:t>unsigned</a:t>
-            </a:r>
-            <a:r>
-              <a:rPr lang="en-US" sz="1600" dirty="0">
-                <a:solidFill>
-                  <a:srgbClr val="000000"/>
-                </a:solidFill>
-                <a:highlight>
-                  <a:srgbClr val="FFFFFF"/>
-                </a:highlight>
-                <a:latin typeface="Consolas" panose="020B0609020204030204" pitchFamily="49" charset="0"/>
-              </a:rPr>
-              <a:t> </a:t>
-            </a:r>
-            <a:r>
-              <a:rPr lang="en-US" sz="1600" dirty="0">
-                <a:solidFill>
-                  <a:srgbClr val="0000FF"/>
-                </a:solidFill>
-                <a:highlight>
-                  <a:srgbClr val="FFFFFF"/>
-                </a:highlight>
-                <a:latin typeface="Consolas" panose="020B0609020204030204" pitchFamily="49" charset="0"/>
-              </a:rPr>
-              <a:t>char</a:t>
-            </a:r>
-            <a:r>
-              <a:rPr lang="en-US" sz="1600" dirty="0">
-                <a:solidFill>
-                  <a:srgbClr val="000000"/>
-                </a:solidFill>
-                <a:highlight>
-                  <a:srgbClr val="FFFFFF"/>
-                </a:highlight>
-                <a:latin typeface="Consolas" panose="020B0609020204030204" pitchFamily="49" charset="0"/>
-              </a:rPr>
-              <a:t> * </a:t>
-            </a:r>
-            <a:r>
-              <a:rPr lang="en-US" sz="1600" dirty="0" err="1">
-                <a:solidFill>
-                  <a:srgbClr val="000000"/>
-                </a:solidFill>
-                <a:highlight>
-                  <a:srgbClr val="FFFFFF"/>
-                </a:highlight>
-                <a:latin typeface="Consolas" panose="020B0609020204030204" pitchFamily="49" charset="0"/>
-              </a:rPr>
-              <a:t>rawData</a:t>
-            </a:r>
-            <a:r>
-              <a:rPr lang="en-US" sz="1600" dirty="0">
-                <a:solidFill>
-                  <a:srgbClr val="000000"/>
-                </a:solidFill>
-                <a:highlight>
-                  <a:srgbClr val="FFFFFF"/>
-                </a:highlight>
-                <a:latin typeface="Consolas" panose="020B0609020204030204" pitchFamily="49" charset="0"/>
-              </a:rPr>
-              <a:t>;</a:t>
+              <a:t>    if</a:t>
+            </a:r>
+            <a:r>
+              <a:rPr lang="en-US" sz="1400" dirty="0">
+                <a:solidFill>
+                  <a:srgbClr val="000000"/>
+                </a:solidFill>
+                <a:highlight>
+                  <a:srgbClr val="FFFFFF"/>
+                </a:highlight>
+                <a:latin typeface="Consolas" panose="020B0609020204030204" pitchFamily="49" charset="0"/>
+              </a:rPr>
+              <a:t>( </a:t>
+            </a:r>
+            <a:r>
+              <a:rPr lang="en-US" sz="1400" dirty="0" err="1" smtClean="0">
+                <a:solidFill>
+                  <a:srgbClr val="000000"/>
+                </a:solidFill>
+                <a:highlight>
+                  <a:srgbClr val="FFFFFF"/>
+                </a:highlight>
+                <a:latin typeface="Consolas" panose="020B0609020204030204" pitchFamily="49" charset="0"/>
+              </a:rPr>
+              <a:t>WaitForSingleObjectEx</a:t>
+            </a:r>
+            <a:r>
+              <a:rPr lang="en-US" sz="1400" dirty="0" smtClean="0">
+                <a:solidFill>
+                  <a:srgbClr val="000000"/>
+                </a:solidFill>
+                <a:highlight>
+                  <a:srgbClr val="FFFFFF"/>
+                </a:highlight>
+                <a:latin typeface="Consolas" panose="020B0609020204030204" pitchFamily="49" charset="0"/>
+              </a:rPr>
+              <a:t>(</a:t>
+            </a:r>
+            <a:r>
+              <a:rPr lang="en-US" sz="1400" dirty="0" err="1" smtClean="0">
+                <a:solidFill>
+                  <a:srgbClr val="000000"/>
+                </a:solidFill>
+                <a:highlight>
+                  <a:srgbClr val="FFFFFF"/>
+                </a:highlight>
+                <a:latin typeface="Consolas" panose="020B0609020204030204" pitchFamily="49" charset="0"/>
+              </a:rPr>
+              <a:t>audioInEvent</a:t>
+            </a:r>
+            <a:r>
+              <a:rPr lang="en-US" sz="1400" dirty="0">
+                <a:solidFill>
+                  <a:srgbClr val="000000"/>
+                </a:solidFill>
+                <a:highlight>
+                  <a:srgbClr val="FFFFFF"/>
+                </a:highlight>
+                <a:latin typeface="Consolas" panose="020B0609020204030204" pitchFamily="49" charset="0"/>
+              </a:rPr>
+              <a:t>, </a:t>
+            </a:r>
+            <a:r>
+              <a:rPr lang="en-US" sz="1400" dirty="0">
+                <a:solidFill>
+                  <a:srgbClr val="6F008A"/>
+                </a:solidFill>
+                <a:highlight>
+                  <a:srgbClr val="FFFFFF"/>
+                </a:highlight>
+                <a:latin typeface="Consolas" panose="020B0609020204030204" pitchFamily="49" charset="0"/>
+              </a:rPr>
+              <a:t>INFINITE</a:t>
+            </a:r>
+            <a:r>
+              <a:rPr lang="en-US" sz="1400" dirty="0">
+                <a:solidFill>
+                  <a:srgbClr val="000000"/>
+                </a:solidFill>
+                <a:highlight>
+                  <a:srgbClr val="FFFFFF"/>
+                </a:highlight>
+                <a:latin typeface="Consolas" panose="020B0609020204030204" pitchFamily="49" charset="0"/>
+              </a:rPr>
+              <a:t>, </a:t>
+            </a:r>
+            <a:r>
+              <a:rPr lang="en-US" sz="1400" dirty="0" smtClean="0">
+                <a:solidFill>
+                  <a:srgbClr val="6F008A"/>
+                </a:solidFill>
+                <a:highlight>
+                  <a:srgbClr val="FFFFFF"/>
+                </a:highlight>
+                <a:latin typeface="Consolas" panose="020B0609020204030204" pitchFamily="49" charset="0"/>
+              </a:rPr>
+              <a:t>FALSE</a:t>
+            </a:r>
+            <a:r>
+              <a:rPr lang="en-US" sz="1400" dirty="0" smtClean="0">
+                <a:solidFill>
+                  <a:srgbClr val="000000"/>
+                </a:solidFill>
+                <a:highlight>
+                  <a:srgbClr val="FFFFFF"/>
+                </a:highlight>
+                <a:latin typeface="Consolas" panose="020B0609020204030204" pitchFamily="49" charset="0"/>
+              </a:rPr>
+              <a:t>) == </a:t>
+            </a:r>
+            <a:r>
+              <a:rPr lang="en-US" sz="1400" dirty="0" smtClean="0">
+                <a:solidFill>
+                  <a:srgbClr val="6F008A"/>
+                </a:solidFill>
+                <a:highlight>
+                  <a:srgbClr val="FFFFFF"/>
+                </a:highlight>
+                <a:latin typeface="Consolas" panose="020B0609020204030204" pitchFamily="49" charset="0"/>
+              </a:rPr>
+              <a:t>WAIT_OBJECT_0 </a:t>
+            </a:r>
+            <a:r>
+              <a:rPr lang="en-US" sz="1400" dirty="0" smtClean="0">
+                <a:solidFill>
+                  <a:srgbClr val="000000"/>
+                </a:solidFill>
+                <a:highlight>
+                  <a:srgbClr val="FFFFFF"/>
+                </a:highlight>
+                <a:latin typeface="Consolas" panose="020B0609020204030204" pitchFamily="49" charset="0"/>
+              </a:rPr>
+              <a:t>)</a:t>
             </a:r>
           </a:p>
           <a:p>
@@ -19542,19 +19391,7 @@
               <a:buNone/>
             </a:pPr>
             <a:r>
-              <a:rPr lang="en-US" sz="1600" dirty="0">
-                <a:solidFill>
-                  <a:srgbClr val="0000FF"/>
-                </a:solidFill>
-                <a:highlight>
-                  <a:srgbClr val="FFFFFF"/>
-                </a:highlight>
-                <a:latin typeface="Consolas" panose="020B0609020204030204" pitchFamily="49" charset="0"/>
-              </a:rPr>
-              <a:t>unsigned</a:t>
-            </a:r>
-            <a:r>
-              <a:rPr lang="en-US" sz="1600" dirty="0">
+              <a:rPr lang="en-US" sz="1400" dirty="0">
                 <a:solidFill>
                   <a:srgbClr val="000000"/>
                 </a:solidFill>
@@ -19566,52 +19403,16 @@
               <a:t> </a:t>
             </a:r>
             <a:r>
-              <a:rPr lang="en-US" sz="1600" dirty="0" err="1">
-                <a:solidFill>
-                  <a:srgbClr val="0000FF"/>
-                </a:solidFill>
-                <a:highlight>
-                  <a:srgbClr val="FFFFFF"/>
-                </a:highlight>
-                <a:latin typeface="Consolas" panose="020B0609020204030204" pitchFamily="49" charset="0"/>
-              </a:rPr>
-              <a:t>int</a:t>
-            </a:r>
-            <a:r>
-              <a:rPr lang="en-US" sz="1600" dirty="0">
-                <a:solidFill>
-                  <a:srgbClr val="000000"/>
-                </a:solidFill>
-                <a:highlight>
-                  <a:srgbClr val="FFFFFF"/>
-                </a:highlight>
-                <a:latin typeface="Consolas" panose="020B0609020204030204" pitchFamily="49" charset="0"/>
-              </a:rPr>
-              <a:t> </a:t>
-            </a:r>
-            <a:r>
-              <a:rPr lang="en-US" sz="1600" dirty="0" err="1">
-                <a:solidFill>
-                  <a:srgbClr val="000000"/>
-                </a:solidFill>
-                <a:highlight>
-                  <a:srgbClr val="FFFFFF"/>
-                </a:highlight>
-                <a:latin typeface="Consolas" panose="020B0609020204030204" pitchFamily="49" charset="0"/>
-              </a:rPr>
-              <a:t>numSamples</a:t>
-            </a:r>
-            <a:r>
-              <a:rPr lang="en-US" sz="1600" dirty="0">
-                <a:solidFill>
-                  <a:srgbClr val="000000"/>
-                </a:solidFill>
-                <a:highlight>
-                  <a:srgbClr val="FFFFFF"/>
-                </a:highlight>
-                <a:latin typeface="Consolas" panose="020B0609020204030204" pitchFamily="49" charset="0"/>
-              </a:rPr>
-              <a:t>;</a:t>
+              <a:rPr lang="en-US" sz="1400" dirty="0" smtClean="0">
+                <a:solidFill>
+                  <a:srgbClr val="000000"/>
+                </a:solidFill>
+                <a:highlight>
+                  <a:srgbClr val="FFFFFF"/>
+                </a:highlight>
+                <a:latin typeface="Consolas" panose="020B0609020204030204" pitchFamily="49" charset="0"/>
+              </a:rPr>
+              <a:t>   {</a:t>
             </a:r>
           </a:p>
           <a:p>
@@ -19619,19 +19420,7 @@
               <a:buNone/>
             </a:pPr>
             <a:r>
-              <a:rPr lang="en-US" sz="1600" dirty="0">
-                <a:solidFill>
-                  <a:srgbClr val="0000FF"/>
-                </a:solidFill>
-                <a:highlight>
-                  <a:srgbClr val="FFFFFF"/>
-                </a:highlight>
-                <a:latin typeface="Consolas" panose="020B0609020204030204" pitchFamily="49" charset="0"/>
-              </a:rPr>
-              <a:t>unsigned</a:t>
-            </a:r>
-            <a:r>
-              <a:rPr lang="en-US" sz="1600" dirty="0">
+              <a:rPr lang="en-US" sz="1400" dirty="0">
                 <a:solidFill>
                   <a:srgbClr val="000000"/>
                 </a:solidFill>
@@ -19643,30 +19432,69 @@
               <a:t> </a:t>
             </a:r>
             <a:r>
-              <a:rPr lang="en-US" sz="1600" dirty="0">
-                <a:solidFill>
-                  <a:srgbClr val="0000FF"/>
-                </a:solidFill>
-                <a:highlight>
-                  <a:srgbClr val="FFFFFF"/>
-                </a:highlight>
-                <a:latin typeface="Consolas" panose="020B0609020204030204" pitchFamily="49" charset="0"/>
-              </a:rPr>
-              <a:t>long</a:t>
-            </a:r>
-            <a:r>
-              <a:rPr lang="en-US" sz="1600" dirty="0">
-                <a:solidFill>
-                  <a:srgbClr val="000000"/>
-                </a:solidFill>
-                <a:highlight>
-                  <a:srgbClr val="FFFFFF"/>
-                </a:highlight>
-                <a:latin typeface="Consolas" panose="020B0609020204030204" pitchFamily="49" charset="0"/>
-              </a:rPr>
-              <a:t> flags;</a:t>
-            </a:r>
-            <a:endParaRPr lang="en-US" sz="1600" dirty="0" smtClean="0">
+              <a:rPr lang="en-US" sz="1400" dirty="0" smtClean="0">
+                <a:solidFill>
+                  <a:srgbClr val="000000"/>
+                </a:solidFill>
+                <a:highlight>
+                  <a:srgbClr val="FFFFFF"/>
+                </a:highlight>
+                <a:latin typeface="Consolas" panose="020B0609020204030204" pitchFamily="49" charset="0"/>
+              </a:rPr>
+              <a:t>       ...</a:t>
+            </a:r>
+          </a:p>
+          <a:p>
+            <a:pPr marL="0" indent="0">
+              <a:buNone/>
+            </a:pPr>
+            <a:r>
+              <a:rPr lang="en-US" sz="1400" dirty="0">
+                <a:solidFill>
+                  <a:srgbClr val="000000"/>
+                </a:solidFill>
+                <a:highlight>
+                  <a:srgbClr val="FFFFFF"/>
+                </a:highlight>
+                <a:latin typeface="Consolas" panose="020B0609020204030204" pitchFamily="49" charset="0"/>
+              </a:rPr>
+              <a:t> </a:t>
+            </a:r>
+            <a:r>
+              <a:rPr lang="en-US" sz="1400" dirty="0" smtClean="0">
+                <a:solidFill>
+                  <a:srgbClr val="000000"/>
+                </a:solidFill>
+                <a:highlight>
+                  <a:srgbClr val="FFFFFF"/>
+                </a:highlight>
+                <a:latin typeface="Consolas" panose="020B0609020204030204" pitchFamily="49" charset="0"/>
+              </a:rPr>
+              <a:t>   }</a:t>
+            </a:r>
+          </a:p>
+          <a:p>
+            <a:pPr marL="0" indent="0">
+              <a:buNone/>
+            </a:pPr>
+            <a:r>
+              <a:rPr lang="en-US" sz="1400" dirty="0" smtClean="0">
+                <a:solidFill>
+                  <a:srgbClr val="000000"/>
+                </a:solidFill>
+                <a:highlight>
+                  <a:srgbClr val="FFFFFF"/>
+                </a:highlight>
+                <a:latin typeface="Consolas" panose="020B0609020204030204" pitchFamily="49" charset="0"/>
+              </a:rPr>
+              <a:t>}</a:t>
+            </a:r>
+          </a:p>
+          <a:p>
+            <a:pPr marL="0" indent="0">
+              <a:buNone/>
+            </a:pPr>
+            <a:endParaRPr lang="en-US" sz="1400" dirty="0">
               <a:solidFill>
                 <a:srgbClr val="000000"/>
               </a:solidFill>
@@ -19677,204 +19505,44 @@
             </a:endParaRPr>
           </a:p>
           <a:p>
-            <a:pPr marL="0" indent="0">
-              <a:buNone/>
-            </a:pPr>
-            <a:r>
-              <a:rPr lang="en-US" sz="1600" dirty="0" err="1">
-                <a:solidFill>
-                  <a:srgbClr val="000000"/>
-                </a:solidFill>
-                <a:highlight>
-                  <a:srgbClr val="FFFFFF"/>
-                </a:highlight>
-                <a:latin typeface="Consolas" panose="020B0609020204030204" pitchFamily="49" charset="0"/>
-              </a:rPr>
-              <a:t>inputClient</a:t>
-            </a:r>
-            <a:r>
-              <a:rPr lang="en-US" sz="1600" dirty="0">
-                <a:solidFill>
-                  <a:srgbClr val="000000"/>
-                </a:solidFill>
-                <a:highlight>
-                  <a:srgbClr val="FFFFFF"/>
-                </a:highlight>
-                <a:latin typeface="Consolas" panose="020B0609020204030204" pitchFamily="49" charset="0"/>
-              </a:rPr>
-              <a:t>-&gt;</a:t>
-            </a:r>
-            <a:r>
-              <a:rPr lang="en-US" sz="1600" dirty="0" err="1">
-                <a:solidFill>
-                  <a:srgbClr val="000000"/>
-                </a:solidFill>
-                <a:highlight>
-                  <a:srgbClr val="FFFFFF"/>
-                </a:highlight>
-                <a:latin typeface="Consolas" panose="020B0609020204030204" pitchFamily="49" charset="0"/>
-                <a:hlinkClick r:id="rId2"/>
-              </a:rPr>
-              <a:t>GetBuffer</a:t>
-            </a:r>
-            <a:r>
-              <a:rPr lang="en-US" sz="1600" dirty="0">
-                <a:solidFill>
-                  <a:srgbClr val="000000"/>
-                </a:solidFill>
-                <a:highlight>
-                  <a:srgbClr val="FFFFFF"/>
-                </a:highlight>
-                <a:latin typeface="Consolas" panose="020B0609020204030204" pitchFamily="49" charset="0"/>
-              </a:rPr>
-              <a:t>( </a:t>
-            </a:r>
-            <a:r>
-              <a:rPr lang="en-US" sz="1600" dirty="0" smtClean="0">
-                <a:solidFill>
-                  <a:srgbClr val="000000"/>
-                </a:solidFill>
-                <a:highlight>
-                  <a:srgbClr val="FFFFFF"/>
-                </a:highlight>
-                <a:latin typeface="Consolas" panose="020B0609020204030204" pitchFamily="49" charset="0"/>
-              </a:rPr>
-              <a:t>&amp;</a:t>
-            </a:r>
-            <a:r>
-              <a:rPr lang="en-US" sz="1600" dirty="0" err="1">
-                <a:solidFill>
-                  <a:srgbClr val="000000"/>
-                </a:solidFill>
-                <a:highlight>
-                  <a:srgbClr val="FFFFFF"/>
-                </a:highlight>
-                <a:latin typeface="Consolas" panose="020B0609020204030204" pitchFamily="49" charset="0"/>
-              </a:rPr>
-              <a:t>rawData</a:t>
-            </a:r>
-            <a:r>
-              <a:rPr lang="en-US" sz="1600" dirty="0">
-                <a:solidFill>
-                  <a:srgbClr val="000000"/>
-                </a:solidFill>
-                <a:highlight>
-                  <a:srgbClr val="FFFFFF"/>
-                </a:highlight>
-                <a:latin typeface="Consolas" panose="020B0609020204030204" pitchFamily="49" charset="0"/>
-              </a:rPr>
-              <a:t>, &amp;</a:t>
-            </a:r>
-            <a:r>
-              <a:rPr lang="en-US" sz="1600" dirty="0" err="1">
-                <a:solidFill>
-                  <a:srgbClr val="000000"/>
-                </a:solidFill>
-                <a:highlight>
-                  <a:srgbClr val="FFFFFF"/>
-                </a:highlight>
-                <a:latin typeface="Consolas" panose="020B0609020204030204" pitchFamily="49" charset="0"/>
-              </a:rPr>
-              <a:t>numSamples</a:t>
-            </a:r>
-            <a:r>
-              <a:rPr lang="en-US" sz="1600" dirty="0">
-                <a:solidFill>
-                  <a:srgbClr val="000000"/>
-                </a:solidFill>
-                <a:highlight>
-                  <a:srgbClr val="FFFFFF"/>
-                </a:highlight>
-                <a:latin typeface="Consolas" panose="020B0609020204030204" pitchFamily="49" charset="0"/>
-              </a:rPr>
-              <a:t>, &amp;flags, </a:t>
-            </a:r>
-            <a:r>
-              <a:rPr lang="en-US" sz="1600" dirty="0">
-                <a:solidFill>
-                  <a:srgbClr val="6F008A"/>
-                </a:solidFill>
-                <a:highlight>
-                  <a:srgbClr val="FFFFFF"/>
-                </a:highlight>
-                <a:latin typeface="Consolas" panose="020B0609020204030204" pitchFamily="49" charset="0"/>
-              </a:rPr>
-              <a:t>NULL</a:t>
-            </a:r>
-            <a:r>
-              <a:rPr lang="en-US" sz="1600" dirty="0">
-                <a:solidFill>
-                  <a:srgbClr val="000000"/>
-                </a:solidFill>
-                <a:highlight>
-                  <a:srgbClr val="FFFFFF"/>
-                </a:highlight>
-                <a:latin typeface="Consolas" panose="020B0609020204030204" pitchFamily="49" charset="0"/>
-              </a:rPr>
-              <a:t>, </a:t>
-            </a:r>
-            <a:r>
-              <a:rPr lang="en-US" sz="1600" dirty="0">
-                <a:solidFill>
-                  <a:srgbClr val="6F008A"/>
-                </a:solidFill>
-                <a:highlight>
-                  <a:srgbClr val="FFFFFF"/>
-                </a:highlight>
-                <a:latin typeface="Consolas" panose="020B0609020204030204" pitchFamily="49" charset="0"/>
-              </a:rPr>
-              <a:t>NULL</a:t>
-            </a:r>
-            <a:r>
-              <a:rPr lang="en-US" sz="1600" dirty="0">
-                <a:solidFill>
-                  <a:srgbClr val="000000"/>
-                </a:solidFill>
-                <a:highlight>
-                  <a:srgbClr val="FFFFFF"/>
-                </a:highlight>
-                <a:latin typeface="Consolas" panose="020B0609020204030204" pitchFamily="49" charset="0"/>
+            <a:r>
+              <a:rPr lang="en-US" dirty="0" err="1" smtClean="0">
+                <a:solidFill>
+                  <a:srgbClr val="000000"/>
+                </a:solidFill>
+                <a:highlight>
+                  <a:srgbClr val="FFFFFF"/>
+                </a:highlight>
+                <a:latin typeface="Consolas" panose="020B0609020204030204" pitchFamily="49" charset="0"/>
+              </a:rPr>
+              <a:t>WaitForSingleObjectEx</a:t>
+            </a:r>
+            <a:r>
+              <a:rPr lang="en-US" dirty="0">
+                <a:highlight>
+                  <a:srgbClr val="FFFFFF"/>
+                </a:highlight>
               </a:rPr>
               <a:t> </a:t>
             </a:r>
             <a:r>
-              <a:rPr lang="en-US" sz="1600" dirty="0" smtClean="0">
-                <a:solidFill>
-                  <a:srgbClr val="000000"/>
-                </a:solidFill>
-                <a:highlight>
-                  <a:srgbClr val="FFFFFF"/>
-                </a:highlight>
-                <a:latin typeface="Consolas" panose="020B0609020204030204" pitchFamily="49" charset="0"/>
-              </a:rPr>
-              <a:t>);</a:t>
-            </a:r>
-          </a:p>
-          <a:p>
-            <a:pPr marL="457200" lvl="1" indent="0">
-              <a:buNone/>
-            </a:pPr>
-            <a:endParaRPr lang="en-US" dirty="0"/>
-          </a:p>
-          <a:p>
-            <a:r>
               <a:rPr lang="en-US" dirty="0" smtClean="0">
                 <a:highlight>
                   <a:srgbClr val="FFFFFF"/>
                 </a:highlight>
               </a:rPr>
-              <a:t>This method returns values in its parameters</a:t>
+              <a:t>does all the hard work</a:t>
             </a:r>
           </a:p>
           <a:p>
             <a:pPr lvl="1"/>
             <a:r>
-              <a:rPr lang="en-US" dirty="0">
-                <a:highlight>
-                  <a:srgbClr val="FFFFFF"/>
-                </a:highlight>
-              </a:rPr>
-              <a:t> </a:t>
+              <a:rPr lang="en-US" dirty="0" smtClean="0">
+                <a:highlight>
+                  <a:srgbClr val="FFFFFF"/>
+                </a:highlight>
+              </a:rPr>
+              <a:t>It sleeps until the event stored in the object </a:t>
             </a:r>
             <a:r>
               <a:rPr lang="en-US" dirty="0" err="1" smtClean="0">
@@ -19886,7 +19554,7 @@
                 </a:highlight>
                 <a:latin typeface="Consolas" panose="020B0609020204030204" pitchFamily="49" charset="0"/>
               </a:rPr>
-              <a:t>rawData</a:t>
+              <a:t>audioInEvent</a:t>
             </a:r>
             <a:r>
               <a:rPr lang="en-US" dirty="0" smtClean="0">
@@ -19894,117 +19562,26 @@
                   <a:srgbClr val="FFFFFF"/>
                 </a:highlight>
               </a:rPr>
-              <a:t> becomes a pointer to the audio buffer</a:t>
+              <a:t> is triggered</a:t>
             </a:r>
           </a:p>
           <a:p>
             <a:pPr lvl="1"/>
             <a:r>
-              <a:rPr lang="en-US" dirty="0">
-                <a:highlight>
-                  <a:srgbClr val="FFFFFF"/>
-                </a:highlight>
-              </a:rPr>
-              <a:t> </a:t>
-            </a:r>
-            <a:r>
-              <a:rPr lang="en-US" dirty="0" err="1" smtClean="0">
-                <a:solidFill>
-                  <a:srgbClr val="000000"/>
-                </a:solidFill>
-                <a:highlight>
-                  <a:srgbClr val="FFFFFF"/>
-                </a:highlight>
-                <a:latin typeface="Consolas" panose="020B0609020204030204" pitchFamily="49" charset="0"/>
-              </a:rPr>
-              <a:t>numSamples</a:t>
-            </a:r>
-            <a:r>
               <a:rPr lang="en-US" dirty="0" smtClean="0">
                 <a:highlight>
                   <a:srgbClr val="FFFFFF"/>
                 </a:highlight>
               </a:rPr>
-              <a:t> is filled with the number of samples ready to be read</a:t>
-            </a:r>
-            <a:endParaRPr lang="en-US" dirty="0">
-              <a:highlight>
-                <a:srgbClr val="FFFFFF"/>
-              </a:highlight>
-            </a:endParaRPr>
-          </a:p>
-          <a:p>
-            <a:pPr lvl="1"/>
-            <a:r>
-              <a:rPr lang="en-US" dirty="0">
-                <a:highlight>
-                  <a:srgbClr val="FFFFFF"/>
-                </a:highlight>
-              </a:rPr>
-              <a:t> </a:t>
-            </a:r>
-            <a:r>
-              <a:rPr lang="en-US" dirty="0">
-                <a:solidFill>
-                  <a:srgbClr val="000000"/>
-                </a:solidFill>
-                <a:highlight>
-                  <a:srgbClr val="FFFFFF"/>
-                </a:highlight>
-                <a:latin typeface="Consolas" panose="020B0609020204030204" pitchFamily="49" charset="0"/>
-              </a:rPr>
-              <a:t>flags</a:t>
-            </a:r>
-            <a:r>
-              <a:rPr lang="en-US" dirty="0" smtClean="0">
-                <a:highlight>
-                  <a:srgbClr val="FFFFFF"/>
-                </a:highlight>
-              </a:rPr>
-              <a:t> is filled with some pieces of information </a:t>
-            </a:r>
-            <a:endParaRPr lang="en-US" dirty="0">
-              <a:highlight>
-                <a:srgbClr val="FFFFFF"/>
-              </a:highlight>
-            </a:endParaRPr>
-          </a:p>
-          <a:p>
-            <a:pPr lvl="1"/>
-            <a:endParaRPr lang="en-US" dirty="0" smtClean="0">
-              <a:highlight>
-                <a:srgbClr val="FFFFFF"/>
-              </a:highlight>
-            </a:endParaRPr>
-          </a:p>
-          <a:p>
-            <a:pPr lvl="1"/>
-            <a:endParaRPr lang="en-US" dirty="0">
-              <a:highlight>
-                <a:srgbClr val="FFFFFF"/>
-              </a:highlight>
-            </a:endParaRPr>
-          </a:p>
-          <a:p>
-            <a:pPr marL="0" indent="0">
-              <a:buNone/>
-            </a:pPr>
-            <a:endParaRPr lang="en-US" sz="1600" dirty="0" smtClean="0">
-              <a:solidFill>
-                <a:srgbClr val="000000"/>
-              </a:solidFill>
-              <a:highlight>
-                <a:srgbClr val="FFFFFF"/>
-              </a:highlight>
-              <a:latin typeface="Consolas" panose="020B0609020204030204" pitchFamily="49" charset="0"/>
-            </a:endParaRPr>
+              <a:t>We then know we have audio data waiting for us in the buffer</a:t>
+            </a:r>
           </a:p>
         </p:txBody>
       </p:sp>
     </p:spTree>
     <p:extLst>
       <p:ext uri="{BB962C8B-B14F-4D97-AF65-F5344CB8AC3E}">
-        <p14:creationId xmlns:p14="http://schemas.microsoft.com/office/powerpoint/2010/main" val="3690004784"/>
+        <p14:creationId xmlns:p14="http://schemas.microsoft.com/office/powerpoint/2010/main" val="4084050986"/>
       </p:ext>
     </p:extLst>
   </p:cSld>
@@ -20074,23 +19651,25 @@
         <p:spPr>
           <a:xfrm>
             <a:off x="457200" y="1600200"/>
-            <a:ext cx="8229600" cy="4953000"/>
+            <a:ext cx="8229600" cy="4876800"/>
           </a:xfrm>
         </p:spPr>
         <p:txBody>
-          <a:bodyPr>
-            <a:normAutofit/>
-          </a:bodyPr>
+          <a:bodyPr/>
           <a:lstStyle/>
           <a:p>
             <a:r>
               <a:rPr lang="en-US" dirty="0" smtClean="0"/>
-              <a:t>Notes regarding these parameters</a:t>
+              <a:t>We know when to read audio, now let’s learn how</a:t>
             </a:r>
           </a:p>
           <a:p>
             <a:pPr lvl="1"/>
             <a:r>
+              <a:rPr lang="en-US" dirty="0" smtClean="0"/>
+              <a:t>If you remember, this is where that variable </a:t>
+            </a:r>
+            <a:r>
               <a:rPr lang="en-US" dirty="0" err="1" smtClean="0">
                 <a:solidFill>
                   <a:srgbClr val="000000"/>
@@ -20100,229 +19679,59 @@
                 </a:highlight>
                 <a:latin typeface="Consolas" panose="020B0609020204030204" pitchFamily="49" charset="0"/>
               </a:rPr>
-              <a:t>rawData</a:t>
-            </a:r>
-            <a:endParaRPr lang="en-US" dirty="0" smtClean="0">
-              <a:solidFill>
-                <a:srgbClr val="000000"/>
-              </a:solidFill>
+              <a:t>inputClient</a:t>
+            </a:r>
+            <a:r>
+              <a:rPr lang="en-US" dirty="0" smtClean="0"/>
+              <a:t> comes in</a:t>
+            </a:r>
+          </a:p>
+          <a:p>
+            <a:pPr lvl="1"/>
+            <a:endParaRPr lang="en-US" dirty="0" smtClean="0"/>
+          </a:p>
+          <a:p>
+            <a:r>
+              <a:rPr lang="en-US" dirty="0" smtClean="0"/>
+              <a:t>We notice </a:t>
+            </a:r>
+            <a:r>
+              <a:rPr lang="en-US" dirty="0" err="1">
+                <a:solidFill>
+                  <a:srgbClr val="000000"/>
+                </a:solidFill>
+                <a:highlight>
+                  <a:srgbClr val="FFFFFF"/>
+                </a:highlight>
+                <a:latin typeface="Consolas" panose="020B0609020204030204" pitchFamily="49" charset="0"/>
+              </a:rPr>
+              <a:t>inputClient</a:t>
+            </a:r>
+            <a:r>
+              <a:rPr lang="en-US" dirty="0" smtClean="0"/>
+              <a:t> has a function </a:t>
+            </a:r>
+            <a:r>
+              <a:rPr lang="en-US" dirty="0" err="1" smtClean="0">
+                <a:solidFill>
+                  <a:srgbClr val="000000"/>
+                </a:solidFill>
+                <a:highlight>
+                  <a:srgbClr val="FFFFFF"/>
+                </a:highlight>
+                <a:latin typeface="Consolas" panose="020B0609020204030204" pitchFamily="49" charset="0"/>
+              </a:rPr>
+              <a:t>GetBuffer</a:t>
+            </a:r>
+            <a:r>
+              <a:rPr lang="en-US" dirty="0" smtClean="0"/>
+              <a:t>:</a:t>
+            </a:r>
+            <a:endParaRPr lang="en-US" dirty="0">
               <a:highlight>
                 <a:srgbClr val="FFFFFF"/>
               </a:highlight>
-              <a:latin typeface="Consolas" panose="020B0609020204030204" pitchFamily="49" charset="0"/>
             </a:endParaRPr>
-          </a:p>
-          <a:p>
-            <a:pPr lvl="2"/>
-            <a:r>
-              <a:rPr lang="en-US" dirty="0" smtClean="0"/>
-              <a:t>It is an array of 8-bit </a:t>
-            </a:r>
-            <a:r>
-              <a:rPr lang="en-US" dirty="0" smtClean="0">
-                <a:solidFill>
-                  <a:srgbClr val="0000FF"/>
-                </a:solidFill>
-                <a:highlight>
-                  <a:srgbClr val="FFFFFF"/>
-                </a:highlight>
-                <a:latin typeface="Consolas" panose="020B0609020204030204" pitchFamily="49" charset="0"/>
-              </a:rPr>
-              <a:t>unsigned</a:t>
-            </a:r>
-            <a:r>
-              <a:rPr lang="en-US" dirty="0" smtClean="0">
-                <a:solidFill>
-                  <a:srgbClr val="000000"/>
-                </a:solidFill>
-                <a:highlight>
-                  <a:srgbClr val="FFFFFF"/>
-                </a:highlight>
-                <a:latin typeface="Consolas" panose="020B0609020204030204" pitchFamily="49" charset="0"/>
-              </a:rPr>
-              <a:t> </a:t>
-            </a:r>
-            <a:r>
-              <a:rPr lang="en-US" dirty="0" smtClean="0">
-                <a:solidFill>
-                  <a:srgbClr val="0000FF"/>
-                </a:solidFill>
-                <a:highlight>
-                  <a:srgbClr val="FFFFFF"/>
-                </a:highlight>
-                <a:latin typeface="Consolas" panose="020B0609020204030204" pitchFamily="49" charset="0"/>
-              </a:rPr>
-              <a:t>char</a:t>
-            </a:r>
-            <a:r>
-              <a:rPr lang="en-US" dirty="0">
-                <a:highlight>
-                  <a:srgbClr val="FFFFFF"/>
-                </a:highlight>
-              </a:rPr>
-              <a:t>s</a:t>
-            </a:r>
-            <a:r>
-              <a:rPr lang="en-US" dirty="0" smtClean="0"/>
-              <a:t>, yet it holds 32-bit </a:t>
-            </a:r>
-            <a:r>
-              <a:rPr lang="en-US" dirty="0" smtClean="0">
-                <a:solidFill>
-                  <a:srgbClr val="0000FF"/>
-                </a:solidFill>
-                <a:highlight>
-                  <a:srgbClr val="FFFFFF"/>
-                </a:highlight>
-                <a:latin typeface="Consolas" panose="020B0609020204030204" pitchFamily="49" charset="0"/>
-              </a:rPr>
-              <a:t>float</a:t>
-            </a:r>
-            <a:r>
-              <a:rPr lang="en-US" dirty="0" smtClean="0"/>
-              <a:t> samples</a:t>
-            </a:r>
-          </a:p>
-          <a:p>
-            <a:pPr lvl="2"/>
-            <a:r>
-              <a:rPr lang="en-US" dirty="0" smtClean="0"/>
-              <a:t>In C++, to re-interpret the data as 32-bit </a:t>
-            </a:r>
-            <a:r>
-              <a:rPr lang="en-US" dirty="0" smtClean="0">
-                <a:solidFill>
-                  <a:srgbClr val="0000FF"/>
-                </a:solidFill>
-                <a:highlight>
-                  <a:srgbClr val="FFFFFF"/>
-                </a:highlight>
-                <a:latin typeface="Consolas" panose="020B0609020204030204" pitchFamily="49" charset="0"/>
-              </a:rPr>
-              <a:t>float</a:t>
-            </a:r>
-            <a:r>
-              <a:rPr lang="en-US" dirty="0" smtClean="0"/>
-              <a:t>s, we just typecast</a:t>
-            </a:r>
-          </a:p>
-          <a:p>
-            <a:pPr lvl="2"/>
-            <a:r>
-              <a:rPr lang="en-US" dirty="0" smtClean="0"/>
-              <a:t>We must release this buffer as soon as possible:</a:t>
-            </a:r>
-          </a:p>
-          <a:p>
-            <a:pPr lvl="3"/>
-            <a:r>
-              <a:rPr lang="en-US" dirty="0" err="1">
-                <a:solidFill>
-                  <a:srgbClr val="000000"/>
-                </a:solidFill>
-                <a:highlight>
-                  <a:srgbClr val="FFFFFF"/>
-                </a:highlight>
-                <a:latin typeface="Consolas" panose="020B0609020204030204" pitchFamily="49" charset="0"/>
-              </a:rPr>
-              <a:t>inputClient</a:t>
-            </a:r>
-            <a:r>
-              <a:rPr lang="en-US" dirty="0">
-                <a:solidFill>
-                  <a:srgbClr val="000000"/>
-                </a:solidFill>
-                <a:highlight>
-                  <a:srgbClr val="FFFFFF"/>
-                </a:highlight>
-                <a:latin typeface="Consolas" panose="020B0609020204030204" pitchFamily="49" charset="0"/>
-              </a:rPr>
-              <a:t>-&gt;</a:t>
-            </a:r>
-            <a:r>
-              <a:rPr lang="en-US" dirty="0" err="1">
-                <a:solidFill>
-                  <a:srgbClr val="000000"/>
-                </a:solidFill>
-                <a:highlight>
-                  <a:srgbClr val="FFFFFF"/>
-                </a:highlight>
-                <a:latin typeface="Consolas" panose="020B0609020204030204" pitchFamily="49" charset="0"/>
-              </a:rPr>
-              <a:t>ReleaseBuffer</a:t>
-            </a:r>
-            <a:r>
-              <a:rPr lang="en-US" dirty="0">
-                <a:solidFill>
-                  <a:srgbClr val="000000"/>
-                </a:solidFill>
-                <a:highlight>
-                  <a:srgbClr val="FFFFFF"/>
-                </a:highlight>
-                <a:latin typeface="Consolas" panose="020B0609020204030204" pitchFamily="49" charset="0"/>
-              </a:rPr>
-              <a:t>( </a:t>
-            </a:r>
-            <a:r>
-              <a:rPr lang="en-US" dirty="0" err="1">
-                <a:solidFill>
-                  <a:srgbClr val="000000"/>
-                </a:solidFill>
-                <a:highlight>
-                  <a:srgbClr val="FFFFFF"/>
-                </a:highlight>
-                <a:latin typeface="Consolas" panose="020B0609020204030204" pitchFamily="49" charset="0"/>
-              </a:rPr>
-              <a:t>numSamples</a:t>
-            </a:r>
-            <a:r>
-              <a:rPr lang="en-US" dirty="0">
-                <a:solidFill>
-                  <a:srgbClr val="000000"/>
-                </a:solidFill>
-                <a:highlight>
-                  <a:srgbClr val="FFFFFF"/>
-                </a:highlight>
-                <a:latin typeface="Consolas" panose="020B0609020204030204" pitchFamily="49" charset="0"/>
-              </a:rPr>
-              <a:t> );</a:t>
-            </a:r>
-            <a:endParaRPr lang="en-US" dirty="0" smtClean="0"/>
-          </a:p>
-          <a:p>
-            <a:pPr lvl="2"/>
-            <a:endParaRPr lang="en-US" dirty="0"/>
-          </a:p>
-          <a:p>
-            <a:pPr lvl="1"/>
-            <a:r>
-              <a:rPr lang="en-US" dirty="0" err="1" smtClean="0">
-                <a:solidFill>
-                  <a:srgbClr val="000000"/>
-                </a:solidFill>
-                <a:highlight>
-                  <a:srgbClr val="FFFFFF"/>
-                </a:highlight>
-                <a:latin typeface="Consolas" panose="020B0609020204030204" pitchFamily="49" charset="0"/>
-              </a:rPr>
-              <a:t>numSamples</a:t>
-            </a:r>
-            <a:endParaRPr lang="en-US" dirty="0" smtClean="0">
-              <a:solidFill>
-                <a:srgbClr val="000000"/>
-              </a:solidFill>
-              <a:highlight>
-                <a:srgbClr val="FFFFFF"/>
-              </a:highlight>
-              <a:latin typeface="Consolas" panose="020B0609020204030204" pitchFamily="49" charset="0"/>
-            </a:endParaRPr>
-          </a:p>
-          <a:p>
-            <a:pPr lvl="2"/>
-            <a:r>
-              <a:rPr lang="en-US" dirty="0" smtClean="0"/>
-              <a:t>On WP8, seems to always be the minimum value of 480 samples</a:t>
-            </a:r>
           </a:p>
           <a:p>
             <a:pPr lvl="1"/>
@@ -20337,9 +19746,490 @@
             </a:endParaRPr>
           </a:p>
           <a:p>
+            <a:pPr marL="0" indent="0">
+              <a:buNone/>
+            </a:pPr>
+            <a:r>
+              <a:rPr lang="en-US" sz="1600" dirty="0">
+                <a:solidFill>
+                  <a:srgbClr val="0000FF"/>
+                </a:solidFill>
+                <a:highlight>
+                  <a:srgbClr val="FFFFFF"/>
+                </a:highlight>
+                <a:latin typeface="Consolas" panose="020B0609020204030204" pitchFamily="49" charset="0"/>
+              </a:rPr>
+              <a:t>unsigned</a:t>
+            </a:r>
+            <a:r>
+              <a:rPr lang="en-US" sz="1600" dirty="0">
+                <a:solidFill>
+                  <a:srgbClr val="000000"/>
+                </a:solidFill>
+                <a:highlight>
+                  <a:srgbClr val="FFFFFF"/>
+                </a:highlight>
+                <a:latin typeface="Consolas" panose="020B0609020204030204" pitchFamily="49" charset="0"/>
+              </a:rPr>
+              <a:t> </a:t>
+            </a:r>
+            <a:r>
+              <a:rPr lang="en-US" sz="1600" dirty="0">
+                <a:solidFill>
+                  <a:srgbClr val="0000FF"/>
+                </a:solidFill>
+                <a:highlight>
+                  <a:srgbClr val="FFFFFF"/>
+                </a:highlight>
+                <a:latin typeface="Consolas" panose="020B0609020204030204" pitchFamily="49" charset="0"/>
+              </a:rPr>
+              <a:t>char</a:t>
+            </a:r>
+            <a:r>
+              <a:rPr lang="en-US" sz="1600" dirty="0">
+                <a:solidFill>
+                  <a:srgbClr val="000000"/>
+                </a:solidFill>
+                <a:highlight>
+                  <a:srgbClr val="FFFFFF"/>
+                </a:highlight>
+                <a:latin typeface="Consolas" panose="020B0609020204030204" pitchFamily="49" charset="0"/>
+              </a:rPr>
+              <a:t> * </a:t>
+            </a:r>
+            <a:r>
+              <a:rPr lang="en-US" sz="1600" dirty="0" err="1">
+                <a:solidFill>
+                  <a:srgbClr val="000000"/>
+                </a:solidFill>
+                <a:highlight>
+                  <a:srgbClr val="FFFFFF"/>
+                </a:highlight>
+                <a:latin typeface="Consolas" panose="020B0609020204030204" pitchFamily="49" charset="0"/>
+              </a:rPr>
+              <a:t>rawData</a:t>
+            </a:r>
+            <a:r>
+              <a:rPr lang="en-US" sz="1600" dirty="0">
+                <a:solidFill>
+                  <a:srgbClr val="000000"/>
+                </a:solidFill>
+                <a:highlight>
+                  <a:srgbClr val="FFFFFF"/>
+                </a:highlight>
+                <a:latin typeface="Consolas" panose="020B0609020204030204" pitchFamily="49" charset="0"/>
+              </a:rPr>
+              <a:t>;</a:t>
+            </a:r>
+          </a:p>
+          <a:p>
+            <a:pPr marL="0" indent="0">
+              <a:buNone/>
+            </a:pPr>
+            <a:r>
+              <a:rPr lang="en-US" sz="1600" dirty="0">
+                <a:solidFill>
+                  <a:srgbClr val="0000FF"/>
+                </a:solidFill>
+                <a:highlight>
+                  <a:srgbClr val="FFFFFF"/>
+                </a:highlight>
+                <a:latin typeface="Consolas" panose="020B0609020204030204" pitchFamily="49" charset="0"/>
+              </a:rPr>
+              <a:t>unsigned</a:t>
+            </a:r>
+            <a:r>
+              <a:rPr lang="en-US" sz="1600" dirty="0">
+                <a:solidFill>
+                  <a:srgbClr val="000000"/>
+                </a:solidFill>
+                <a:highlight>
+                  <a:srgbClr val="FFFFFF"/>
+                </a:highlight>
+                <a:latin typeface="Consolas" panose="020B0609020204030204" pitchFamily="49" charset="0"/>
+              </a:rPr>
+              <a:t> </a:t>
+            </a:r>
+            <a:r>
+              <a:rPr lang="en-US" sz="1600" dirty="0" err="1">
+                <a:solidFill>
+                  <a:srgbClr val="0000FF"/>
+                </a:solidFill>
+                <a:highlight>
+                  <a:srgbClr val="FFFFFF"/>
+                </a:highlight>
+                <a:latin typeface="Consolas" panose="020B0609020204030204" pitchFamily="49" charset="0"/>
+              </a:rPr>
+              <a:t>int</a:t>
+            </a:r>
+            <a:r>
+              <a:rPr lang="en-US" sz="1600" dirty="0">
+                <a:solidFill>
+                  <a:srgbClr val="000000"/>
+                </a:solidFill>
+                <a:highlight>
+                  <a:srgbClr val="FFFFFF"/>
+                </a:highlight>
+                <a:latin typeface="Consolas" panose="020B0609020204030204" pitchFamily="49" charset="0"/>
+              </a:rPr>
+              <a:t> </a:t>
+            </a:r>
+            <a:r>
+              <a:rPr lang="en-US" sz="1600" dirty="0" err="1">
+                <a:solidFill>
+                  <a:srgbClr val="000000"/>
+                </a:solidFill>
+                <a:highlight>
+                  <a:srgbClr val="FFFFFF"/>
+                </a:highlight>
+                <a:latin typeface="Consolas" panose="020B0609020204030204" pitchFamily="49" charset="0"/>
+              </a:rPr>
+              <a:t>numSamples</a:t>
+            </a:r>
+            <a:r>
+              <a:rPr lang="en-US" sz="1600" dirty="0">
+                <a:solidFill>
+                  <a:srgbClr val="000000"/>
+                </a:solidFill>
+                <a:highlight>
+                  <a:srgbClr val="FFFFFF"/>
+                </a:highlight>
+                <a:latin typeface="Consolas" panose="020B0609020204030204" pitchFamily="49" charset="0"/>
+              </a:rPr>
+              <a:t>;</a:t>
+            </a:r>
+          </a:p>
+          <a:p>
+            <a:pPr marL="0" indent="0">
+              <a:buNone/>
+            </a:pPr>
+            <a:r>
+              <a:rPr lang="en-US" sz="1600" dirty="0">
+                <a:solidFill>
+                  <a:srgbClr val="0000FF"/>
+                </a:solidFill>
+                <a:highlight>
+                  <a:srgbClr val="FFFFFF"/>
+                </a:highlight>
+                <a:latin typeface="Consolas" panose="020B0609020204030204" pitchFamily="49" charset="0"/>
+              </a:rPr>
+              <a:t>unsigned</a:t>
+            </a:r>
+            <a:r>
+              <a:rPr lang="en-US" sz="1600" dirty="0">
+                <a:solidFill>
+                  <a:srgbClr val="000000"/>
+                </a:solidFill>
+                <a:highlight>
+                  <a:srgbClr val="FFFFFF"/>
+                </a:highlight>
+                <a:latin typeface="Consolas" panose="020B0609020204030204" pitchFamily="49" charset="0"/>
+              </a:rPr>
+              <a:t> </a:t>
+            </a:r>
+            <a:r>
+              <a:rPr lang="en-US" sz="1600" dirty="0">
+                <a:solidFill>
+                  <a:srgbClr val="0000FF"/>
+                </a:solidFill>
+                <a:highlight>
+                  <a:srgbClr val="FFFFFF"/>
+                </a:highlight>
+                <a:latin typeface="Consolas" panose="020B0609020204030204" pitchFamily="49" charset="0"/>
+              </a:rPr>
+              <a:t>long</a:t>
+            </a:r>
+            <a:r>
+              <a:rPr lang="en-US" sz="1600" dirty="0">
+                <a:solidFill>
+                  <a:srgbClr val="000000"/>
+                </a:solidFill>
+                <a:highlight>
+                  <a:srgbClr val="FFFFFF"/>
+                </a:highlight>
+                <a:latin typeface="Consolas" panose="020B0609020204030204" pitchFamily="49" charset="0"/>
+              </a:rPr>
+              <a:t> flags;</a:t>
+            </a:r>
+            <a:endParaRPr lang="en-US" sz="1600" dirty="0" smtClean="0">
+              <a:solidFill>
+                <a:srgbClr val="000000"/>
+              </a:solidFill>
+              <a:highlight>
+                <a:srgbClr val="FFFFFF"/>
+              </a:highlight>
+              <a:latin typeface="Consolas" panose="020B0609020204030204" pitchFamily="49" charset="0"/>
+            </a:endParaRPr>
+          </a:p>
+          <a:p>
+            <a:pPr marL="0" indent="0">
+              <a:buNone/>
+            </a:pPr>
+            <a:r>
+              <a:rPr lang="en-US" sz="1600" dirty="0" err="1">
+                <a:solidFill>
+                  <a:srgbClr val="000000"/>
+                </a:solidFill>
+                <a:highlight>
+                  <a:srgbClr val="FFFFFF"/>
+                </a:highlight>
+                <a:latin typeface="Consolas" panose="020B0609020204030204" pitchFamily="49" charset="0"/>
+              </a:rPr>
+              <a:t>inputClient</a:t>
+            </a:r>
+            <a:r>
+              <a:rPr lang="en-US" sz="1600" dirty="0">
+                <a:solidFill>
+                  <a:srgbClr val="000000"/>
+                </a:solidFill>
+                <a:highlight>
+                  <a:srgbClr val="FFFFFF"/>
+                </a:highlight>
+                <a:latin typeface="Consolas" panose="020B0609020204030204" pitchFamily="49" charset="0"/>
+              </a:rPr>
+              <a:t>-&gt;</a:t>
+            </a:r>
+            <a:r>
+              <a:rPr lang="en-US" sz="1600" dirty="0" err="1">
+                <a:solidFill>
+                  <a:srgbClr val="000000"/>
+                </a:solidFill>
+                <a:highlight>
+                  <a:srgbClr val="FFFFFF"/>
+                </a:highlight>
+                <a:latin typeface="Consolas" panose="020B0609020204030204" pitchFamily="49" charset="0"/>
+                <a:hlinkClick r:id="rId2"/>
+              </a:rPr>
+              <a:t>GetBuffer</a:t>
+            </a:r>
+            <a:r>
+              <a:rPr lang="en-US" sz="1600" dirty="0">
+                <a:solidFill>
+                  <a:srgbClr val="000000"/>
+                </a:solidFill>
+                <a:highlight>
+                  <a:srgbClr val="FFFFFF"/>
+                </a:highlight>
+                <a:latin typeface="Consolas" panose="020B0609020204030204" pitchFamily="49" charset="0"/>
+              </a:rPr>
+              <a:t>( </a:t>
+            </a:r>
+            <a:r>
+              <a:rPr lang="en-US" sz="1600" dirty="0" smtClean="0">
+                <a:solidFill>
+                  <a:srgbClr val="000000"/>
+                </a:solidFill>
+                <a:highlight>
+                  <a:srgbClr val="FFFFFF"/>
+                </a:highlight>
+                <a:latin typeface="Consolas" panose="020B0609020204030204" pitchFamily="49" charset="0"/>
+              </a:rPr>
+              <a:t>&amp;</a:t>
+            </a:r>
+            <a:r>
+              <a:rPr lang="en-US" sz="1600" dirty="0" err="1">
+                <a:solidFill>
+                  <a:srgbClr val="000000"/>
+                </a:solidFill>
+                <a:highlight>
+                  <a:srgbClr val="FFFFFF"/>
+                </a:highlight>
+                <a:latin typeface="Consolas" panose="020B0609020204030204" pitchFamily="49" charset="0"/>
+              </a:rPr>
+              <a:t>rawData</a:t>
+            </a:r>
+            <a:r>
+              <a:rPr lang="en-US" sz="1600" dirty="0">
+                <a:solidFill>
+                  <a:srgbClr val="000000"/>
+                </a:solidFill>
+                <a:highlight>
+                  <a:srgbClr val="FFFFFF"/>
+                </a:highlight>
+                <a:latin typeface="Consolas" panose="020B0609020204030204" pitchFamily="49" charset="0"/>
+              </a:rPr>
+              <a:t>, &amp;</a:t>
+            </a:r>
+            <a:r>
+              <a:rPr lang="en-US" sz="1600" dirty="0" err="1">
+                <a:solidFill>
+                  <a:srgbClr val="000000"/>
+                </a:solidFill>
+                <a:highlight>
+                  <a:srgbClr val="FFFFFF"/>
+                </a:highlight>
+                <a:latin typeface="Consolas" panose="020B0609020204030204" pitchFamily="49" charset="0"/>
+              </a:rPr>
+              <a:t>numSamples</a:t>
+            </a:r>
+            <a:r>
+              <a:rPr lang="en-US" sz="1600" dirty="0">
+                <a:solidFill>
+                  <a:srgbClr val="000000"/>
+                </a:solidFill>
+                <a:highlight>
+                  <a:srgbClr val="FFFFFF"/>
+                </a:highlight>
+                <a:latin typeface="Consolas" panose="020B0609020204030204" pitchFamily="49" charset="0"/>
+              </a:rPr>
+              <a:t>, &amp;flags, </a:t>
+            </a:r>
+            <a:r>
+              <a:rPr lang="en-US" sz="1600" dirty="0">
+                <a:solidFill>
+                  <a:srgbClr val="6F008A"/>
+                </a:solidFill>
+                <a:highlight>
+                  <a:srgbClr val="FFFFFF"/>
+                </a:highlight>
+                <a:latin typeface="Consolas" panose="020B0609020204030204" pitchFamily="49" charset="0"/>
+              </a:rPr>
+              <a:t>NULL</a:t>
+            </a:r>
+            <a:r>
+              <a:rPr lang="en-US" sz="1600" dirty="0">
+                <a:solidFill>
+                  <a:srgbClr val="000000"/>
+                </a:solidFill>
+                <a:highlight>
+                  <a:srgbClr val="FFFFFF"/>
+                </a:highlight>
+                <a:latin typeface="Consolas" panose="020B0609020204030204" pitchFamily="49" charset="0"/>
+              </a:rPr>
+              <a:t>, </a:t>
+            </a:r>
+            <a:r>
+              <a:rPr lang="en-US" sz="1600" dirty="0">
+                <a:solidFill>
+                  <a:srgbClr val="6F008A"/>
+                </a:solidFill>
+                <a:highlight>
+                  <a:srgbClr val="FFFFFF"/>
+                </a:highlight>
+                <a:latin typeface="Consolas" panose="020B0609020204030204" pitchFamily="49" charset="0"/>
+              </a:rPr>
+              <a:t>NULL</a:t>
+            </a:r>
+            <a:r>
+              <a:rPr lang="en-US" sz="1600" dirty="0">
+                <a:solidFill>
+                  <a:srgbClr val="000000"/>
+                </a:solidFill>
+                <a:highlight>
+                  <a:srgbClr val="FFFFFF"/>
+                </a:highlight>
+                <a:latin typeface="Consolas" panose="020B0609020204030204" pitchFamily="49" charset="0"/>
+              </a:rPr>
+              <a:t> </a:t>
+            </a:r>
+            <a:r>
+              <a:rPr lang="en-US" sz="1600" dirty="0" smtClean="0">
+                <a:solidFill>
+                  <a:srgbClr val="000000"/>
+                </a:solidFill>
+                <a:highlight>
+                  <a:srgbClr val="FFFFFF"/>
+                </a:highlight>
+                <a:latin typeface="Consolas" panose="020B0609020204030204" pitchFamily="49" charset="0"/>
+              </a:rPr>
+              <a:t>);</a:t>
+            </a:r>
+          </a:p>
+          <a:p>
+            <a:pPr marL="457200" lvl="1" indent="0">
+              <a:buNone/>
+            </a:pPr>
+            <a:endParaRPr lang="en-US" dirty="0"/>
+          </a:p>
+          <a:p>
+            <a:r>
+              <a:rPr lang="en-US" dirty="0" smtClean="0">
+                <a:highlight>
+                  <a:srgbClr val="FFFFFF"/>
+                </a:highlight>
+              </a:rPr>
+              <a:t>This method returns values in its parameters</a:t>
+            </a:r>
+          </a:p>
+          <a:p>
             <a:pPr lvl="1"/>
             <a:r>
+              <a:rPr lang="en-US" dirty="0">
+                <a:highlight>
+                  <a:srgbClr val="FFFFFF"/>
+                </a:highlight>
+              </a:rPr>
+              <a:t> </a:t>
+            </a:r>
+            <a:r>
+              <a:rPr lang="en-US" dirty="0" err="1" smtClean="0">
+                <a:solidFill>
+                  <a:srgbClr val="000000"/>
+                </a:solidFill>
+                <a:highlight>
+                  <a:srgbClr val="FFFFFF"/>
+                </a:highlight>
+                <a:latin typeface="Consolas" panose="020B0609020204030204" pitchFamily="49" charset="0"/>
+              </a:rPr>
+              <a:t>rawData</a:t>
+            </a:r>
+            <a:r>
               <a:rPr lang="en-US" dirty="0" smtClean="0">
+                <a:highlight>
+                  <a:srgbClr val="FFFFFF"/>
+                </a:highlight>
+              </a:rPr>
+              <a:t> becomes a pointer to the audio buffer</a:t>
+            </a:r>
+          </a:p>
+          <a:p>
+            <a:pPr lvl="1"/>
+            <a:r>
+              <a:rPr lang="en-US" dirty="0">
+                <a:highlight>
+                  <a:srgbClr val="FFFFFF"/>
+                </a:highlight>
+              </a:rPr>
+              <a:t> </a:t>
+            </a:r>
+            <a:r>
+              <a:rPr lang="en-US" dirty="0" err="1" smtClean="0">
+                <a:solidFill>
+                  <a:srgbClr val="000000"/>
+                </a:solidFill>
+                <a:highlight>
+                  <a:srgbClr val="FFFFFF"/>
+                </a:highlight>
+                <a:latin typeface="Consolas" panose="020B0609020204030204" pitchFamily="49" charset="0"/>
+              </a:rPr>
+              <a:t>numSamples</a:t>
+            </a:r>
+            <a:r>
+              <a:rPr lang="en-US" dirty="0" smtClean="0">
+                <a:highlight>
+                  <a:srgbClr val="FFFFFF"/>
+                </a:highlight>
+              </a:rPr>
+              <a:t> is filled with the number of samples ready to be read</a:t>
+            </a:r>
+            <a:endParaRPr lang="en-US" dirty="0">
+              <a:highlight>
+                <a:srgbClr val="FFFFFF"/>
+              </a:highlight>
+            </a:endParaRPr>
+          </a:p>
+          <a:p>
+            <a:pPr lvl="1"/>
+            <a:r>
+              <a:rPr lang="en-US" dirty="0">
+                <a:highlight>
+                  <a:srgbClr val="FFFFFF"/>
+                </a:highlight>
+              </a:rPr>
+              <a:t> </a:t>
+            </a:r>
+            <a:r>
+              <a:rPr lang="en-US" dirty="0">
                 <a:solidFill>
                   <a:srgbClr val="000000"/>
                 </a:solidFill>
@@ -20350,50 +20240,56 @@
               </a:rPr>
               <a:t>flags</a:t>
             </a:r>
-          </a:p>
-          <a:p>
-            <a:pPr lvl="2"/>
-            <a:r>
-              <a:rPr lang="en-US" dirty="0" smtClean="0"/>
-              <a:t>On WP8, this can contain only two different flags:</a:t>
-            </a:r>
-          </a:p>
-          <a:p>
-            <a:pPr lvl="3"/>
             <a:r>
               <a:rPr lang="en-US" dirty="0" smtClean="0">
-                <a:solidFill>
-                  <a:srgbClr val="2F4F4F"/>
-                </a:solidFill>
-                <a:highlight>
-                  <a:srgbClr val="FFFFFF"/>
-                </a:highlight>
-                <a:latin typeface="Consolas" panose="020B0609020204030204" pitchFamily="49" charset="0"/>
-              </a:rPr>
-              <a:t>AUDCLNT_BUFFERFLAGS_DATA_DISCONTINUITY</a:t>
-            </a:r>
-          </a:p>
-          <a:p>
-            <a:pPr lvl="3"/>
-            <a:r>
-              <a:rPr lang="en-US" dirty="0" smtClean="0">
-                <a:solidFill>
-                  <a:srgbClr val="2F4F4F"/>
-                </a:solidFill>
-                <a:highlight>
-                  <a:srgbClr val="FFFFFF"/>
-                </a:highlight>
-                <a:latin typeface="Consolas" panose="020B0609020204030204" pitchFamily="49" charset="0"/>
-              </a:rPr>
-              <a:t>AUDCLNT_BUFFERFLAGS_TIMESTAMP_ERROR</a:t>
-            </a:r>
+                <a:highlight>
+                  <a:srgbClr val="FFFFFF"/>
+                </a:highlight>
+              </a:rPr>
+              <a:t> is filled with some pieces of information </a:t>
+            </a:r>
+            <a:endParaRPr lang="en-US" dirty="0">
+              <a:highlight>
+                <a:srgbClr val="FFFFFF"/>
+              </a:highlight>
+            </a:endParaRPr>
+          </a:p>
+          <a:p>
+            <a:pPr lvl="1"/>
+            <a:endParaRPr lang="en-US" dirty="0" smtClean="0">
+              <a:highlight>
+                <a:srgbClr val="FFFFFF"/>
+              </a:highlight>
+            </a:endParaRPr>
+          </a:p>
+          <a:p>
+            <a:pPr lvl="1"/>
+            <a:endParaRPr lang="en-US" dirty="0">
+              <a:highlight>
+                <a:srgbClr val="FFFFFF"/>
+              </a:highlight>
+            </a:endParaRPr>
+          </a:p>
+          <a:p>
+            <a:pPr marL="0" indent="0">
+              <a:buNone/>
+            </a:pPr>
+            <a:endParaRPr lang="en-US" sz="1600" dirty="0" smtClean="0">
+              <a:solidFill>
+                <a:srgbClr val="000000"/>
+              </a:solidFill>
+              <a:highlight>
+                <a:srgbClr val="FFFFFF"/>
+              </a:highlight>
+              <a:latin typeface="Consolas" panose="020B0609020204030204" pitchFamily="49" charset="0"/>
+            </a:endParaRPr>
           </a:p>
         </p:txBody>
       </p:sp>
     </p:spTree>
     <p:extLst>
       <p:ext uri="{BB962C8B-B14F-4D97-AF65-F5344CB8AC3E}">
-        <p14:creationId xmlns:p14="http://schemas.microsoft.com/office/powerpoint/2010/main" val="427592954"/>
+        <p14:creationId xmlns:p14="http://schemas.microsoft.com/office/powerpoint/2010/main" val="3690004784"/>
       </p:ext>
     </p:extLst>
   </p:cSld>
@@ -20444,6 +20340,407 @@
           <a:p>
             <a:r>
               <a:rPr lang="en-US" dirty="0" smtClean="0"/>
+              <a:t>WASAPI (Input) Reading</a:t>
+            </a:r>
+            <a:endParaRPr lang="en-US" dirty="0"/>
+          </a:p>
+        </p:txBody>
+      </p:sp>
+      <p:sp>
+        <p:nvSpPr>
+          <p:cNvPr id="3" name="Content Placeholder 2"/>
+          <p:cNvSpPr>
+            <a:spLocks noGrp="1"/>
+          </p:cNvSpPr>
+          <p:nvPr>
+            <p:ph idx="1"/>
+          </p:nvPr>
+        </p:nvSpPr>
+        <p:spPr>
+          <a:xfrm>
+            <a:off x="457200" y="1600200"/>
+            <a:ext cx="8229600" cy="4953000"/>
+          </a:xfrm>
+        </p:spPr>
+        <p:txBody>
+          <a:bodyPr>
+            <a:normAutofit/>
+          </a:bodyPr>
+          <a:lstStyle/>
+          <a:p>
+            <a:r>
+              <a:rPr lang="en-US" dirty="0" smtClean="0"/>
+              <a:t>Notes regarding these parameters</a:t>
+            </a:r>
+          </a:p>
+          <a:p>
+            <a:pPr lvl="1"/>
+            <a:r>
+              <a:rPr lang="en-US" dirty="0" err="1" smtClean="0">
+                <a:solidFill>
+                  <a:srgbClr val="000000"/>
+                </a:solidFill>
+                <a:highlight>
+                  <a:srgbClr val="FFFFFF"/>
+                </a:highlight>
+                <a:latin typeface="Consolas" panose="020B0609020204030204" pitchFamily="49" charset="0"/>
+              </a:rPr>
+              <a:t>rawData</a:t>
+            </a:r>
+            <a:endParaRPr lang="en-US" dirty="0" smtClean="0">
+              <a:solidFill>
+                <a:srgbClr val="000000"/>
+              </a:solidFill>
+              <a:highlight>
+                <a:srgbClr val="FFFFFF"/>
+              </a:highlight>
+              <a:latin typeface="Consolas" panose="020B0609020204030204" pitchFamily="49" charset="0"/>
+            </a:endParaRPr>
+          </a:p>
+          <a:p>
+            <a:pPr lvl="2"/>
+            <a:r>
+              <a:rPr lang="en-US" dirty="0" smtClean="0"/>
+              <a:t>It is an array of 8-bit </a:t>
+            </a:r>
+            <a:r>
+              <a:rPr lang="en-US" dirty="0" smtClean="0">
+                <a:solidFill>
+                  <a:srgbClr val="0000FF"/>
+                </a:solidFill>
+                <a:highlight>
+                  <a:srgbClr val="FFFFFF"/>
+                </a:highlight>
+                <a:latin typeface="Consolas" panose="020B0609020204030204" pitchFamily="49" charset="0"/>
+              </a:rPr>
+              <a:t>unsigned</a:t>
+            </a:r>
+            <a:r>
+              <a:rPr lang="en-US" dirty="0" smtClean="0">
+                <a:solidFill>
+                  <a:srgbClr val="000000"/>
+                </a:solidFill>
+                <a:highlight>
+                  <a:srgbClr val="FFFFFF"/>
+                </a:highlight>
+                <a:latin typeface="Consolas" panose="020B0609020204030204" pitchFamily="49" charset="0"/>
+              </a:rPr>
+              <a:t> </a:t>
+            </a:r>
+            <a:r>
+              <a:rPr lang="en-US" dirty="0" smtClean="0">
+                <a:solidFill>
+                  <a:srgbClr val="0000FF"/>
+                </a:solidFill>
+                <a:highlight>
+                  <a:srgbClr val="FFFFFF"/>
+                </a:highlight>
+                <a:latin typeface="Consolas" panose="020B0609020204030204" pitchFamily="49" charset="0"/>
+              </a:rPr>
+              <a:t>char</a:t>
+            </a:r>
+            <a:r>
+              <a:rPr lang="en-US" dirty="0">
+                <a:highlight>
+                  <a:srgbClr val="FFFFFF"/>
+                </a:highlight>
+              </a:rPr>
+              <a:t>s</a:t>
+            </a:r>
+            <a:r>
+              <a:rPr lang="en-US" dirty="0" smtClean="0"/>
+              <a:t>, yet it holds 32-bit </a:t>
+            </a:r>
+            <a:r>
+              <a:rPr lang="en-US" dirty="0" smtClean="0">
+                <a:solidFill>
+                  <a:srgbClr val="0000FF"/>
+                </a:solidFill>
+                <a:highlight>
+                  <a:srgbClr val="FFFFFF"/>
+                </a:highlight>
+                <a:latin typeface="Consolas" panose="020B0609020204030204" pitchFamily="49" charset="0"/>
+              </a:rPr>
+              <a:t>float</a:t>
+            </a:r>
+            <a:r>
+              <a:rPr lang="en-US" dirty="0" smtClean="0"/>
+              <a:t> samples</a:t>
+            </a:r>
+          </a:p>
+          <a:p>
+            <a:pPr lvl="2"/>
+            <a:r>
+              <a:rPr lang="en-US" dirty="0" smtClean="0"/>
+              <a:t>In C++, to re-interpret the data as 32-bit </a:t>
+            </a:r>
+            <a:r>
+              <a:rPr lang="en-US" dirty="0" smtClean="0">
+                <a:solidFill>
+                  <a:srgbClr val="0000FF"/>
+                </a:solidFill>
+                <a:highlight>
+                  <a:srgbClr val="FFFFFF"/>
+                </a:highlight>
+                <a:latin typeface="Consolas" panose="020B0609020204030204" pitchFamily="49" charset="0"/>
+              </a:rPr>
+              <a:t>float</a:t>
+            </a:r>
+            <a:r>
+              <a:rPr lang="en-US" dirty="0" smtClean="0"/>
+              <a:t>s, we just typecast</a:t>
+            </a:r>
+          </a:p>
+          <a:p>
+            <a:pPr lvl="2"/>
+            <a:r>
+              <a:rPr lang="en-US" dirty="0" smtClean="0"/>
+              <a:t>We must release this buffer as soon as possible:</a:t>
+            </a:r>
+          </a:p>
+          <a:p>
+            <a:pPr lvl="3"/>
+            <a:r>
+              <a:rPr lang="en-US" dirty="0" err="1">
+                <a:solidFill>
+                  <a:srgbClr val="000000"/>
+                </a:solidFill>
+                <a:highlight>
+                  <a:srgbClr val="FFFFFF"/>
+                </a:highlight>
+                <a:latin typeface="Consolas" panose="020B0609020204030204" pitchFamily="49" charset="0"/>
+              </a:rPr>
+              <a:t>inputClient</a:t>
+            </a:r>
+            <a:r>
+              <a:rPr lang="en-US" dirty="0">
+                <a:solidFill>
+                  <a:srgbClr val="000000"/>
+                </a:solidFill>
+                <a:highlight>
+                  <a:srgbClr val="FFFFFF"/>
+                </a:highlight>
+                <a:latin typeface="Consolas" panose="020B0609020204030204" pitchFamily="49" charset="0"/>
+              </a:rPr>
+              <a:t>-&gt;</a:t>
+            </a:r>
+            <a:r>
+              <a:rPr lang="en-US" dirty="0" err="1">
+                <a:solidFill>
+                  <a:srgbClr val="000000"/>
+                </a:solidFill>
+                <a:highlight>
+                  <a:srgbClr val="FFFFFF"/>
+                </a:highlight>
+                <a:latin typeface="Consolas" panose="020B0609020204030204" pitchFamily="49" charset="0"/>
+              </a:rPr>
+              <a:t>ReleaseBuffer</a:t>
+            </a:r>
+            <a:r>
+              <a:rPr lang="en-US" dirty="0">
+                <a:solidFill>
+                  <a:srgbClr val="000000"/>
+                </a:solidFill>
+                <a:highlight>
+                  <a:srgbClr val="FFFFFF"/>
+                </a:highlight>
+                <a:latin typeface="Consolas" panose="020B0609020204030204" pitchFamily="49" charset="0"/>
+              </a:rPr>
+              <a:t>( </a:t>
+            </a:r>
+            <a:r>
+              <a:rPr lang="en-US" dirty="0" err="1">
+                <a:solidFill>
+                  <a:srgbClr val="000000"/>
+                </a:solidFill>
+                <a:highlight>
+                  <a:srgbClr val="FFFFFF"/>
+                </a:highlight>
+                <a:latin typeface="Consolas" panose="020B0609020204030204" pitchFamily="49" charset="0"/>
+              </a:rPr>
+              <a:t>numSamples</a:t>
+            </a:r>
+            <a:r>
+              <a:rPr lang="en-US" dirty="0">
+                <a:solidFill>
+                  <a:srgbClr val="000000"/>
+                </a:solidFill>
+                <a:highlight>
+                  <a:srgbClr val="FFFFFF"/>
+                </a:highlight>
+                <a:latin typeface="Consolas" panose="020B0609020204030204" pitchFamily="49" charset="0"/>
+              </a:rPr>
+              <a:t> );</a:t>
+            </a:r>
+            <a:endParaRPr lang="en-US" dirty="0" smtClean="0"/>
+          </a:p>
+          <a:p>
+            <a:pPr lvl="2"/>
+            <a:endParaRPr lang="en-US" dirty="0"/>
+          </a:p>
+          <a:p>
+            <a:pPr lvl="1"/>
+            <a:r>
+              <a:rPr lang="en-US" dirty="0" err="1" smtClean="0">
+                <a:solidFill>
+                  <a:srgbClr val="000000"/>
+                </a:solidFill>
+                <a:highlight>
+                  <a:srgbClr val="FFFFFF"/>
+                </a:highlight>
+                <a:latin typeface="Consolas" panose="020B0609020204030204" pitchFamily="49" charset="0"/>
+              </a:rPr>
+              <a:t>numSamples</a:t>
+            </a:r>
+            <a:endParaRPr lang="en-US" dirty="0" smtClean="0">
+              <a:solidFill>
+                <a:srgbClr val="000000"/>
+              </a:solidFill>
+              <a:highlight>
+                <a:srgbClr val="FFFFFF"/>
+              </a:highlight>
+              <a:latin typeface="Consolas" panose="020B0609020204030204" pitchFamily="49" charset="0"/>
+            </a:endParaRPr>
+          </a:p>
+          <a:p>
+            <a:pPr lvl="2"/>
+            <a:r>
+              <a:rPr lang="en-US" dirty="0" smtClean="0"/>
+              <a:t>On WP8, seems to always be the minimum value of 480 </a:t>
+            </a:r>
+            <a:r>
+              <a:rPr lang="en-US" dirty="0" smtClean="0"/>
+              <a:t>samples</a:t>
+            </a:r>
+          </a:p>
+          <a:p>
+            <a:pPr lvl="2"/>
+            <a:r>
+              <a:rPr lang="en-US" dirty="0" smtClean="0"/>
+              <a:t>At 48KHz recording, this means we get 10ms chunks at once</a:t>
+            </a:r>
+            <a:endParaRPr lang="en-US" dirty="0" smtClean="0"/>
+          </a:p>
+          <a:p>
+            <a:pPr lvl="1"/>
+            <a:endParaRPr lang="en-US" dirty="0" smtClean="0">
+              <a:solidFill>
+                <a:srgbClr val="000000"/>
+              </a:solidFill>
+              <a:highlight>
+                <a:srgbClr val="FFFFFF"/>
+              </a:highlight>
+              <a:latin typeface="Consolas" panose="020B0609020204030204" pitchFamily="49" charset="0"/>
+            </a:endParaRPr>
+          </a:p>
+          <a:p>
+            <a:pPr lvl="1"/>
+            <a:r>
+              <a:rPr lang="en-US" dirty="0" smtClean="0">
+                <a:solidFill>
+                  <a:srgbClr val="000000"/>
+                </a:solidFill>
+                <a:highlight>
+                  <a:srgbClr val="FFFFFF"/>
+                </a:highlight>
+                <a:latin typeface="Consolas" panose="020B0609020204030204" pitchFamily="49" charset="0"/>
+              </a:rPr>
+              <a:t>flags</a:t>
+            </a:r>
+          </a:p>
+          <a:p>
+            <a:pPr lvl="2"/>
+            <a:r>
+              <a:rPr lang="en-US" dirty="0" smtClean="0"/>
+              <a:t>On WP8, this can contain only two different flags:</a:t>
+            </a:r>
+          </a:p>
+          <a:p>
+            <a:pPr lvl="3"/>
+            <a:r>
+              <a:rPr lang="en-US" dirty="0" smtClean="0">
+                <a:solidFill>
+                  <a:srgbClr val="2F4F4F"/>
+                </a:solidFill>
+                <a:highlight>
+                  <a:srgbClr val="FFFFFF"/>
+                </a:highlight>
+                <a:latin typeface="Consolas" panose="020B0609020204030204" pitchFamily="49" charset="0"/>
+              </a:rPr>
+              <a:t>AUDCLNT_BUFFERFLAGS_DATA_DISCONTINUITY</a:t>
+            </a:r>
+          </a:p>
+          <a:p>
+            <a:pPr lvl="3"/>
+            <a:r>
+              <a:rPr lang="en-US" dirty="0" smtClean="0">
+                <a:solidFill>
+                  <a:srgbClr val="2F4F4F"/>
+                </a:solidFill>
+                <a:highlight>
+                  <a:srgbClr val="FFFFFF"/>
+                </a:highlight>
+                <a:latin typeface="Consolas" panose="020B0609020204030204" pitchFamily="49" charset="0"/>
+              </a:rPr>
+              <a:t>AUDCLNT_BUFFERFLAGS_TIMESTAMP_ERROR</a:t>
+            </a:r>
+          </a:p>
+        </p:txBody>
+      </p:sp>
+    </p:spTree>
+    <p:extLst>
+      <p:ext uri="{BB962C8B-B14F-4D97-AF65-F5344CB8AC3E}">
+        <p14:creationId xmlns:p14="http://schemas.microsoft.com/office/powerpoint/2010/main" val="427592954"/>
+      </p:ext>
+    </p:extLst>
+  </p:cSld>
+  <p:clrMapOvr>
+    <a:masterClrMapping/>
+  </p:clrMapOvr>
+  <p:timing>
+    <p:tnLst>
+      <p:par>
+        <p:cTn xmlns:p14="http://schemas.microsoft.com/office/powerpoint/2010/main" id="1" dur="indefinite" restart="never" nodeType="tmRoot"/>
+      </p:par>
+    </p:tnLst>
+  </p:timing>
+</p:sld>
+</file>
+
+<file path=ppt/slides/slide39.xml><?xml version="1.0" encoding="utf-8"?>
+<p:sld xmlns:a="http://schemas.openxmlformats.org/drawingml/2006/main" xmlns:r="http://schemas.openxmlformats.org/officeDocument/2006/relationships" xmlns:p="http://schemas.openxmlformats.org/presentationml/2006/main">
+  <p:cSld>
+    <p:spTree>
+      <p:nvGrpSpPr>
+        <p:cNvPr id="1" name=""/>
+        <p:cNvGrpSpPr/>
+        <p:nvPr/>
+      </p:nvGrpSpPr>
+      <p:grpSpPr>
+        <a:xfrm>
+          <a:off x="0" y="0"/>
+          <a:ext cx="0" cy="0"/>
+          <a:chOff x="0" y="0"/>
+          <a:chExt cx="0" cy="0"/>
+        </a:xfrm>
+      </p:grpSpPr>
+      <p:sp>
+        <p:nvSpPr>
+          <p:cNvPr id="2" name="Title 1"/>
+          <p:cNvSpPr>
+            <a:spLocks noGrp="1"/>
+          </p:cNvSpPr>
+          <p:nvPr>
+            <p:ph type="title"/>
+          </p:nvPr>
+        </p:nvSpPr>
+        <p:spPr/>
+        <p:txBody>
+          <a:bodyPr/>
+          <a:lstStyle/>
+          <a:p>
+            <a:r>
+              <a:rPr lang="en-US" dirty="0" smtClean="0"/>
               <a:t>WASAPI (Output) Setup</a:t>
             </a:r>
             <a:endParaRPr lang="en-US" dirty="0"/>
@@ -20811,7 +21108,159 @@
 </p:sld>
 </file>
 
-<file path=ppt/slides/slide39.xml><?xml version="1.0" encoding="utf-8"?>
+<file path=ppt/slides/slide4.xml><?xml version="1.0" encoding="utf-8"?>
+<p:sld xmlns:a="http://schemas.openxmlformats.org/drawingml/2006/main" xmlns:r="http://schemas.openxmlformats.org/officeDocument/2006/relationships" xmlns:p="http://schemas.openxmlformats.org/presentationml/2006/main">
+  <p:cSld>
+    <p:spTree>
+      <p:nvGrpSpPr>
+        <p:cNvPr id="1" name=""/>
+        <p:cNvGrpSpPr/>
+        <p:nvPr/>
+      </p:nvGrpSpPr>
+      <p:grpSpPr>
+        <a:xfrm>
+          <a:off x="0" y="0"/>
+          <a:ext cx="0" cy="0"/>
+          <a:chOff x="0" y="0"/>
+          <a:chExt cx="0" cy="0"/>
+        </a:xfrm>
+      </p:grpSpPr>
+      <p:sp>
+        <p:nvSpPr>
+          <p:cNvPr id="2" name="Title 1"/>
+          <p:cNvSpPr>
+            <a:spLocks noGrp="1"/>
+          </p:cNvSpPr>
+          <p:nvPr>
+            <p:ph type="title"/>
+          </p:nvPr>
+        </p:nvSpPr>
+        <p:spPr/>
+        <p:txBody>
+          <a:bodyPr/>
+          <a:lstStyle/>
+          <a:p>
+            <a:r>
+              <a:rPr lang="en-US" dirty="0" smtClean="0"/>
+              <a:t>Phone Logistics</a:t>
+            </a:r>
+            <a:endParaRPr lang="en-US" dirty="0"/>
+          </a:p>
+        </p:txBody>
+      </p:sp>
+      <p:sp>
+        <p:nvSpPr>
+          <p:cNvPr id="3" name="Content Placeholder 2"/>
+          <p:cNvSpPr>
+            <a:spLocks noGrp="1"/>
+          </p:cNvSpPr>
+          <p:nvPr>
+            <p:ph idx="1"/>
+          </p:nvPr>
+        </p:nvSpPr>
+        <p:spPr/>
+        <p:txBody>
+          <a:bodyPr/>
+          <a:lstStyle/>
+          <a:p>
+            <a:r>
+              <a:rPr lang="en-US" dirty="0" smtClean="0"/>
+              <a:t>We only have 20 phones, and we have ~30 students</a:t>
+            </a:r>
+          </a:p>
+          <a:p>
+            <a:pPr lvl="1"/>
+            <a:endParaRPr lang="en-US" dirty="0"/>
+          </a:p>
+          <a:p>
+            <a:r>
+              <a:rPr lang="en-US" dirty="0" smtClean="0"/>
+              <a:t>There are more than 20 of you all</a:t>
+            </a:r>
+          </a:p>
+          <a:p>
+            <a:pPr lvl="1"/>
+            <a:r>
+              <a:rPr lang="en-US" dirty="0" smtClean="0"/>
+              <a:t>Rather than compete for limited resources, let’s team up!</a:t>
+            </a:r>
+          </a:p>
+          <a:p>
+            <a:pPr lvl="1"/>
+            <a:endParaRPr lang="en-US" dirty="0"/>
+          </a:p>
+          <a:p>
+            <a:r>
+              <a:rPr lang="en-US" dirty="0" smtClean="0"/>
+              <a:t>Group yourselves into teams of 2 to share phones</a:t>
+            </a:r>
+          </a:p>
+          <a:p>
+            <a:pPr lvl="1"/>
+            <a:r>
+              <a:rPr lang="en-US" dirty="0" smtClean="0"/>
+              <a:t>These don’t necessarily need to be your final project groups</a:t>
+            </a:r>
+          </a:p>
+          <a:p>
+            <a:pPr lvl="1"/>
+            <a:r>
+              <a:rPr lang="en-US" dirty="0" smtClean="0"/>
+              <a:t>If last year was anything to go by, they usually will be!</a:t>
+            </a:r>
+          </a:p>
+          <a:p>
+            <a:endParaRPr lang="en-US" dirty="0"/>
+          </a:p>
+          <a:p>
+            <a:r>
+              <a:rPr lang="en-US" dirty="0" smtClean="0"/>
+              <a:t>The phones will be returned to Microsoft</a:t>
+            </a:r>
+          </a:p>
+          <a:p>
+            <a:pPr lvl="1"/>
+            <a:r>
+              <a:rPr lang="en-US" dirty="0" smtClean="0"/>
+              <a:t>So please don’t </a:t>
+            </a:r>
+            <a:r>
+              <a:rPr lang="en-US" dirty="0" smtClean="0">
+                <a:hlinkClick r:id="rId2"/>
+              </a:rPr>
+              <a:t>launch it in a rocket</a:t>
+            </a:r>
+            <a:r>
+              <a:rPr lang="en-US" dirty="0" smtClean="0"/>
+              <a:t> as part of your final project</a:t>
+            </a:r>
+          </a:p>
+          <a:p>
+            <a:endParaRPr lang="en-US" dirty="0"/>
+          </a:p>
+        </p:txBody>
+      </p:sp>
+    </p:spTree>
+    <p:extLst>
+      <p:ext uri="{BB962C8B-B14F-4D97-AF65-F5344CB8AC3E}">
+        <p14:creationId xmlns:p14="http://schemas.microsoft.com/office/powerpoint/2010/main" val="127913189"/>
+      </p:ext>
+    </p:extLst>
+  </p:cSld>
+  <p:clrMapOvr>
+    <a:masterClrMapping/>
+  </p:clrMapOvr>
+  <p:timing>
+    <p:tnLst>
+      <p:par>
+        <p:cTn xmlns:p14="http://schemas.microsoft.com/office/powerpoint/2010/main" id="1" dur="indefinite" restart="never" nodeType="tmRoot"/>
+      </p:par>
+    </p:tnLst>
+  </p:timing>
+</p:sld>
+</file>
+
+<file path=ppt/slides/slide40.xml><?xml version="1.0" encoding="utf-8"?>
 <p:sld xmlns:a="http://schemas.openxmlformats.org/drawingml/2006/main" xmlns:r="http://schemas.openxmlformats.org/officeDocument/2006/relationships" xmlns:p="http://schemas.openxmlformats.org/presentationml/2006/main">
   <p:cSld>
     <p:spTree>
@@ -21281,177 +21730,7 @@
 </p:sld>
 </file>
 
-<file path=ppt/slides/slide4.xml><?xml version="1.0" encoding="utf-8"?>
-<p:sld xmlns:a="http://schemas.openxmlformats.org/drawingml/2006/main" xmlns:r="http://schemas.openxmlformats.org/officeDocument/2006/relationships" xmlns:p="http://schemas.openxmlformats.org/presentationml/2006/main">
-  <p:cSld>
-    <p:spTree>
-      <p:nvGrpSpPr>
-        <p:cNvPr id="1" name=""/>
-        <p:cNvGrpSpPr/>
-        <p:nvPr/>
-      </p:nvGrpSpPr>
-      <p:grpSpPr>
-        <a:xfrm>
-          <a:off x="0" y="0"/>
-          <a:ext cx="0" cy="0"/>
-          <a:chOff x="0" y="0"/>
-          <a:chExt cx="0" cy="0"/>
-        </a:xfrm>
-      </p:grpSpPr>
-      <p:sp>
-        <p:nvSpPr>
-          <p:cNvPr id="2" name="Title 1"/>
-          <p:cNvSpPr>
-            <a:spLocks noGrp="1"/>
-          </p:cNvSpPr>
-          <p:nvPr>
-            <p:ph type="title"/>
-          </p:nvPr>
-        </p:nvSpPr>
-        <p:spPr/>
-        <p:txBody>
-          <a:bodyPr/>
-          <a:lstStyle/>
-          <a:p>
-            <a:r>
-              <a:rPr lang="en-US" dirty="0" smtClean="0"/>
-              <a:t>Phone Logistics</a:t>
-            </a:r>
-            <a:endParaRPr lang="en-US" dirty="0"/>
-          </a:p>
-        </p:txBody>
-      </p:sp>
-      <p:sp>
-        <p:nvSpPr>
-          <p:cNvPr id="3" name="Content Placeholder 2"/>
-          <p:cNvSpPr>
-            <a:spLocks noGrp="1"/>
-          </p:cNvSpPr>
-          <p:nvPr>
-            <p:ph idx="1"/>
-          </p:nvPr>
-        </p:nvSpPr>
-        <p:spPr/>
-        <p:txBody>
-          <a:bodyPr/>
-          <a:lstStyle/>
-          <a:p>
-            <a:r>
-              <a:rPr lang="en-US" dirty="0" smtClean="0"/>
-              <a:t>We only have 20 phones, and we have ~30 students</a:t>
-            </a:r>
-            <a:endParaRPr lang="en-US" dirty="0" smtClean="0"/>
-          </a:p>
-          <a:p>
-            <a:pPr lvl="1"/>
-            <a:endParaRPr lang="en-US" dirty="0"/>
-          </a:p>
-          <a:p>
-            <a:r>
-              <a:rPr lang="en-US" dirty="0" smtClean="0"/>
-              <a:t>There are more than </a:t>
-            </a:r>
-            <a:r>
-              <a:rPr lang="en-US" dirty="0" smtClean="0"/>
-              <a:t>20</a:t>
-            </a:r>
-            <a:r>
-              <a:rPr lang="en-US" dirty="0" smtClean="0"/>
-              <a:t> </a:t>
-            </a:r>
-            <a:r>
-              <a:rPr lang="en-US" dirty="0" smtClean="0"/>
-              <a:t>of you all</a:t>
-            </a:r>
-          </a:p>
-          <a:p>
-            <a:pPr lvl="1"/>
-            <a:r>
-              <a:rPr lang="en-US" dirty="0" smtClean="0"/>
-              <a:t>Rather than compete for limited resources, let’s team up!</a:t>
-            </a:r>
-          </a:p>
-          <a:p>
-            <a:pPr lvl="1"/>
-            <a:endParaRPr lang="en-US" dirty="0"/>
-          </a:p>
-          <a:p>
-            <a:r>
-              <a:rPr lang="en-US" dirty="0" smtClean="0"/>
-              <a:t>Group yourselves into teams of 2 to share phones</a:t>
-            </a:r>
-          </a:p>
-          <a:p>
-            <a:pPr lvl="1"/>
-            <a:r>
-              <a:rPr lang="en-US" dirty="0" smtClean="0"/>
-              <a:t>These don’t necessarily need to be your final project </a:t>
-            </a:r>
-            <a:r>
-              <a:rPr lang="en-US" dirty="0" smtClean="0"/>
-              <a:t>groups</a:t>
-            </a:r>
-          </a:p>
-          <a:p>
-            <a:pPr lvl="1"/>
-            <a:r>
-              <a:rPr lang="en-US" dirty="0" smtClean="0"/>
-              <a:t>If last year was anything to go by, they usually will be!</a:t>
-            </a:r>
-            <a:endParaRPr lang="en-US" dirty="0" smtClean="0"/>
-          </a:p>
-          <a:p>
-            <a:endParaRPr lang="en-US" dirty="0"/>
-          </a:p>
-          <a:p>
-            <a:r>
-              <a:rPr lang="en-US" dirty="0" smtClean="0"/>
-              <a:t>The phones will be returned to Microsoft</a:t>
-            </a:r>
-          </a:p>
-          <a:p>
-            <a:pPr lvl="1"/>
-            <a:r>
-              <a:rPr lang="en-US" dirty="0" smtClean="0"/>
-              <a:t>So please don’t </a:t>
-            </a:r>
-            <a:r>
-              <a:rPr lang="en-US" dirty="0" smtClean="0">
-                <a:hlinkClick r:id="rId2"/>
-              </a:rPr>
-              <a:t>launch it in a rocket</a:t>
-            </a:r>
-            <a:r>
-              <a:rPr lang="en-US" dirty="0" smtClean="0"/>
-              <a:t> as part of your final project</a:t>
-            </a:r>
-          </a:p>
-          <a:p>
-            <a:endParaRPr lang="en-US" dirty="0"/>
-          </a:p>
-        </p:txBody>
-      </p:sp>
-    </p:spTree>
-    <p:extLst>
-      <p:ext uri="{BB962C8B-B14F-4D97-AF65-F5344CB8AC3E}">
-        <p14:creationId xmlns:p14="http://schemas.microsoft.com/office/powerpoint/2010/main" val="127913189"/>
-      </p:ext>
-    </p:extLst>
-  </p:cSld>
-  <p:clrMapOvr>
-    <a:masterClrMapping/>
-  </p:clrMapOvr>
-  <p:timing>
-    <p:tnLst>
-      <p:par>
-        <p:cTn xmlns:p14="http://schemas.microsoft.com/office/powerpoint/2010/main" id="1" dur="indefinite" restart="never" nodeType="tmRoot"/>
-      </p:par>
-    </p:tnLst>
-  </p:timing>
-</p:sld>
-</file>
-
-<file path=ppt/slides/slide40.xml><?xml version="1.0" encoding="utf-8"?>
+<file path=ppt/slides/slide41.xml><?xml version="1.0" encoding="utf-8"?>
 <p:sld xmlns:a="http://schemas.openxmlformats.org/drawingml/2006/main" xmlns:r="http://schemas.openxmlformats.org/officeDocument/2006/relationships" xmlns:p="http://schemas.openxmlformats.org/presentationml/2006/main">
   <p:cSld>
     <p:spTree>
@@ -22098,169 +22377,6 @@
     <p:extLst>
       <p:ext uri="{BB962C8B-B14F-4D97-AF65-F5344CB8AC3E}">
         <p14:creationId xmlns:p14="http://schemas.microsoft.com/office/powerpoint/2010/main" val="3484062596"/>
-      </p:ext>
-    </p:extLst>
-  </p:cSld>
-  <p:clrMapOvr>
-    <a:masterClrMapping/>
-  </p:clrMapOvr>
-</p:sld>
-</file>
-
-<file path=ppt/slides/slide41.xml><?xml version="1.0" encoding="utf-8"?>
-<p:sld xmlns:a="http://schemas.openxmlformats.org/drawingml/2006/main" xmlns:r="http://schemas.openxmlformats.org/officeDocument/2006/relationships" xmlns:p="http://schemas.openxmlformats.org/presentationml/2006/main">
-  <p:cSld>
-    <p:spTree>
-      <p:nvGrpSpPr>
-        <p:cNvPr id="1" name=""/>
-        <p:cNvGrpSpPr/>
-        <p:nvPr/>
-      </p:nvGrpSpPr>
-      <p:grpSpPr>
-        <a:xfrm>
-          <a:off x="0" y="0"/>
-          <a:ext cx="0" cy="0"/>
-          <a:chOff x="0" y="0"/>
-          <a:chExt cx="0" cy="0"/>
-        </a:xfrm>
-      </p:grpSpPr>
-      <p:sp>
-        <p:nvSpPr>
-          <p:cNvPr id="2" name="Title 1"/>
-          <p:cNvSpPr>
-            <a:spLocks noGrp="1"/>
-          </p:cNvSpPr>
-          <p:nvPr>
-            <p:ph type="title"/>
-          </p:nvPr>
-        </p:nvSpPr>
-        <p:spPr/>
-        <p:txBody>
-          <a:bodyPr/>
-          <a:lstStyle/>
-          <a:p>
-            <a:r>
-              <a:rPr lang="en-US" dirty="0" smtClean="0"/>
-              <a:t>WASAPI Debrief</a:t>
-            </a:r>
-            <a:endParaRPr lang="en-US" dirty="0"/>
-          </a:p>
-        </p:txBody>
-      </p:sp>
-      <p:sp>
-        <p:nvSpPr>
-          <p:cNvPr id="3" name="Content Placeholder 2"/>
-          <p:cNvSpPr>
-            <a:spLocks noGrp="1"/>
-          </p:cNvSpPr>
-          <p:nvPr>
-            <p:ph idx="1"/>
-          </p:nvPr>
-        </p:nvSpPr>
-        <p:spPr/>
-        <p:txBody>
-          <a:bodyPr/>
-          <a:lstStyle/>
-          <a:p>
-            <a:r>
-              <a:rPr lang="en-US" dirty="0" smtClean="0"/>
-              <a:t>This is a lot of API to take in at once</a:t>
-            </a:r>
-          </a:p>
-          <a:p>
-            <a:pPr lvl="1"/>
-            <a:r>
-              <a:rPr lang="en-US" dirty="0" smtClean="0"/>
-              <a:t>If you feel like you’ve just had a massive amount of data dumped on you, that’s because you’ve just had a massive amount of data dumped on you</a:t>
-            </a:r>
-          </a:p>
-          <a:p>
-            <a:endParaRPr lang="en-US" dirty="0"/>
-          </a:p>
-          <a:p>
-            <a:r>
-              <a:rPr lang="en-US" dirty="0" smtClean="0"/>
-              <a:t>Luckily, this is all just the boring stuff you write once</a:t>
-            </a:r>
-          </a:p>
-          <a:p>
-            <a:pPr lvl="1"/>
-            <a:r>
-              <a:rPr lang="en-US" dirty="0" smtClean="0"/>
-              <a:t>After this, everything gets more interesting!</a:t>
-            </a:r>
-          </a:p>
-          <a:p>
-            <a:pPr lvl="1"/>
-            <a:endParaRPr lang="en-US" dirty="0"/>
-          </a:p>
-          <a:p>
-            <a:r>
-              <a:rPr lang="en-US" dirty="0" smtClean="0"/>
-              <a:t>A few more questions to be answered though:</a:t>
-            </a:r>
-          </a:p>
-          <a:p>
-            <a:pPr lvl="1"/>
-            <a:r>
-              <a:rPr lang="en-US" dirty="0" smtClean="0"/>
-              <a:t>How do I start up a thread</a:t>
-            </a:r>
-            <a:r>
-              <a:rPr lang="en-US" dirty="0">
-                <a:latin typeface="Gadugi" panose="020B0502040204020203" pitchFamily="34" charset="0"/>
-              </a:rPr>
-              <a:t> ?</a:t>
-            </a:r>
-            <a:r>
-              <a:rPr lang="en-US" dirty="0" smtClean="0"/>
-              <a:t>  How do I then shut it down</a:t>
-            </a:r>
-            <a:r>
-              <a:rPr lang="en-US" dirty="0" smtClean="0">
-                <a:latin typeface="Gadugi" panose="020B0502040204020203" pitchFamily="34" charset="0"/>
-              </a:rPr>
-              <a:t>?</a:t>
-            </a:r>
-            <a:endParaRPr lang="en-US" dirty="0" smtClean="0"/>
-          </a:p>
-          <a:p>
-            <a:pPr lvl="1"/>
-            <a:r>
-              <a:rPr lang="en-US" dirty="0" smtClean="0"/>
-              <a:t>What is something cool I can do with my audio</a:t>
-            </a:r>
-            <a:r>
-              <a:rPr lang="en-US" dirty="0" smtClean="0">
-                <a:latin typeface="Gadugi" panose="020B0502040204020203" pitchFamily="34" charset="0"/>
-              </a:rPr>
-              <a:t>?</a:t>
-            </a:r>
-          </a:p>
-          <a:p>
-            <a:pPr lvl="1"/>
-            <a:r>
-              <a:rPr lang="en-US" dirty="0" smtClean="0"/>
-              <a:t>What on earth is this homework going to look like</a:t>
-            </a:r>
-            <a:r>
-              <a:rPr lang="en-US" dirty="0" smtClean="0">
-                <a:latin typeface="Gadugi" panose="020B0502040204020203" pitchFamily="34" charset="0"/>
-              </a:rPr>
-              <a:t>?</a:t>
-            </a:r>
-            <a:endParaRPr lang="en-US" dirty="0" smtClean="0"/>
-          </a:p>
-          <a:p>
-            <a:pPr lvl="1"/>
-            <a:endParaRPr lang="en-US" dirty="0"/>
-          </a:p>
-        </p:txBody>
-      </p:sp>
-    </p:spTree>
-    <p:extLst>
-      <p:ext uri="{BB962C8B-B14F-4D97-AF65-F5344CB8AC3E}">
-        <p14:creationId xmlns:p14="http://schemas.microsoft.com/office/powerpoint/2010/main" val="1344962753"/>
       </p:ext>
     </p:extLst>
   </p:cSld>
@@ -22304,7 +22420,7 @@
           <a:p>
             <a:r>
               <a:rPr lang="en-US" dirty="0" smtClean="0"/>
-              <a:t>Thread Creation</a:t>
+              <a:t>WASAPI Debrief</a:t>
             </a:r>
             <a:endParaRPr lang="en-US" dirty="0"/>
           </a:p>
@@ -22327,94 +22443,30 @@
           <a:p>
             <a:r>
               <a:rPr lang="en-US" dirty="0" smtClean="0"/>
-              <a:t>To create a thread, we use </a:t>
-            </a:r>
-            <a:r>
-              <a:rPr lang="en-US" dirty="0" err="1" smtClean="0">
-                <a:solidFill>
-                  <a:srgbClr val="2B91AF"/>
-                </a:solidFill>
-                <a:highlight>
-                  <a:srgbClr val="FFFFFF"/>
-                </a:highlight>
-                <a:latin typeface="Consolas" panose="020B0609020204030204" pitchFamily="49" charset="0"/>
-              </a:rPr>
-              <a:t>ThreadPool</a:t>
-            </a:r>
-            <a:r>
-              <a:rPr lang="en-US" dirty="0">
-                <a:solidFill>
-                  <a:srgbClr val="000000"/>
-                </a:solidFill>
-                <a:highlight>
-                  <a:srgbClr val="FFFFFF"/>
-                </a:highlight>
-                <a:latin typeface="Consolas" panose="020B0609020204030204" pitchFamily="49" charset="0"/>
-              </a:rPr>
-              <a:t>::</a:t>
-            </a:r>
-            <a:r>
-              <a:rPr lang="en-US" dirty="0" err="1" smtClean="0">
-                <a:solidFill>
-                  <a:srgbClr val="000000"/>
-                </a:solidFill>
-                <a:highlight>
-                  <a:srgbClr val="FFFFFF"/>
-                </a:highlight>
-                <a:latin typeface="Consolas" panose="020B0609020204030204" pitchFamily="49" charset="0"/>
-              </a:rPr>
-              <a:t>RunAsync</a:t>
-            </a:r>
-            <a:endParaRPr lang="en-US" dirty="0" smtClean="0">
-              <a:highlight>
-                <a:srgbClr val="FFFFFF"/>
-              </a:highlight>
-            </a:endParaRPr>
+              <a:t>This is a lot of API to take in at once</a:t>
+            </a:r>
           </a:p>
           <a:p>
             <a:pPr lvl="1"/>
             <a:r>
               <a:rPr lang="en-US" dirty="0" smtClean="0"/>
-              <a:t>Takes in a </a:t>
-            </a:r>
-            <a:r>
-              <a:rPr lang="en-US" dirty="0" err="1" smtClean="0">
-                <a:solidFill>
-                  <a:srgbClr val="2B91AF"/>
-                </a:solidFill>
-                <a:highlight>
-                  <a:srgbClr val="FFFFFF"/>
-                </a:highlight>
-                <a:latin typeface="Consolas" panose="020B0609020204030204" pitchFamily="49" charset="0"/>
-              </a:rPr>
-              <a:t>WorkItemHandler</a:t>
-            </a:r>
-            <a:r>
-              <a:rPr lang="en-US" dirty="0" smtClean="0"/>
-              <a:t>, a special function to run in another thread</a:t>
+              <a:t>If you feel like you’ve just had a massive amount of data dumped on you, that’s because you’ve just had a massive amount of data dumped on you</a:t>
+            </a:r>
+          </a:p>
+          <a:p>
+            <a:endParaRPr lang="en-US" dirty="0"/>
+          </a:p>
+          <a:p>
+            <a:r>
+              <a:rPr lang="en-US" dirty="0" smtClean="0"/>
+              <a:t>Luckily, this is all just the boring stuff you write once</a:t>
             </a:r>
           </a:p>
           <a:p>
             <a:pPr lvl="1"/>
             <a:r>
               <a:rPr lang="en-US" dirty="0" smtClean="0"/>
-              <a:t>You wrap your function in the </a:t>
-            </a:r>
-            <a:r>
-              <a:rPr lang="en-US" dirty="0" err="1" smtClean="0">
-                <a:solidFill>
-                  <a:srgbClr val="2B91AF"/>
-                </a:solidFill>
-                <a:highlight>
-                  <a:srgbClr val="FFFFFF"/>
-                </a:highlight>
-                <a:latin typeface="Consolas" panose="020B0609020204030204" pitchFamily="49" charset="0"/>
-              </a:rPr>
-              <a:t>WorkItemHandler</a:t>
-            </a:r>
-            <a:r>
-              <a:rPr lang="en-US" dirty="0" smtClean="0"/>
-              <a:t> constructor</a:t>
+              <a:t>After this, everything gets more interesting!</a:t>
             </a:r>
           </a:p>
           <a:p>
@@ -22422,630 +22474,85 @@
             <a:endParaRPr lang="en-US" dirty="0"/>
           </a:p>
           <a:p>
-            <a:pPr marL="0" indent="0">
-              <a:buNone/>
-            </a:pPr>
-            <a:r>
-              <a:rPr lang="en-US" sz="1600" dirty="0" smtClean="0">
-                <a:solidFill>
-                  <a:srgbClr val="2B91AF"/>
-                </a:solidFill>
-                <a:highlight>
-                  <a:srgbClr val="FFFFFF"/>
-                </a:highlight>
-                <a:latin typeface="Consolas" panose="020B0609020204030204" pitchFamily="49" charset="0"/>
-              </a:rPr>
-              <a:t>    </a:t>
-            </a:r>
-            <a:r>
-              <a:rPr lang="en-US" sz="1600" dirty="0" err="1" smtClean="0">
-                <a:solidFill>
-                  <a:srgbClr val="2B91AF"/>
-                </a:solidFill>
-                <a:highlight>
-                  <a:srgbClr val="FFFFFF"/>
-                </a:highlight>
-                <a:latin typeface="Consolas" panose="020B0609020204030204" pitchFamily="49" charset="0"/>
-              </a:rPr>
-              <a:t>ThreadPool</a:t>
-            </a:r>
-            <a:r>
-              <a:rPr lang="en-US" sz="1600" dirty="0">
-                <a:solidFill>
-                  <a:srgbClr val="000000"/>
-                </a:solidFill>
-                <a:highlight>
-                  <a:srgbClr val="FFFFFF"/>
-                </a:highlight>
-                <a:latin typeface="Consolas" panose="020B0609020204030204" pitchFamily="49" charset="0"/>
-              </a:rPr>
-              <a:t>::</a:t>
-            </a:r>
-            <a:r>
-              <a:rPr lang="en-US" sz="1600" dirty="0" err="1" smtClean="0">
-                <a:solidFill>
-                  <a:srgbClr val="000000"/>
-                </a:solidFill>
-                <a:highlight>
-                  <a:srgbClr val="FFFFFF"/>
-                </a:highlight>
-                <a:latin typeface="Consolas" panose="020B0609020204030204" pitchFamily="49" charset="0"/>
-              </a:rPr>
-              <a:t>RunAsync</a:t>
-            </a:r>
-            <a:r>
-              <a:rPr lang="en-US" sz="1600" dirty="0" smtClean="0">
-                <a:solidFill>
-                  <a:srgbClr val="000000"/>
-                </a:solidFill>
-                <a:highlight>
-                  <a:srgbClr val="FFFFFF"/>
-                </a:highlight>
-                <a:latin typeface="Consolas" panose="020B0609020204030204" pitchFamily="49" charset="0"/>
-              </a:rPr>
-              <a:t>( </a:t>
-            </a:r>
-            <a:r>
-              <a:rPr lang="en-US" sz="1600" dirty="0" smtClean="0">
-                <a:solidFill>
-                  <a:srgbClr val="0000FF"/>
-                </a:solidFill>
-                <a:highlight>
-                  <a:srgbClr val="FFFFFF"/>
-                </a:highlight>
-                <a:latin typeface="Consolas" panose="020B0609020204030204" pitchFamily="49" charset="0"/>
-              </a:rPr>
-              <a:t>ref</a:t>
-            </a:r>
-            <a:r>
-              <a:rPr lang="en-US" sz="1600" dirty="0" smtClean="0">
-                <a:solidFill>
-                  <a:srgbClr val="000000"/>
-                </a:solidFill>
-                <a:highlight>
-                  <a:srgbClr val="FFFFFF"/>
-                </a:highlight>
-                <a:latin typeface="Consolas" panose="020B0609020204030204" pitchFamily="49" charset="0"/>
-              </a:rPr>
-              <a:t> </a:t>
-            </a:r>
-            <a:r>
-              <a:rPr lang="en-US" sz="1600" dirty="0">
-                <a:solidFill>
-                  <a:srgbClr val="0000FF"/>
-                </a:solidFill>
-                <a:highlight>
-                  <a:srgbClr val="FFFFFF"/>
-                </a:highlight>
-                <a:latin typeface="Consolas" panose="020B0609020204030204" pitchFamily="49" charset="0"/>
-              </a:rPr>
-              <a:t>new</a:t>
-            </a:r>
-            <a:r>
-              <a:rPr lang="en-US" sz="1600" dirty="0">
-                <a:solidFill>
-                  <a:srgbClr val="000000"/>
-                </a:solidFill>
-                <a:highlight>
-                  <a:srgbClr val="FFFFFF"/>
-                </a:highlight>
-                <a:latin typeface="Consolas" panose="020B0609020204030204" pitchFamily="49" charset="0"/>
-              </a:rPr>
-              <a:t> </a:t>
-            </a:r>
-            <a:r>
-              <a:rPr lang="en-US" sz="1600" dirty="0" err="1">
-                <a:solidFill>
-                  <a:srgbClr val="2B91AF"/>
-                </a:solidFill>
-                <a:highlight>
-                  <a:srgbClr val="FFFFFF"/>
-                </a:highlight>
-                <a:latin typeface="Consolas" panose="020B0609020204030204" pitchFamily="49" charset="0"/>
-              </a:rPr>
-              <a:t>WorkItemHandler</a:t>
-            </a:r>
-            <a:r>
-              <a:rPr lang="en-US" sz="1600" dirty="0">
-                <a:solidFill>
-                  <a:srgbClr val="000000"/>
-                </a:solidFill>
-                <a:highlight>
-                  <a:srgbClr val="FFFFFF"/>
-                </a:highlight>
-                <a:latin typeface="Consolas" panose="020B0609020204030204" pitchFamily="49" charset="0"/>
-              </a:rPr>
-              <a:t>(</a:t>
-            </a:r>
-            <a:r>
-              <a:rPr lang="en-US" sz="1600" dirty="0">
-                <a:solidFill>
-                  <a:srgbClr val="0000FF"/>
-                </a:solidFill>
-                <a:highlight>
-                  <a:srgbClr val="FFFFFF"/>
-                </a:highlight>
-                <a:latin typeface="Consolas" panose="020B0609020204030204" pitchFamily="49" charset="0"/>
-              </a:rPr>
-              <a:t>this</a:t>
-            </a:r>
-            <a:r>
-              <a:rPr lang="en-US" sz="1600" dirty="0" smtClean="0">
-                <a:solidFill>
-                  <a:srgbClr val="000000"/>
-                </a:solidFill>
-                <a:highlight>
-                  <a:srgbClr val="FFFFFF"/>
-                </a:highlight>
-                <a:latin typeface="Consolas" panose="020B0609020204030204" pitchFamily="49" charset="0"/>
-              </a:rPr>
-              <a:t>,</a:t>
-            </a:r>
-          </a:p>
-          <a:p>
-            <a:pPr marL="0" indent="0">
-              <a:buNone/>
-            </a:pPr>
-            <a:r>
-              <a:rPr lang="en-US" sz="1600">
-                <a:solidFill>
-                  <a:srgbClr val="000000"/>
-                </a:solidFill>
-                <a:highlight>
-                  <a:srgbClr val="FFFFFF"/>
-                </a:highlight>
-                <a:latin typeface="Consolas" panose="020B0609020204030204" pitchFamily="49" charset="0"/>
-              </a:rPr>
-              <a:t> </a:t>
-            </a:r>
-            <a:r>
-              <a:rPr lang="en-US" sz="1600" smtClean="0">
-                <a:solidFill>
-                  <a:srgbClr val="000000"/>
-                </a:solidFill>
-                <a:highlight>
-                  <a:srgbClr val="FFFFFF"/>
-                </a:highlight>
-                <a:latin typeface="Consolas" panose="020B0609020204030204" pitchFamily="49" charset="0"/>
-              </a:rPr>
-              <a:t>                         </a:t>
-            </a:r>
-            <a:r>
-              <a:rPr lang="en-US" sz="1600" dirty="0" smtClean="0">
-                <a:solidFill>
-                  <a:srgbClr val="000000"/>
-                </a:solidFill>
-                <a:highlight>
-                  <a:srgbClr val="FFFFFF"/>
-                </a:highlight>
-                <a:latin typeface="Consolas" panose="020B0609020204030204" pitchFamily="49" charset="0"/>
-              </a:rPr>
-              <a:t>&amp;</a:t>
-            </a:r>
-            <a:r>
-              <a:rPr lang="en-US" sz="1600" dirty="0" err="1" smtClean="0">
-                <a:solidFill>
-                  <a:srgbClr val="000000"/>
-                </a:solidFill>
-                <a:highlight>
-                  <a:srgbClr val="FFFFFF"/>
-                </a:highlight>
-                <a:latin typeface="Consolas" panose="020B0609020204030204" pitchFamily="49" charset="0"/>
-              </a:rPr>
-              <a:t>myClass</a:t>
-            </a:r>
-            <a:r>
-              <a:rPr lang="en-US" sz="1600" dirty="0" smtClean="0">
-                <a:solidFill>
-                  <a:srgbClr val="000000"/>
-                </a:solidFill>
-                <a:highlight>
-                  <a:srgbClr val="FFFFFF"/>
-                </a:highlight>
-                <a:latin typeface="Consolas" panose="020B0609020204030204" pitchFamily="49" charset="0"/>
-              </a:rPr>
-              <a:t>::</a:t>
-            </a:r>
-            <a:r>
-              <a:rPr lang="en-US" sz="1600" dirty="0" err="1" smtClean="0">
-                <a:solidFill>
-                  <a:srgbClr val="000000"/>
-                </a:solidFill>
-                <a:highlight>
-                  <a:srgbClr val="FFFFFF"/>
-                </a:highlight>
-                <a:latin typeface="Consolas" panose="020B0609020204030204" pitchFamily="49" charset="0"/>
-              </a:rPr>
-              <a:t>audioThread</a:t>
-            </a:r>
-            <a:r>
-              <a:rPr lang="en-US" sz="1600" dirty="0" smtClean="0">
-                <a:solidFill>
-                  <a:srgbClr val="000000"/>
-                </a:solidFill>
-                <a:highlight>
-                  <a:srgbClr val="FFFFFF"/>
-                </a:highlight>
-                <a:latin typeface="Consolas" panose="020B0609020204030204" pitchFamily="49" charset="0"/>
-              </a:rPr>
-              <a:t>) );</a:t>
-            </a:r>
-          </a:p>
-          <a:p>
-            <a:pPr marL="457200" lvl="1" indent="0">
-              <a:buNone/>
-            </a:pPr>
+            <a:r>
+              <a:rPr lang="en-US" dirty="0" smtClean="0"/>
+              <a:t>A few more questions to be answered though:</a:t>
+            </a:r>
+          </a:p>
+          <a:p>
+            <a:pPr lvl="1"/>
+            <a:r>
+              <a:rPr lang="en-US" dirty="0" smtClean="0"/>
+              <a:t>How do I start up a thread</a:t>
+            </a:r>
+            <a:r>
+              <a:rPr lang="en-US" dirty="0">
+                <a:latin typeface="Gadugi" panose="020B0502040204020203" pitchFamily="34" charset="0"/>
+              </a:rPr>
+              <a:t> ?</a:t>
+            </a:r>
+            <a:r>
+              <a:rPr lang="en-US" dirty="0" smtClean="0"/>
+              <a:t>  How do I then shut it down</a:t>
+            </a:r>
+            <a:r>
+              <a:rPr lang="en-US" dirty="0" smtClean="0">
+                <a:latin typeface="Gadugi" panose="020B0502040204020203" pitchFamily="34" charset="0"/>
+              </a:rPr>
+              <a:t>?</a:t>
+            </a:r>
+            <a:endParaRPr lang="en-US" dirty="0" smtClean="0"/>
+          </a:p>
+          <a:p>
+            <a:pPr lvl="1"/>
+            <a:r>
+              <a:rPr lang="en-US" dirty="0" smtClean="0"/>
+              <a:t>What is something cool I can do with my audio</a:t>
+            </a:r>
+            <a:r>
+              <a:rPr lang="en-US" dirty="0" smtClean="0">
+                <a:latin typeface="Gadugi" panose="020B0502040204020203" pitchFamily="34" charset="0"/>
+              </a:rPr>
+              <a:t>?</a:t>
+            </a:r>
+          </a:p>
+          <a:p>
+            <a:pPr lvl="1"/>
+            <a:r>
+              <a:rPr lang="en-US" dirty="0" smtClean="0"/>
+              <a:t>What on earth is this homework going to look like</a:t>
+            </a:r>
+            <a:r>
+              <a:rPr lang="en-US" dirty="0" smtClean="0">
+                <a:latin typeface="Gadugi" panose="020B0502040204020203" pitchFamily="34" charset="0"/>
+              </a:rPr>
+              <a:t>?</a:t>
+            </a:r>
+            <a:endParaRPr lang="en-US" dirty="0" smtClean="0"/>
+          </a:p>
+          <a:p>
+            <a:pPr lvl="1"/>
             <a:endParaRPr lang="en-US" dirty="0"/>
-          </a:p>
-          <a:p>
-            <a:pPr lvl="1"/>
-            <a:r>
-              <a:rPr lang="en-US" dirty="0" smtClean="0"/>
-              <a:t>This will start a thread, running the </a:t>
-            </a:r>
-            <a:r>
-              <a:rPr lang="en-US" dirty="0" smtClean="0">
-                <a:solidFill>
-                  <a:srgbClr val="0000FF"/>
-                </a:solidFill>
-                <a:highlight>
-                  <a:srgbClr val="FFFFFF"/>
-                </a:highlight>
-                <a:latin typeface="Consolas" panose="020B0609020204030204" pitchFamily="49" charset="0"/>
-              </a:rPr>
-              <a:t>this</a:t>
-            </a:r>
-            <a:r>
-              <a:rPr lang="en-US" dirty="0" smtClean="0">
-                <a:solidFill>
-                  <a:srgbClr val="000000"/>
-                </a:solidFill>
-                <a:highlight>
-                  <a:srgbClr val="FFFFFF"/>
-                </a:highlight>
-                <a:latin typeface="Consolas" panose="020B0609020204030204" pitchFamily="49" charset="0"/>
-              </a:rPr>
-              <a:t>-&gt;</a:t>
-            </a:r>
-            <a:r>
-              <a:rPr lang="en-US" dirty="0" err="1" smtClean="0">
-                <a:solidFill>
-                  <a:srgbClr val="000000"/>
-                </a:solidFill>
-                <a:highlight>
-                  <a:srgbClr val="FFFFFF"/>
-                </a:highlight>
-                <a:latin typeface="Consolas" panose="020B0609020204030204" pitchFamily="49" charset="0"/>
-              </a:rPr>
-              <a:t>audioThread</a:t>
-            </a:r>
-            <a:r>
-              <a:rPr lang="en-US" dirty="0" smtClean="0"/>
-              <a:t> function</a:t>
-            </a:r>
-          </a:p>
-          <a:p>
-            <a:pPr marL="457200" lvl="1" indent="0">
-              <a:buNone/>
-            </a:pPr>
-            <a:endParaRPr lang="en-US" dirty="0" smtClean="0">
-              <a:solidFill>
-                <a:srgbClr val="0000FF"/>
-              </a:solidFill>
-              <a:highlight>
-                <a:srgbClr val="FFFFFF"/>
-              </a:highlight>
-              <a:latin typeface="Consolas" panose="020B0609020204030204" pitchFamily="49" charset="0"/>
-            </a:endParaRPr>
-          </a:p>
-          <a:p>
-            <a:pPr marL="457200" lvl="1" indent="0">
-              <a:buNone/>
-            </a:pPr>
-            <a:r>
-              <a:rPr lang="en-US" dirty="0" smtClean="0">
-                <a:solidFill>
-                  <a:srgbClr val="0000FF"/>
-                </a:solidFill>
-                <a:highlight>
-                  <a:srgbClr val="FFFFFF"/>
-                </a:highlight>
-                <a:latin typeface="Consolas" panose="020B0609020204030204" pitchFamily="49" charset="0"/>
-              </a:rPr>
-              <a:t>void</a:t>
-            </a:r>
-            <a:r>
-              <a:rPr lang="en-US" dirty="0" smtClean="0">
-                <a:solidFill>
-                  <a:srgbClr val="000000"/>
-                </a:solidFill>
-                <a:highlight>
-                  <a:srgbClr val="FFFFFF"/>
-                </a:highlight>
-                <a:latin typeface="Consolas" panose="020B0609020204030204" pitchFamily="49" charset="0"/>
-              </a:rPr>
-              <a:t> </a:t>
-            </a:r>
-            <a:r>
-              <a:rPr lang="en-US" dirty="0" err="1" smtClean="0">
-                <a:solidFill>
-                  <a:srgbClr val="000000"/>
-                </a:solidFill>
-                <a:highlight>
-                  <a:srgbClr val="FFFFFF"/>
-                </a:highlight>
-                <a:latin typeface="Consolas" panose="020B0609020204030204" pitchFamily="49" charset="0"/>
-              </a:rPr>
-              <a:t>myClass</a:t>
-            </a:r>
-            <a:r>
-              <a:rPr lang="en-US" dirty="0" smtClean="0">
-                <a:solidFill>
-                  <a:srgbClr val="000000"/>
-                </a:solidFill>
-                <a:highlight>
-                  <a:srgbClr val="FFFFFF"/>
-                </a:highlight>
-                <a:latin typeface="Consolas" panose="020B0609020204030204" pitchFamily="49" charset="0"/>
-              </a:rPr>
-              <a:t>::</a:t>
-            </a:r>
-            <a:r>
-              <a:rPr lang="en-US" dirty="0" err="1" smtClean="0">
-                <a:solidFill>
-                  <a:srgbClr val="000000"/>
-                </a:solidFill>
-                <a:highlight>
-                  <a:srgbClr val="FFFFFF"/>
-                </a:highlight>
-                <a:latin typeface="Consolas" panose="020B0609020204030204" pitchFamily="49" charset="0"/>
-              </a:rPr>
-              <a:t>audioThread</a:t>
-            </a:r>
-            <a:r>
-              <a:rPr lang="en-US" dirty="0" smtClean="0">
-                <a:solidFill>
-                  <a:srgbClr val="000000"/>
-                </a:solidFill>
-                <a:highlight>
-                  <a:srgbClr val="FFFFFF"/>
-                </a:highlight>
-                <a:latin typeface="Consolas" panose="020B0609020204030204" pitchFamily="49" charset="0"/>
-              </a:rPr>
-              <a:t>( </a:t>
-            </a:r>
-            <a:r>
-              <a:rPr lang="en-US" dirty="0" err="1" smtClean="0">
-                <a:solidFill>
-                  <a:srgbClr val="2B91AF"/>
-                </a:solidFill>
-                <a:highlight>
-                  <a:srgbClr val="FFFFFF"/>
-                </a:highlight>
-                <a:latin typeface="Consolas" panose="020B0609020204030204" pitchFamily="49" charset="0"/>
-              </a:rPr>
-              <a:t>IAsyncAction</a:t>
-            </a:r>
-            <a:r>
-              <a:rPr lang="en-US" dirty="0">
-                <a:solidFill>
-                  <a:srgbClr val="000000"/>
-                </a:solidFill>
-                <a:highlight>
-                  <a:srgbClr val="FFFFFF"/>
-                </a:highlight>
-                <a:latin typeface="Consolas" panose="020B0609020204030204" pitchFamily="49" charset="0"/>
-              </a:rPr>
-              <a:t>^ </a:t>
-            </a:r>
-            <a:r>
-              <a:rPr lang="en-US" dirty="0">
-                <a:solidFill>
-                  <a:srgbClr val="808080"/>
-                </a:solidFill>
-                <a:highlight>
-                  <a:srgbClr val="FFFFFF"/>
-                </a:highlight>
-                <a:latin typeface="Consolas" panose="020B0609020204030204" pitchFamily="49" charset="0"/>
-              </a:rPr>
-              <a:t>operation</a:t>
-            </a:r>
-            <a:r>
-              <a:rPr lang="en-US" dirty="0">
-                <a:solidFill>
-                  <a:srgbClr val="000000"/>
-                </a:solidFill>
-                <a:highlight>
-                  <a:srgbClr val="FFFFFF"/>
-                </a:highlight>
-                <a:latin typeface="Consolas" panose="020B0609020204030204" pitchFamily="49" charset="0"/>
-              </a:rPr>
-              <a:t> ) </a:t>
-            </a:r>
-            <a:r>
-              <a:rPr lang="en-US" dirty="0" smtClean="0">
-                <a:solidFill>
-                  <a:srgbClr val="000000"/>
-                </a:solidFill>
-                <a:highlight>
-                  <a:srgbClr val="FFFFFF"/>
-                </a:highlight>
-                <a:latin typeface="Consolas" panose="020B0609020204030204" pitchFamily="49" charset="0"/>
-              </a:rPr>
-              <a:t>{</a:t>
-            </a:r>
-          </a:p>
-          <a:p>
-            <a:pPr marL="457200" lvl="1" indent="0">
-              <a:buNone/>
-            </a:pPr>
-            <a:r>
-              <a:rPr lang="en-US" dirty="0">
-                <a:solidFill>
-                  <a:srgbClr val="000000"/>
-                </a:solidFill>
-                <a:highlight>
-                  <a:srgbClr val="FFFFFF"/>
-                </a:highlight>
-                <a:latin typeface="Consolas" panose="020B0609020204030204" pitchFamily="49" charset="0"/>
-              </a:rPr>
-              <a:t> </a:t>
-            </a:r>
-            <a:r>
-              <a:rPr lang="en-US" dirty="0" smtClean="0">
-                <a:solidFill>
-                  <a:srgbClr val="000000"/>
-                </a:solidFill>
-                <a:highlight>
-                  <a:srgbClr val="FFFFFF"/>
-                </a:highlight>
-                <a:latin typeface="Consolas" panose="020B0609020204030204" pitchFamily="49" charset="0"/>
-              </a:rPr>
-              <a:t>   </a:t>
-            </a:r>
-            <a:r>
-              <a:rPr lang="en-US" dirty="0">
-                <a:solidFill>
-                  <a:srgbClr val="0000FF"/>
-                </a:solidFill>
-                <a:highlight>
-                  <a:srgbClr val="FFFFFF"/>
-                </a:highlight>
-                <a:latin typeface="Consolas" panose="020B0609020204030204" pitchFamily="49" charset="0"/>
-              </a:rPr>
-              <a:t>while</a:t>
-            </a:r>
-            <a:r>
-              <a:rPr lang="en-US" dirty="0">
-                <a:solidFill>
-                  <a:srgbClr val="000000"/>
-                </a:solidFill>
-                <a:highlight>
-                  <a:srgbClr val="FFFFFF"/>
-                </a:highlight>
-                <a:latin typeface="Consolas" panose="020B0609020204030204" pitchFamily="49" charset="0"/>
-              </a:rPr>
-              <a:t>( </a:t>
-            </a:r>
-            <a:r>
-              <a:rPr lang="en-US" dirty="0">
-                <a:solidFill>
-                  <a:srgbClr val="0000FF"/>
-                </a:solidFill>
-                <a:highlight>
-                  <a:srgbClr val="FFFFFF"/>
-                </a:highlight>
-                <a:latin typeface="Consolas" panose="020B0609020204030204" pitchFamily="49" charset="0"/>
-              </a:rPr>
-              <a:t>true</a:t>
-            </a:r>
-            <a:r>
-              <a:rPr lang="en-US" dirty="0">
-                <a:solidFill>
-                  <a:srgbClr val="000000"/>
-                </a:solidFill>
-                <a:highlight>
-                  <a:srgbClr val="FFFFFF"/>
-                </a:highlight>
-                <a:latin typeface="Consolas" panose="020B0609020204030204" pitchFamily="49" charset="0"/>
-              </a:rPr>
-              <a:t> ) </a:t>
-            </a:r>
-            <a:r>
-              <a:rPr lang="en-US" dirty="0" smtClean="0">
-                <a:solidFill>
-                  <a:srgbClr val="000000"/>
-                </a:solidFill>
-                <a:highlight>
-                  <a:srgbClr val="FFFFFF"/>
-                </a:highlight>
-                <a:latin typeface="Consolas" panose="020B0609020204030204" pitchFamily="49" charset="0"/>
-              </a:rPr>
-              <a:t>{</a:t>
-            </a:r>
-          </a:p>
-          <a:p>
-            <a:pPr marL="457200" lvl="1" indent="0">
-              <a:buNone/>
-            </a:pPr>
-            <a:r>
-              <a:rPr lang="en-US" dirty="0">
-                <a:solidFill>
-                  <a:srgbClr val="000000"/>
-                </a:solidFill>
-                <a:highlight>
-                  <a:srgbClr val="FFFFFF"/>
-                </a:highlight>
-                <a:latin typeface="Consolas" panose="020B0609020204030204" pitchFamily="49" charset="0"/>
-              </a:rPr>
-              <a:t> </a:t>
-            </a:r>
-            <a:r>
-              <a:rPr lang="en-US" dirty="0" smtClean="0">
-                <a:solidFill>
-                  <a:srgbClr val="000000"/>
-                </a:solidFill>
-                <a:highlight>
-                  <a:srgbClr val="FFFFFF"/>
-                </a:highlight>
-                <a:latin typeface="Consolas" panose="020B0609020204030204" pitchFamily="49" charset="0"/>
-              </a:rPr>
-              <a:t>       ...</a:t>
-            </a:r>
-          </a:p>
-          <a:p>
-            <a:pPr marL="457200" lvl="1" indent="0">
-              <a:buNone/>
-            </a:pPr>
-            <a:r>
-              <a:rPr lang="en-US" dirty="0" smtClean="0">
-                <a:solidFill>
-                  <a:srgbClr val="000000"/>
-                </a:solidFill>
-                <a:highlight>
-                  <a:srgbClr val="FFFFFF"/>
-                </a:highlight>
-                <a:latin typeface="Consolas" panose="020B0609020204030204" pitchFamily="49" charset="0"/>
-              </a:rPr>
-              <a:t>    }</a:t>
-            </a:r>
-          </a:p>
-          <a:p>
-            <a:pPr marL="457200" lvl="1" indent="0">
-              <a:buNone/>
-            </a:pPr>
-            <a:r>
-              <a:rPr lang="en-US" dirty="0">
-                <a:solidFill>
-                  <a:srgbClr val="000000"/>
-                </a:solidFill>
-                <a:highlight>
-                  <a:srgbClr val="FFFFFF"/>
-                </a:highlight>
-                <a:latin typeface="Consolas" panose="020B0609020204030204" pitchFamily="49" charset="0"/>
-              </a:rPr>
-              <a:t>}</a:t>
-            </a:r>
-            <a:endParaRPr lang="en-US" dirty="0"/>
-          </a:p>
-          <a:p>
-            <a:pPr marL="0" indent="0">
-              <a:buNone/>
-            </a:pPr>
-            <a:endParaRPr lang="en-US" sz="1600" dirty="0" smtClean="0"/>
           </a:p>
         </p:txBody>
       </p:sp>
     </p:spTree>
     <p:extLst>
       <p:ext uri="{BB962C8B-B14F-4D97-AF65-F5344CB8AC3E}">
-        <p14:creationId xmlns:p14="http://schemas.microsoft.com/office/powerpoint/2010/main" val="409463864"/>
+        <p14:creationId xmlns:p14="http://schemas.microsoft.com/office/powerpoint/2010/main" val="1344962753"/>
       </p:ext>
     </p:extLst>
   </p:cSld>
   <p:clrMapOvr>
     <a:masterClrMapping/>
   </p:clrMapOvr>
+  <p:timing>
+    <p:tnLst>
+      <p:par>
+        <p:cTn xmlns:p14="http://schemas.microsoft.com/office/powerpoint/2010/main" id="1" dur="indefinite" restart="never" nodeType="tmRoot"/>
+      </p:par>
+    </p:tnLst>
+  </p:timing>
 </p:sld>
 </file>
 
@@ -23083,7 +22590,7 @@
           <a:p>
             <a:r>
               <a:rPr lang="en-US" dirty="0" smtClean="0"/>
-              <a:t>Thread Cleanup</a:t>
+              <a:t>Thread Creation</a:t>
             </a:r>
             <a:endParaRPr lang="en-US" dirty="0"/>
           </a:p>
@@ -23101,73 +22608,99 @@
         </p:nvSpPr>
         <p:spPr/>
         <p:txBody>
-          <a:bodyPr>
-            <a:normAutofit lnSpcReduction="10000"/>
-          </a:bodyPr>
+          <a:bodyPr/>
           <a:lstStyle/>
           <a:p>
             <a:r>
               <a:rPr lang="en-US" dirty="0" smtClean="0"/>
-              <a:t>Once a thread is running, it returns, or you kill it</a:t>
-            </a:r>
+              <a:t>To create a thread, we use </a:t>
+            </a:r>
+            <a:r>
+              <a:rPr lang="en-US" dirty="0" err="1" smtClean="0">
+                <a:solidFill>
+                  <a:srgbClr val="2B91AF"/>
+                </a:solidFill>
+                <a:highlight>
+                  <a:srgbClr val="FFFFFF"/>
+                </a:highlight>
+                <a:latin typeface="Consolas" panose="020B0609020204030204" pitchFamily="49" charset="0"/>
+              </a:rPr>
+              <a:t>ThreadPool</a:t>
+            </a:r>
+            <a:r>
+              <a:rPr lang="en-US" dirty="0">
+                <a:solidFill>
+                  <a:srgbClr val="000000"/>
+                </a:solidFill>
+                <a:highlight>
+                  <a:srgbClr val="FFFFFF"/>
+                </a:highlight>
+                <a:latin typeface="Consolas" panose="020B0609020204030204" pitchFamily="49" charset="0"/>
+              </a:rPr>
+              <a:t>::</a:t>
+            </a:r>
+            <a:r>
+              <a:rPr lang="en-US" dirty="0" err="1" smtClean="0">
+                <a:solidFill>
+                  <a:srgbClr val="000000"/>
+                </a:solidFill>
+                <a:highlight>
+                  <a:srgbClr val="FFFFFF"/>
+                </a:highlight>
+                <a:latin typeface="Consolas" panose="020B0609020204030204" pitchFamily="49" charset="0"/>
+              </a:rPr>
+              <a:t>RunAsync</a:t>
+            </a:r>
+            <a:endParaRPr lang="en-US" dirty="0" smtClean="0">
+              <a:highlight>
+                <a:srgbClr val="FFFFFF"/>
+              </a:highlight>
+            </a:endParaRPr>
           </a:p>
           <a:p>
             <a:pPr lvl="1"/>
             <a:r>
               <a:rPr lang="en-US" dirty="0" smtClean="0"/>
-              <a:t>Since we have a </a:t>
-            </a:r>
-            <a:r>
-              <a:rPr lang="en-US" dirty="0">
-                <a:solidFill>
-                  <a:srgbClr val="0000FF"/>
-                </a:solidFill>
-                <a:highlight>
-                  <a:srgbClr val="FFFFFF"/>
-                </a:highlight>
-                <a:latin typeface="Consolas" panose="020B0609020204030204" pitchFamily="49" charset="0"/>
-              </a:rPr>
-              <a:t>while</a:t>
-            </a:r>
-            <a:r>
-              <a:rPr lang="en-US" dirty="0">
-                <a:solidFill>
-                  <a:srgbClr val="000000"/>
-                </a:solidFill>
-                <a:highlight>
-                  <a:srgbClr val="FFFFFF"/>
-                </a:highlight>
-                <a:latin typeface="Consolas" panose="020B0609020204030204" pitchFamily="49" charset="0"/>
-              </a:rPr>
-              <a:t>( </a:t>
-            </a:r>
-            <a:r>
-              <a:rPr lang="en-US" dirty="0">
-                <a:solidFill>
-                  <a:srgbClr val="0000FF"/>
-                </a:solidFill>
-                <a:highlight>
-                  <a:srgbClr val="FFFFFF"/>
-                </a:highlight>
-                <a:latin typeface="Consolas" panose="020B0609020204030204" pitchFamily="49" charset="0"/>
-              </a:rPr>
-              <a:t>true</a:t>
-            </a:r>
-            <a:r>
-              <a:rPr lang="en-US" dirty="0">
-                <a:solidFill>
-                  <a:srgbClr val="000000"/>
-                </a:solidFill>
-                <a:highlight>
-                  <a:srgbClr val="FFFFFF"/>
-                </a:highlight>
-                <a:latin typeface="Consolas" panose="020B0609020204030204" pitchFamily="49" charset="0"/>
-              </a:rPr>
-              <a:t> )</a:t>
-            </a:r>
-            <a:r>
-              <a:rPr lang="en-US" dirty="0" smtClean="0"/>
-              <a:t> loop, it could be a while before it returns</a:t>
+              <a:t>Takes in a </a:t>
+            </a:r>
+            <a:r>
+              <a:rPr lang="en-US" dirty="0" err="1" smtClean="0">
+                <a:solidFill>
+                  <a:srgbClr val="2B91AF"/>
+                </a:solidFill>
+                <a:highlight>
+                  <a:srgbClr val="FFFFFF"/>
+                </a:highlight>
+                <a:latin typeface="Consolas" panose="020B0609020204030204" pitchFamily="49" charset="0"/>
+              </a:rPr>
+              <a:t>WorkItemHandler</a:t>
+            </a:r>
+            <a:r>
+              <a:rPr lang="en-US" dirty="0" smtClean="0"/>
+              <a:t>, a special function to run in another thread</a:t>
+            </a:r>
+          </a:p>
+          <a:p>
+            <a:pPr lvl="1"/>
+            <a:r>
+              <a:rPr lang="en-US" dirty="0" smtClean="0"/>
+              <a:t>You wrap your function in the </a:t>
+            </a:r>
+            <a:r>
+              <a:rPr lang="en-US" dirty="0" err="1" smtClean="0">
+                <a:solidFill>
+                  <a:srgbClr val="2B91AF"/>
+                </a:solidFill>
+                <a:highlight>
+                  <a:srgbClr val="FFFFFF"/>
+                </a:highlight>
+                <a:latin typeface="Consolas" panose="020B0609020204030204" pitchFamily="49" charset="0"/>
+              </a:rPr>
+              <a:t>WorkItemHandler</a:t>
+            </a:r>
+            <a:r>
+              <a:rPr lang="en-US" dirty="0" smtClean="0"/>
+              <a:t> constructor</a:t>
             </a:r>
           </a:p>
           <a:p>
@@ -23175,12 +22708,11 @@
             <a:endParaRPr lang="en-US" dirty="0"/>
           </a:p>
           <a:p>
-            <a:r>
-              <a:rPr lang="en-US" dirty="0" smtClean="0"/>
-              <a:t>The return value of </a:t>
-            </a:r>
-            <a:r>
-              <a:rPr lang="en-US" dirty="0" err="1">
+            <a:pPr marL="0" indent="0">
+              <a:buNone/>
+            </a:pPr>
+            <a:r>
+              <a:rPr lang="en-US" sz="1600" dirty="0" smtClean="0">
                 <a:solidFill>
                   <a:srgbClr val="2B91AF"/>
                 </a:solidFill>
@@ -23189,10 +22721,22 @@
                 </a:highlight>
                 <a:latin typeface="Consolas" panose="020B0609020204030204" pitchFamily="49" charset="0"/>
               </a:rPr>
+              <a:t>    </a:t>
+            </a:r>
+            <a:r>
+              <a:rPr lang="en-US" sz="1600" dirty="0" err="1" smtClean="0">
+                <a:solidFill>
+                  <a:srgbClr val="2B91AF"/>
+                </a:solidFill>
+                <a:highlight>
+                  <a:srgbClr val="FFFFFF"/>
+                </a:highlight>
+                <a:latin typeface="Consolas" panose="020B0609020204030204" pitchFamily="49" charset="0"/>
+              </a:rPr>
               <a:t>ThreadPool</a:t>
             </a:r>
             <a:r>
-              <a:rPr lang="en-US" dirty="0">
+              <a:rPr lang="en-US" sz="1600" dirty="0">
                 <a:solidFill>
                   <a:srgbClr val="000000"/>
                 </a:solidFill>
@@ -23204,7 +22748,7 @@
               <a:t>::</a:t>
             </a:r>
             <a:r>
-              <a:rPr lang="en-US" dirty="0" err="1" smtClean="0">
+              <a:rPr lang="en-US" sz="1600" dirty="0" err="1" smtClean="0">
                 <a:solidFill>
                   <a:srgbClr val="000000"/>
                 </a:solidFill>
@@ -23216,18 +22760,227 @@
               <a:t>RunAsync</a:t>
             </a:r>
             <a:r>
-              <a:rPr lang="en-US" dirty="0" smtClean="0"/>
-              <a:t> is useful</a:t>
-            </a:r>
-          </a:p>
-          <a:p>
-            <a:pPr lvl="1"/>
-            <a:endParaRPr lang="en-US" dirty="0" smtClean="0"/>
+              <a:rPr lang="en-US" sz="1600" dirty="0" smtClean="0">
+                <a:solidFill>
+                  <a:srgbClr val="000000"/>
+                </a:solidFill>
+                <a:highlight>
+                  <a:srgbClr val="FFFFFF"/>
+                </a:highlight>
+                <a:latin typeface="Consolas" panose="020B0609020204030204" pitchFamily="49" charset="0"/>
+              </a:rPr>
+              <a:t>( </a:t>
+            </a:r>
+            <a:r>
+              <a:rPr lang="en-US" sz="1600" dirty="0" smtClean="0">
+                <a:solidFill>
+                  <a:srgbClr val="0000FF"/>
+                </a:solidFill>
+                <a:highlight>
+                  <a:srgbClr val="FFFFFF"/>
+                </a:highlight>
+                <a:latin typeface="Consolas" panose="020B0609020204030204" pitchFamily="49" charset="0"/>
+              </a:rPr>
+              <a:t>ref</a:t>
+            </a:r>
+            <a:r>
+              <a:rPr lang="en-US" sz="1600" dirty="0" smtClean="0">
+                <a:solidFill>
+                  <a:srgbClr val="000000"/>
+                </a:solidFill>
+                <a:highlight>
+                  <a:srgbClr val="FFFFFF"/>
+                </a:highlight>
+                <a:latin typeface="Consolas" panose="020B0609020204030204" pitchFamily="49" charset="0"/>
+              </a:rPr>
+              <a:t> </a:t>
+            </a:r>
+            <a:r>
+              <a:rPr lang="en-US" sz="1600" dirty="0">
+                <a:solidFill>
+                  <a:srgbClr val="0000FF"/>
+                </a:solidFill>
+                <a:highlight>
+                  <a:srgbClr val="FFFFFF"/>
+                </a:highlight>
+                <a:latin typeface="Consolas" panose="020B0609020204030204" pitchFamily="49" charset="0"/>
+              </a:rPr>
+              <a:t>new</a:t>
+            </a:r>
+            <a:r>
+              <a:rPr lang="en-US" sz="1600" dirty="0">
+                <a:solidFill>
+                  <a:srgbClr val="000000"/>
+                </a:solidFill>
+                <a:highlight>
+                  <a:srgbClr val="FFFFFF"/>
+                </a:highlight>
+                <a:latin typeface="Consolas" panose="020B0609020204030204" pitchFamily="49" charset="0"/>
+              </a:rPr>
+              <a:t> </a:t>
+            </a:r>
+            <a:r>
+              <a:rPr lang="en-US" sz="1600" dirty="0" err="1">
+                <a:solidFill>
+                  <a:srgbClr val="2B91AF"/>
+                </a:solidFill>
+                <a:highlight>
+                  <a:srgbClr val="FFFFFF"/>
+                </a:highlight>
+                <a:latin typeface="Consolas" panose="020B0609020204030204" pitchFamily="49" charset="0"/>
+              </a:rPr>
+              <a:t>WorkItemHandler</a:t>
+            </a:r>
+            <a:r>
+              <a:rPr lang="en-US" sz="1600" dirty="0">
+                <a:solidFill>
+                  <a:srgbClr val="000000"/>
+                </a:solidFill>
+                <a:highlight>
+                  <a:srgbClr val="FFFFFF"/>
+                </a:highlight>
+                <a:latin typeface="Consolas" panose="020B0609020204030204" pitchFamily="49" charset="0"/>
+              </a:rPr>
+              <a:t>(</a:t>
+            </a:r>
+            <a:r>
+              <a:rPr lang="en-US" sz="1600" dirty="0">
+                <a:solidFill>
+                  <a:srgbClr val="0000FF"/>
+                </a:solidFill>
+                <a:highlight>
+                  <a:srgbClr val="FFFFFF"/>
+                </a:highlight>
+                <a:latin typeface="Consolas" panose="020B0609020204030204" pitchFamily="49" charset="0"/>
+              </a:rPr>
+              <a:t>this</a:t>
+            </a:r>
+            <a:r>
+              <a:rPr lang="en-US" sz="1600" dirty="0" smtClean="0">
+                <a:solidFill>
+                  <a:srgbClr val="000000"/>
+                </a:solidFill>
+                <a:highlight>
+                  <a:srgbClr val="FFFFFF"/>
+                </a:highlight>
+                <a:latin typeface="Consolas" panose="020B0609020204030204" pitchFamily="49" charset="0"/>
+              </a:rPr>
+              <a:t>,</a:t>
+            </a:r>
+          </a:p>
+          <a:p>
+            <a:pPr marL="0" indent="0">
+              <a:buNone/>
+            </a:pPr>
+            <a:r>
+              <a:rPr lang="en-US" sz="1600" dirty="0">
+                <a:solidFill>
+                  <a:srgbClr val="000000"/>
+                </a:solidFill>
+                <a:highlight>
+                  <a:srgbClr val="FFFFFF"/>
+                </a:highlight>
+                <a:latin typeface="Consolas" panose="020B0609020204030204" pitchFamily="49" charset="0"/>
+              </a:rPr>
+              <a:t> </a:t>
+            </a:r>
+            <a:r>
+              <a:rPr lang="en-US" sz="1600" dirty="0" smtClean="0">
+                <a:solidFill>
+                  <a:srgbClr val="000000"/>
+                </a:solidFill>
+                <a:highlight>
+                  <a:srgbClr val="FFFFFF"/>
+                </a:highlight>
+                <a:latin typeface="Consolas" panose="020B0609020204030204" pitchFamily="49" charset="0"/>
+              </a:rPr>
+              <a:t>                         &amp;</a:t>
+            </a:r>
+            <a:r>
+              <a:rPr lang="en-US" sz="1600" dirty="0" err="1" smtClean="0">
+                <a:solidFill>
+                  <a:srgbClr val="000000"/>
+                </a:solidFill>
+                <a:highlight>
+                  <a:srgbClr val="FFFFFF"/>
+                </a:highlight>
+                <a:latin typeface="Consolas" panose="020B0609020204030204" pitchFamily="49" charset="0"/>
+              </a:rPr>
+              <a:t>myClass</a:t>
+            </a:r>
+            <a:r>
+              <a:rPr lang="en-US" sz="1600" dirty="0" smtClean="0">
+                <a:solidFill>
+                  <a:srgbClr val="000000"/>
+                </a:solidFill>
+                <a:highlight>
+                  <a:srgbClr val="FFFFFF"/>
+                </a:highlight>
+                <a:latin typeface="Consolas" panose="020B0609020204030204" pitchFamily="49" charset="0"/>
+              </a:rPr>
+              <a:t>::</a:t>
+            </a:r>
+            <a:r>
+              <a:rPr lang="en-US" sz="1600" dirty="0" err="1" smtClean="0">
+                <a:solidFill>
+                  <a:srgbClr val="000000"/>
+                </a:solidFill>
+                <a:highlight>
+                  <a:srgbClr val="FFFFFF"/>
+                </a:highlight>
+                <a:latin typeface="Consolas" panose="020B0609020204030204" pitchFamily="49" charset="0"/>
+              </a:rPr>
+              <a:t>audioThread</a:t>
+            </a:r>
+            <a:r>
+              <a:rPr lang="en-US" sz="1600" dirty="0" smtClean="0">
+                <a:solidFill>
+                  <a:srgbClr val="000000"/>
+                </a:solidFill>
+                <a:highlight>
+                  <a:srgbClr val="FFFFFF"/>
+                </a:highlight>
+                <a:latin typeface="Consolas" panose="020B0609020204030204" pitchFamily="49" charset="0"/>
+              </a:rPr>
+              <a:t>) );</a:t>
+            </a:r>
           </a:p>
           <a:p>
             <a:pPr marL="457200" lvl="1" indent="0">
               <a:buNone/>
             </a:pPr>
+            <a:endParaRPr lang="en-US" dirty="0"/>
+          </a:p>
+          <a:p>
+            <a:pPr lvl="1"/>
+            <a:r>
+              <a:rPr lang="en-US" dirty="0" smtClean="0"/>
+              <a:t>This will start a thread, running the </a:t>
+            </a:r>
+            <a:r>
+              <a:rPr lang="en-US" dirty="0" smtClean="0">
+                <a:solidFill>
+                  <a:srgbClr val="0000FF"/>
+                </a:solidFill>
+                <a:highlight>
+                  <a:srgbClr val="FFFFFF"/>
+                </a:highlight>
+                <a:latin typeface="Consolas" panose="020B0609020204030204" pitchFamily="49" charset="0"/>
+              </a:rPr>
+              <a:t>this</a:t>
+            </a:r>
+            <a:r>
+              <a:rPr lang="en-US" dirty="0" smtClean="0">
+                <a:solidFill>
+                  <a:srgbClr val="000000"/>
+                </a:solidFill>
+                <a:highlight>
+                  <a:srgbClr val="FFFFFF"/>
+                </a:highlight>
+                <a:latin typeface="Consolas" panose="020B0609020204030204" pitchFamily="49" charset="0"/>
+              </a:rPr>
+              <a:t>-&gt;</a:t>
+            </a:r>
             <a:r>
               <a:rPr lang="en-US" dirty="0" err="1" smtClean="0">
                 <a:solidFill>
@@ -23238,88 +22991,20 @@
                 </a:highlight>
                 <a:latin typeface="Consolas" panose="020B0609020204030204" pitchFamily="49" charset="0"/>
               </a:rPr>
-              <a:t>audioThreadHandle</a:t>
-            </a:r>
-            <a:r>
-              <a:rPr lang="en-US" dirty="0" smtClean="0">
-                <a:solidFill>
-                  <a:srgbClr val="000000"/>
-                </a:solidFill>
-                <a:highlight>
-                  <a:srgbClr val="FFFFFF"/>
-                </a:highlight>
-                <a:latin typeface="Consolas" panose="020B0609020204030204" pitchFamily="49" charset="0"/>
-              </a:rPr>
-              <a:t> </a:t>
-            </a:r>
-            <a:r>
-              <a:rPr lang="en-US" dirty="0">
-                <a:solidFill>
-                  <a:srgbClr val="000000"/>
-                </a:solidFill>
-                <a:highlight>
-                  <a:srgbClr val="FFFFFF"/>
-                </a:highlight>
-                <a:latin typeface="Consolas" panose="020B0609020204030204" pitchFamily="49" charset="0"/>
-              </a:rPr>
-              <a:t>= </a:t>
-            </a:r>
-            <a:r>
-              <a:rPr lang="en-US" dirty="0" err="1">
-                <a:solidFill>
-                  <a:srgbClr val="2B91AF"/>
-                </a:solidFill>
-                <a:highlight>
-                  <a:srgbClr val="FFFFFF"/>
-                </a:highlight>
-                <a:latin typeface="Consolas" panose="020B0609020204030204" pitchFamily="49" charset="0"/>
-              </a:rPr>
-              <a:t>ThreadPool</a:t>
-            </a:r>
-            <a:r>
-              <a:rPr lang="en-US" dirty="0">
-                <a:solidFill>
-                  <a:srgbClr val="000000"/>
-                </a:solidFill>
-                <a:highlight>
-                  <a:srgbClr val="FFFFFF"/>
-                </a:highlight>
-                <a:latin typeface="Consolas" panose="020B0609020204030204" pitchFamily="49" charset="0"/>
-              </a:rPr>
-              <a:t>::</a:t>
-            </a:r>
-            <a:r>
-              <a:rPr lang="en-US" dirty="0" err="1" smtClean="0">
-                <a:solidFill>
-                  <a:srgbClr val="000000"/>
-                </a:solidFill>
-                <a:highlight>
-                  <a:srgbClr val="FFFFFF"/>
-                </a:highlight>
-                <a:latin typeface="Consolas" panose="020B0609020204030204" pitchFamily="49" charset="0"/>
-              </a:rPr>
-              <a:t>RunAsync</a:t>
-            </a:r>
-            <a:r>
-              <a:rPr lang="en-US" dirty="0" smtClean="0">
-                <a:solidFill>
-                  <a:srgbClr val="000000"/>
-                </a:solidFill>
-                <a:highlight>
-                  <a:srgbClr val="FFFFFF"/>
-                </a:highlight>
-                <a:latin typeface="Consolas" panose="020B0609020204030204" pitchFamily="49" charset="0"/>
-              </a:rPr>
-              <a:t>( ... );</a:t>
+              <a:t>audioThread</a:t>
+            </a:r>
+            <a:r>
+              <a:rPr lang="en-US" dirty="0" smtClean="0"/>
+              <a:t> function</a:t>
             </a:r>
           </a:p>
           <a:p>
             <a:pPr marL="457200" lvl="1" indent="0">
               <a:buNone/>
             </a:pPr>
-            <a:endParaRPr lang="en-US" dirty="0">
+            <a:endParaRPr lang="en-US" dirty="0" smtClean="0">
               <a:solidFill>
-                <a:srgbClr val="000000"/>
+                <a:srgbClr val="0000FF"/>
               </a:solidFill>
               <a:highlight>
                 <a:srgbClr val="FFFFFF"/>
@@ -23328,167 +23013,332 @@
             </a:endParaRPr>
           </a:p>
           <a:p>
-            <a:r>
-              <a:rPr lang="en-US" dirty="0" smtClean="0"/>
-              <a:t>This handle can stop the thread:</a:t>
-            </a:r>
-          </a:p>
-          <a:p>
-            <a:pPr lvl="1"/>
+            <a:pPr marL="457200" lvl="1" indent="0">
+              <a:buNone/>
+            </a:pPr>
+            <a:r>
+              <a:rPr lang="en-US" dirty="0" smtClean="0">
+                <a:solidFill>
+                  <a:srgbClr val="0000FF"/>
+                </a:solidFill>
+                <a:highlight>
+                  <a:srgbClr val="FFFFFF"/>
+                </a:highlight>
+                <a:latin typeface="Consolas" panose="020B0609020204030204" pitchFamily="49" charset="0"/>
+              </a:rPr>
+              <a:t>void</a:t>
+            </a:r>
+            <a:r>
+              <a:rPr lang="en-US" dirty="0" smtClean="0">
+                <a:solidFill>
+                  <a:srgbClr val="000000"/>
+                </a:solidFill>
+                <a:highlight>
+                  <a:srgbClr val="FFFFFF"/>
+                </a:highlight>
+                <a:latin typeface="Consolas" panose="020B0609020204030204" pitchFamily="49" charset="0"/>
+              </a:rPr>
+              <a:t> </a:t>
+            </a:r>
+            <a:r>
+              <a:rPr lang="en-US" dirty="0" err="1" smtClean="0">
+                <a:solidFill>
+                  <a:srgbClr val="000000"/>
+                </a:solidFill>
+                <a:highlight>
+                  <a:srgbClr val="FFFFFF"/>
+                </a:highlight>
+                <a:latin typeface="Consolas" panose="020B0609020204030204" pitchFamily="49" charset="0"/>
+              </a:rPr>
+              <a:t>myClass</a:t>
+            </a:r>
+            <a:r>
+              <a:rPr lang="en-US" dirty="0" smtClean="0">
+                <a:solidFill>
+                  <a:srgbClr val="000000"/>
+                </a:solidFill>
+                <a:highlight>
+                  <a:srgbClr val="FFFFFF"/>
+                </a:highlight>
+                <a:latin typeface="Consolas" panose="020B0609020204030204" pitchFamily="49" charset="0"/>
+              </a:rPr>
+              <a:t>::</a:t>
+            </a:r>
+            <a:r>
+              <a:rPr lang="en-US" dirty="0" err="1" smtClean="0">
+                <a:solidFill>
+                  <a:srgbClr val="000000"/>
+                </a:solidFill>
+                <a:highlight>
+                  <a:srgbClr val="FFFFFF"/>
+                </a:highlight>
+                <a:latin typeface="Consolas" panose="020B0609020204030204" pitchFamily="49" charset="0"/>
+              </a:rPr>
+              <a:t>audioThread</a:t>
+            </a:r>
+            <a:r>
+              <a:rPr lang="en-US" dirty="0" smtClean="0">
+                <a:solidFill>
+                  <a:srgbClr val="000000"/>
+                </a:solidFill>
+                <a:highlight>
+                  <a:srgbClr val="FFFFFF"/>
+                </a:highlight>
+                <a:latin typeface="Consolas" panose="020B0609020204030204" pitchFamily="49" charset="0"/>
+              </a:rPr>
+              <a:t>( </a:t>
+            </a:r>
+            <a:r>
+              <a:rPr lang="en-US" dirty="0" err="1" smtClean="0">
+                <a:solidFill>
+                  <a:srgbClr val="2B91AF"/>
+                </a:solidFill>
+                <a:highlight>
+                  <a:srgbClr val="FFFFFF"/>
+                </a:highlight>
+                <a:latin typeface="Consolas" panose="020B0609020204030204" pitchFamily="49" charset="0"/>
+              </a:rPr>
+              <a:t>IAsyncAction</a:t>
+            </a:r>
+            <a:r>
+              <a:rPr lang="en-US" dirty="0">
+                <a:solidFill>
+                  <a:srgbClr val="000000"/>
+                </a:solidFill>
+                <a:highlight>
+                  <a:srgbClr val="FFFFFF"/>
+                </a:highlight>
+                <a:latin typeface="Consolas" panose="020B0609020204030204" pitchFamily="49" charset="0"/>
+              </a:rPr>
+              <a:t>^ </a:t>
+            </a:r>
+            <a:r>
+              <a:rPr lang="en-US" dirty="0">
+                <a:solidFill>
+                  <a:srgbClr val="808080"/>
+                </a:solidFill>
+                <a:highlight>
+                  <a:srgbClr val="FFFFFF"/>
+                </a:highlight>
+                <a:latin typeface="Consolas" panose="020B0609020204030204" pitchFamily="49" charset="0"/>
+              </a:rPr>
+              <a:t>operation</a:t>
+            </a:r>
+            <a:r>
+              <a:rPr lang="en-US" dirty="0">
+                <a:solidFill>
+                  <a:srgbClr val="000000"/>
+                </a:solidFill>
+                <a:highlight>
+                  <a:srgbClr val="FFFFFF"/>
+                </a:highlight>
+                <a:latin typeface="Consolas" panose="020B0609020204030204" pitchFamily="49" charset="0"/>
+              </a:rPr>
+              <a:t> ) </a:t>
+            </a:r>
+            <a:r>
+              <a:rPr lang="en-US" dirty="0" smtClean="0">
+                <a:solidFill>
+                  <a:srgbClr val="000000"/>
+                </a:solidFill>
+                <a:highlight>
+                  <a:srgbClr val="FFFFFF"/>
+                </a:highlight>
+                <a:latin typeface="Consolas" panose="020B0609020204030204" pitchFamily="49" charset="0"/>
+              </a:rPr>
+              <a:t>{</a:t>
+            </a:r>
+          </a:p>
+          <a:p>
+            <a:pPr marL="457200" lvl="1" indent="0">
+              <a:buNone/>
+            </a:pPr>
+            <a:r>
+              <a:rPr lang="en-US" dirty="0">
+                <a:solidFill>
+                  <a:srgbClr val="000000"/>
+                </a:solidFill>
+                <a:highlight>
+                  <a:srgbClr val="FFFFFF"/>
+                </a:highlight>
+                <a:latin typeface="Consolas" panose="020B0609020204030204" pitchFamily="49" charset="0"/>
+              </a:rPr>
+              <a:t> </a:t>
+            </a:r>
+            <a:r>
+              <a:rPr lang="en-US" dirty="0" smtClean="0">
+                <a:solidFill>
+                  <a:srgbClr val="000000"/>
+                </a:solidFill>
+                <a:highlight>
+                  <a:srgbClr val="FFFFFF"/>
+                </a:highlight>
+                <a:latin typeface="Consolas" panose="020B0609020204030204" pitchFamily="49" charset="0"/>
+              </a:rPr>
+              <a:t>   </a:t>
+            </a:r>
+            <a:r>
+              <a:rPr lang="en-US" dirty="0">
+                <a:solidFill>
+                  <a:srgbClr val="0000FF"/>
+                </a:solidFill>
+                <a:highlight>
+                  <a:srgbClr val="FFFFFF"/>
+                </a:highlight>
+                <a:latin typeface="Consolas" panose="020B0609020204030204" pitchFamily="49" charset="0"/>
+              </a:rPr>
+              <a:t>while</a:t>
+            </a:r>
+            <a:r>
+              <a:rPr lang="en-US" dirty="0" smtClean="0">
+                <a:solidFill>
+                  <a:srgbClr val="000000"/>
+                </a:solidFill>
+                <a:highlight>
+                  <a:srgbClr val="FFFFFF"/>
+                </a:highlight>
+                <a:latin typeface="Consolas" panose="020B0609020204030204" pitchFamily="49" charset="0"/>
+              </a:rPr>
+              <a:t>(</a:t>
+            </a:r>
+            <a:r>
+              <a:rPr lang="en-US" dirty="0">
+                <a:solidFill>
+                  <a:srgbClr val="0000FF"/>
+                </a:solidFill>
+                <a:highlight>
+                  <a:srgbClr val="FFFFFF"/>
+                </a:highlight>
+                <a:latin typeface="Consolas" panose="020B0609020204030204" pitchFamily="49" charset="0"/>
+              </a:rPr>
+              <a:t> </a:t>
+            </a:r>
+            <a:r>
+              <a:rPr lang="en-US" dirty="0" smtClean="0">
+                <a:solidFill>
+                  <a:srgbClr val="0000FF"/>
+                </a:solidFill>
+                <a:highlight>
+                  <a:srgbClr val="FFFFFF"/>
+                </a:highlight>
+                <a:latin typeface="Consolas" panose="020B0609020204030204" pitchFamily="49" charset="0"/>
+              </a:rPr>
+              <a:t>true</a:t>
+            </a:r>
+            <a:r>
+              <a:rPr lang="en-US" dirty="0" smtClean="0">
+                <a:solidFill>
+                  <a:srgbClr val="000000"/>
+                </a:solidFill>
+                <a:highlight>
+                  <a:srgbClr val="FFFFFF"/>
+                </a:highlight>
+                <a:latin typeface="Consolas" panose="020B0609020204030204" pitchFamily="49" charset="0"/>
+              </a:rPr>
+              <a:t> ) </a:t>
+            </a:r>
+            <a:r>
+              <a:rPr lang="en-US" dirty="0" smtClean="0">
+                <a:solidFill>
+                  <a:srgbClr val="000000"/>
+                </a:solidFill>
+                <a:highlight>
+                  <a:srgbClr val="FFFFFF"/>
+                </a:highlight>
+                <a:latin typeface="Consolas" panose="020B0609020204030204" pitchFamily="49" charset="0"/>
+              </a:rPr>
+              <a:t>{</a:t>
+            </a:r>
+          </a:p>
+          <a:p>
+            <a:pPr marL="457200" lvl="1" indent="0">
+              <a:buNone/>
+            </a:pPr>
+            <a:r>
+              <a:rPr lang="en-US" dirty="0">
+                <a:solidFill>
+                  <a:srgbClr val="000000"/>
+                </a:solidFill>
+                <a:highlight>
+                  <a:srgbClr val="FFFFFF"/>
+                </a:highlight>
+                <a:latin typeface="Consolas" panose="020B0609020204030204" pitchFamily="49" charset="0"/>
+              </a:rPr>
+              <a:t> </a:t>
+            </a:r>
+            <a:r>
+              <a:rPr lang="en-US" dirty="0" smtClean="0">
+                <a:solidFill>
+                  <a:srgbClr val="000000"/>
+                </a:solidFill>
+                <a:highlight>
+                  <a:srgbClr val="FFFFFF"/>
+                </a:highlight>
+                <a:latin typeface="Consolas" panose="020B0609020204030204" pitchFamily="49" charset="0"/>
+              </a:rPr>
+              <a:t>       ...</a:t>
+            </a:r>
+          </a:p>
+          <a:p>
+            <a:pPr marL="457200" lvl="1" indent="0">
+              <a:buNone/>
+            </a:pPr>
+            <a:r>
+              <a:rPr lang="en-US" dirty="0" smtClean="0">
+                <a:solidFill>
+                  <a:srgbClr val="000000"/>
+                </a:solidFill>
+                <a:highlight>
+                  <a:srgbClr val="FFFFFF"/>
+                </a:highlight>
+                <a:latin typeface="Consolas" panose="020B0609020204030204" pitchFamily="49" charset="0"/>
+              </a:rPr>
+              <a:t>    }</a:t>
+            </a:r>
+          </a:p>
+          <a:p>
+            <a:pPr marL="457200" lvl="1" indent="0">
+              <a:buNone/>
+            </a:pPr>
+            <a:r>
+              <a:rPr lang="en-US" dirty="0">
+                <a:solidFill>
+                  <a:srgbClr val="000000"/>
+                </a:solidFill>
+                <a:highlight>
+                  <a:srgbClr val="FFFFFF"/>
+                </a:highlight>
+                <a:latin typeface="Consolas" panose="020B0609020204030204" pitchFamily="49" charset="0"/>
+              </a:rPr>
+              <a:t>}</a:t>
+            </a:r>
             <a:endParaRPr lang="en-US" dirty="0"/>
           </a:p>
           <a:p>
             <a:pPr marL="0" indent="0">
               <a:buNone/>
             </a:pPr>
-            <a:r>
-              <a:rPr lang="en-US" sz="1600" dirty="0" smtClean="0">
-                <a:solidFill>
-                  <a:srgbClr val="000000"/>
-                </a:solidFill>
-                <a:highlight>
-                  <a:srgbClr val="FFFFFF"/>
-                </a:highlight>
-                <a:latin typeface="Consolas" panose="020B0609020204030204" pitchFamily="49" charset="0"/>
-              </a:rPr>
-              <a:t>    </a:t>
-            </a:r>
-            <a:r>
-              <a:rPr lang="en-US" sz="1600" dirty="0" err="1" smtClean="0">
-                <a:solidFill>
-                  <a:srgbClr val="000000"/>
-                </a:solidFill>
-                <a:highlight>
-                  <a:srgbClr val="FFFFFF"/>
-                </a:highlight>
-                <a:latin typeface="Consolas" panose="020B0609020204030204" pitchFamily="49" charset="0"/>
-              </a:rPr>
-              <a:t>audioThreadHandle</a:t>
-            </a:r>
-            <a:r>
-              <a:rPr lang="en-US" sz="1600" dirty="0" smtClean="0">
-                <a:solidFill>
-                  <a:srgbClr val="000000"/>
-                </a:solidFill>
-                <a:highlight>
-                  <a:srgbClr val="FFFFFF"/>
-                </a:highlight>
-                <a:latin typeface="Consolas" panose="020B0609020204030204" pitchFamily="49" charset="0"/>
-              </a:rPr>
-              <a:t>-</a:t>
-            </a:r>
-            <a:r>
-              <a:rPr lang="en-US" sz="1600" dirty="0">
-                <a:solidFill>
-                  <a:srgbClr val="000000"/>
-                </a:solidFill>
-                <a:highlight>
-                  <a:srgbClr val="FFFFFF"/>
-                </a:highlight>
-                <a:latin typeface="Consolas" panose="020B0609020204030204" pitchFamily="49" charset="0"/>
-              </a:rPr>
-              <a:t>&gt;Cancel();</a:t>
-            </a:r>
-          </a:p>
-          <a:p>
-            <a:pPr marL="0" indent="0">
-              <a:buNone/>
-            </a:pPr>
-            <a:r>
-              <a:rPr lang="en-US" sz="1600" dirty="0" smtClean="0">
-                <a:solidFill>
-                  <a:srgbClr val="000000"/>
-                </a:solidFill>
-                <a:highlight>
-                  <a:srgbClr val="FFFFFF"/>
-                </a:highlight>
-                <a:latin typeface="Consolas" panose="020B0609020204030204" pitchFamily="49" charset="0"/>
-              </a:rPr>
-              <a:t>    </a:t>
-            </a:r>
-            <a:r>
-              <a:rPr lang="en-US" sz="1600" dirty="0" err="1" smtClean="0">
-                <a:solidFill>
-                  <a:srgbClr val="000000"/>
-                </a:solidFill>
-                <a:highlight>
-                  <a:srgbClr val="FFFFFF"/>
-                </a:highlight>
-                <a:latin typeface="Consolas" panose="020B0609020204030204" pitchFamily="49" charset="0"/>
-              </a:rPr>
-              <a:t>audioThreadHandle</a:t>
-            </a:r>
-            <a:r>
-              <a:rPr lang="en-US" sz="1600" dirty="0" smtClean="0">
-                <a:solidFill>
-                  <a:srgbClr val="000000"/>
-                </a:solidFill>
-                <a:highlight>
-                  <a:srgbClr val="FFFFFF"/>
-                </a:highlight>
-                <a:latin typeface="Consolas" panose="020B0609020204030204" pitchFamily="49" charset="0"/>
-              </a:rPr>
-              <a:t>-</a:t>
-            </a:r>
-            <a:r>
-              <a:rPr lang="en-US" sz="1600" dirty="0">
-                <a:solidFill>
-                  <a:srgbClr val="000000"/>
-                </a:solidFill>
-                <a:highlight>
-                  <a:srgbClr val="FFFFFF"/>
-                </a:highlight>
-                <a:latin typeface="Consolas" panose="020B0609020204030204" pitchFamily="49" charset="0"/>
-              </a:rPr>
-              <a:t>&gt;Close();</a:t>
-            </a:r>
             <a:endParaRPr lang="en-US" sz="1600" dirty="0" smtClean="0"/>
-          </a:p>
-          <a:p>
-            <a:endParaRPr lang="en-US" dirty="0"/>
-          </a:p>
-          <a:p>
-            <a:r>
-              <a:rPr lang="en-US" dirty="0" smtClean="0"/>
-              <a:t>This handle allows us to gracefully kill a thread</a:t>
-            </a:r>
-          </a:p>
-          <a:p>
-            <a:pPr lvl="1"/>
-            <a:r>
-              <a:rPr lang="en-US" dirty="0" smtClean="0"/>
-              <a:t>See the </a:t>
-            </a:r>
-            <a:r>
-              <a:rPr lang="en-US" dirty="0" err="1" smtClean="0">
-                <a:solidFill>
-                  <a:srgbClr val="000000"/>
-                </a:solidFill>
-                <a:highlight>
-                  <a:srgbClr val="FFFFFF"/>
-                </a:highlight>
-                <a:latin typeface="Consolas" panose="020B0609020204030204" pitchFamily="49" charset="0"/>
-              </a:rPr>
-              <a:t>CppThread</a:t>
-            </a:r>
-            <a:r>
-              <a:rPr lang="en-US" dirty="0" smtClean="0"/>
-              <a:t> example for more on this</a:t>
-            </a:r>
-            <a:endParaRPr lang="en-US" dirty="0"/>
           </a:p>
         </p:txBody>
       </p:sp>
     </p:spTree>
     <p:extLst>
       <p:ext uri="{BB962C8B-B14F-4D97-AF65-F5344CB8AC3E}">
-        <p14:creationId xmlns:p14="http://schemas.microsoft.com/office/powerpoint/2010/main" val="1832878621"/>
+        <p14:creationId xmlns:p14="http://schemas.microsoft.com/office/powerpoint/2010/main" val="409463864"/>
       </p:ext>
     </p:extLst>
   </p:cSld>
   <p:clrMapOvr>
     <a:masterClrMapping/>
   </p:clrMapOvr>
+  <p:timing>
+    <p:tnLst>
+      <p:par>
+        <p:cTn xmlns:p14="http://schemas.microsoft.com/office/powerpoint/2010/main" id="1" dur="indefinite" restart="never" nodeType="tmRoot"/>
+      </p:par>
+    </p:tnLst>
+  </p:timing>
 </p:sld>
 </file>
 
@@ -23526,7 +23376,7 @@
           <a:p>
             <a:r>
               <a:rPr lang="en-US" dirty="0" smtClean="0"/>
-              <a:t>Audio Processing</a:t>
+              <a:t>Thread Cleanup</a:t>
             </a:r>
             <a:endParaRPr lang="en-US" dirty="0"/>
           </a:p>
@@ -23544,71 +23394,379 @@
         </p:nvSpPr>
         <p:spPr/>
         <p:txBody>
-          <a:bodyPr/>
+          <a:bodyPr>
+            <a:normAutofit lnSpcReduction="10000"/>
+          </a:bodyPr>
           <a:lstStyle/>
           <a:p>
             <a:r>
               <a:rPr lang="en-US" dirty="0" smtClean="0"/>
-              <a:t>Lots of space to explore in here</a:t>
+              <a:t>Once a thread is running, it returns, or you kill it</a:t>
             </a:r>
           </a:p>
           <a:p>
             <a:pPr lvl="1"/>
             <a:r>
               <a:rPr lang="en-US" dirty="0" smtClean="0"/>
-              <a:t>Filtering</a:t>
-            </a:r>
-          </a:p>
-          <a:p>
-            <a:pPr lvl="2"/>
-            <a:r>
-              <a:rPr lang="en-US" dirty="0" smtClean="0"/>
-              <a:t>If you don’t know how to do it, go take EE 341</a:t>
+              <a:t>Since we have a </a:t>
+            </a:r>
+            <a:r>
+              <a:rPr lang="en-US" dirty="0">
+                <a:solidFill>
+                  <a:srgbClr val="0000FF"/>
+                </a:solidFill>
+                <a:highlight>
+                  <a:srgbClr val="FFFFFF"/>
+                </a:highlight>
+                <a:latin typeface="Consolas" panose="020B0609020204030204" pitchFamily="49" charset="0"/>
+              </a:rPr>
+              <a:t>while</a:t>
+            </a:r>
+            <a:r>
+              <a:rPr lang="en-US" dirty="0">
+                <a:solidFill>
+                  <a:srgbClr val="000000"/>
+                </a:solidFill>
+                <a:highlight>
+                  <a:srgbClr val="FFFFFF"/>
+                </a:highlight>
+                <a:latin typeface="Consolas" panose="020B0609020204030204" pitchFamily="49" charset="0"/>
+              </a:rPr>
+              <a:t>( </a:t>
+            </a:r>
+            <a:r>
+              <a:rPr lang="en-US" dirty="0">
+                <a:solidFill>
+                  <a:srgbClr val="0000FF"/>
+                </a:solidFill>
+                <a:highlight>
+                  <a:srgbClr val="FFFFFF"/>
+                </a:highlight>
+                <a:latin typeface="Consolas" panose="020B0609020204030204" pitchFamily="49" charset="0"/>
+              </a:rPr>
+              <a:t>true</a:t>
+            </a:r>
+            <a:r>
+              <a:rPr lang="en-US" dirty="0">
+                <a:solidFill>
+                  <a:srgbClr val="000000"/>
+                </a:solidFill>
+                <a:highlight>
+                  <a:srgbClr val="FFFFFF"/>
+                </a:highlight>
+                <a:latin typeface="Consolas" panose="020B0609020204030204" pitchFamily="49" charset="0"/>
+              </a:rPr>
+              <a:t> )</a:t>
+            </a:r>
+            <a:r>
+              <a:rPr lang="en-US" dirty="0" smtClean="0"/>
+              <a:t> loop, it could be a while before it returns</a:t>
             </a:r>
           </a:p>
           <a:p>
             <a:pPr lvl="1"/>
-            <a:r>
-              <a:rPr lang="en-US" dirty="0" smtClean="0"/>
-              <a:t>Analysis</a:t>
-            </a:r>
-          </a:p>
-          <a:p>
-            <a:pPr lvl="2"/>
-            <a:r>
-              <a:rPr lang="en-US" dirty="0" smtClean="0"/>
-              <a:t>If you don’t know how to do it, go take EE 518</a:t>
+            <a:endParaRPr lang="en-US" dirty="0"/>
+          </a:p>
+          <a:p>
+            <a:r>
+              <a:rPr lang="en-US" dirty="0" smtClean="0"/>
+              <a:t>The return value of </a:t>
+            </a:r>
+            <a:r>
+              <a:rPr lang="en-US" dirty="0" err="1">
+                <a:solidFill>
+                  <a:srgbClr val="2B91AF"/>
+                </a:solidFill>
+                <a:highlight>
+                  <a:srgbClr val="FFFFFF"/>
+                </a:highlight>
+                <a:latin typeface="Consolas" panose="020B0609020204030204" pitchFamily="49" charset="0"/>
+              </a:rPr>
+              <a:t>ThreadPool</a:t>
+            </a:r>
+            <a:r>
+              <a:rPr lang="en-US" dirty="0">
+                <a:solidFill>
+                  <a:srgbClr val="000000"/>
+                </a:solidFill>
+                <a:highlight>
+                  <a:srgbClr val="FFFFFF"/>
+                </a:highlight>
+                <a:latin typeface="Consolas" panose="020B0609020204030204" pitchFamily="49" charset="0"/>
+              </a:rPr>
+              <a:t>::</a:t>
+            </a:r>
+            <a:r>
+              <a:rPr lang="en-US" dirty="0" err="1" smtClean="0">
+                <a:solidFill>
+                  <a:srgbClr val="000000"/>
+                </a:solidFill>
+                <a:highlight>
+                  <a:srgbClr val="FFFFFF"/>
+                </a:highlight>
+                <a:latin typeface="Consolas" panose="020B0609020204030204" pitchFamily="49" charset="0"/>
+              </a:rPr>
+              <a:t>RunAsync</a:t>
+            </a:r>
+            <a:r>
+              <a:rPr lang="en-US" dirty="0" smtClean="0"/>
+              <a:t> is useful</a:t>
             </a:r>
           </a:p>
           <a:p>
             <a:pPr lvl="1"/>
-            <a:r>
-              <a:rPr lang="en-US" dirty="0" smtClean="0"/>
-              <a:t>Synthesis</a:t>
-            </a:r>
-          </a:p>
-          <a:p>
-            <a:pPr lvl="2"/>
-            <a:r>
-              <a:rPr lang="en-US" dirty="0" smtClean="0"/>
-              <a:t>Play around with different ideas, and see what sounds good!</a:t>
-            </a:r>
-          </a:p>
-          <a:p>
-            <a:pPr lvl="2"/>
+            <a:endParaRPr lang="en-US" dirty="0" smtClean="0"/>
+          </a:p>
+          <a:p>
+            <a:pPr marL="457200" lvl="1" indent="0">
+              <a:buNone/>
+            </a:pPr>
+            <a:r>
+              <a:rPr lang="en-US" dirty="0" err="1" smtClean="0">
+                <a:solidFill>
+                  <a:srgbClr val="000000"/>
+                </a:solidFill>
+                <a:highlight>
+                  <a:srgbClr val="FFFFFF"/>
+                </a:highlight>
+                <a:latin typeface="Consolas" panose="020B0609020204030204" pitchFamily="49" charset="0"/>
+              </a:rPr>
+              <a:t>audioThreadHandle</a:t>
+            </a:r>
+            <a:r>
+              <a:rPr lang="en-US" dirty="0" smtClean="0">
+                <a:solidFill>
+                  <a:srgbClr val="000000"/>
+                </a:solidFill>
+                <a:highlight>
+                  <a:srgbClr val="FFFFFF"/>
+                </a:highlight>
+                <a:latin typeface="Consolas" panose="020B0609020204030204" pitchFamily="49" charset="0"/>
+              </a:rPr>
+              <a:t> </a:t>
+            </a:r>
+            <a:r>
+              <a:rPr lang="en-US" dirty="0">
+                <a:solidFill>
+                  <a:srgbClr val="000000"/>
+                </a:solidFill>
+                <a:highlight>
+                  <a:srgbClr val="FFFFFF"/>
+                </a:highlight>
+                <a:latin typeface="Consolas" panose="020B0609020204030204" pitchFamily="49" charset="0"/>
+              </a:rPr>
+              <a:t>= </a:t>
+            </a:r>
+            <a:r>
+              <a:rPr lang="en-US" dirty="0" err="1">
+                <a:solidFill>
+                  <a:srgbClr val="2B91AF"/>
+                </a:solidFill>
+                <a:highlight>
+                  <a:srgbClr val="FFFFFF"/>
+                </a:highlight>
+                <a:latin typeface="Consolas" panose="020B0609020204030204" pitchFamily="49" charset="0"/>
+              </a:rPr>
+              <a:t>ThreadPool</a:t>
+            </a:r>
+            <a:r>
+              <a:rPr lang="en-US" dirty="0">
+                <a:solidFill>
+                  <a:srgbClr val="000000"/>
+                </a:solidFill>
+                <a:highlight>
+                  <a:srgbClr val="FFFFFF"/>
+                </a:highlight>
+                <a:latin typeface="Consolas" panose="020B0609020204030204" pitchFamily="49" charset="0"/>
+              </a:rPr>
+              <a:t>::</a:t>
+            </a:r>
+            <a:r>
+              <a:rPr lang="en-US" dirty="0" err="1" smtClean="0">
+                <a:solidFill>
+                  <a:srgbClr val="000000"/>
+                </a:solidFill>
+                <a:highlight>
+                  <a:srgbClr val="FFFFFF"/>
+                </a:highlight>
+                <a:latin typeface="Consolas" panose="020B0609020204030204" pitchFamily="49" charset="0"/>
+              </a:rPr>
+              <a:t>RunAsync</a:t>
+            </a:r>
+            <a:r>
+              <a:rPr lang="en-US" dirty="0" smtClean="0">
+                <a:solidFill>
+                  <a:srgbClr val="000000"/>
+                </a:solidFill>
+                <a:highlight>
+                  <a:srgbClr val="FFFFFF"/>
+                </a:highlight>
+                <a:latin typeface="Consolas" panose="020B0609020204030204" pitchFamily="49" charset="0"/>
+              </a:rPr>
+              <a:t>( ... );</a:t>
+            </a:r>
+          </a:p>
+          <a:p>
+            <a:pPr marL="457200" lvl="1" indent="0">
+              <a:buNone/>
+            </a:pPr>
+            <a:endParaRPr lang="en-US" dirty="0">
+              <a:solidFill>
+                <a:srgbClr val="000000"/>
+              </a:solidFill>
+              <a:highlight>
+                <a:srgbClr val="FFFFFF"/>
+              </a:highlight>
+              <a:latin typeface="Consolas" panose="020B0609020204030204" pitchFamily="49" charset="0"/>
+            </a:endParaRPr>
+          </a:p>
+          <a:p>
+            <a:r>
+              <a:rPr lang="en-US" dirty="0" smtClean="0"/>
+              <a:t>This handle can stop the thread:</a:t>
+            </a:r>
+          </a:p>
+          <a:p>
+            <a:pPr lvl="1"/>
             <a:endParaRPr lang="en-US" dirty="0"/>
           </a:p>
           <a:p>
-            <a:r>
-              <a:rPr lang="en-US" dirty="0" smtClean="0"/>
-              <a:t>For today, we’re going to stick with Analysis</a:t>
+            <a:pPr marL="0" indent="0">
+              <a:buNone/>
+            </a:pPr>
+            <a:r>
+              <a:rPr lang="en-US" sz="1600" dirty="0" smtClean="0">
+                <a:solidFill>
+                  <a:srgbClr val="000000"/>
+                </a:solidFill>
+                <a:highlight>
+                  <a:srgbClr val="FFFFFF"/>
+                </a:highlight>
+                <a:latin typeface="Consolas" panose="020B0609020204030204" pitchFamily="49" charset="0"/>
+              </a:rPr>
+              <a:t>    </a:t>
+            </a:r>
+            <a:r>
+              <a:rPr lang="en-US" sz="1600" dirty="0" err="1" smtClean="0">
+                <a:solidFill>
+                  <a:srgbClr val="000000"/>
+                </a:solidFill>
+                <a:highlight>
+                  <a:srgbClr val="FFFFFF"/>
+                </a:highlight>
+                <a:latin typeface="Consolas" panose="020B0609020204030204" pitchFamily="49" charset="0"/>
+              </a:rPr>
+              <a:t>audioThreadHandle</a:t>
+            </a:r>
+            <a:r>
+              <a:rPr lang="en-US" sz="1600" dirty="0" smtClean="0">
+                <a:solidFill>
+                  <a:srgbClr val="000000"/>
+                </a:solidFill>
+                <a:highlight>
+                  <a:srgbClr val="FFFFFF"/>
+                </a:highlight>
+                <a:latin typeface="Consolas" panose="020B0609020204030204" pitchFamily="49" charset="0"/>
+              </a:rPr>
+              <a:t>-</a:t>
+            </a:r>
+            <a:r>
+              <a:rPr lang="en-US" sz="1600" dirty="0">
+                <a:solidFill>
+                  <a:srgbClr val="000000"/>
+                </a:solidFill>
+                <a:highlight>
+                  <a:srgbClr val="FFFFFF"/>
+                </a:highlight>
+                <a:latin typeface="Consolas" panose="020B0609020204030204" pitchFamily="49" charset="0"/>
+              </a:rPr>
+              <a:t>&gt;Cancel();</a:t>
+            </a:r>
+          </a:p>
+          <a:p>
+            <a:pPr marL="0" indent="0">
+              <a:buNone/>
+            </a:pPr>
+            <a:r>
+              <a:rPr lang="en-US" sz="1600" dirty="0" smtClean="0">
+                <a:solidFill>
+                  <a:srgbClr val="000000"/>
+                </a:solidFill>
+                <a:highlight>
+                  <a:srgbClr val="FFFFFF"/>
+                </a:highlight>
+                <a:latin typeface="Consolas" panose="020B0609020204030204" pitchFamily="49" charset="0"/>
+              </a:rPr>
+              <a:t>    </a:t>
+            </a:r>
+            <a:r>
+              <a:rPr lang="en-US" sz="1600" dirty="0" err="1" smtClean="0">
+                <a:solidFill>
+                  <a:srgbClr val="000000"/>
+                </a:solidFill>
+                <a:highlight>
+                  <a:srgbClr val="FFFFFF"/>
+                </a:highlight>
+                <a:latin typeface="Consolas" panose="020B0609020204030204" pitchFamily="49" charset="0"/>
+              </a:rPr>
+              <a:t>audioThreadHandle</a:t>
+            </a:r>
+            <a:r>
+              <a:rPr lang="en-US" sz="1600" dirty="0" smtClean="0">
+                <a:solidFill>
+                  <a:srgbClr val="000000"/>
+                </a:solidFill>
+                <a:highlight>
+                  <a:srgbClr val="FFFFFF"/>
+                </a:highlight>
+                <a:latin typeface="Consolas" panose="020B0609020204030204" pitchFamily="49" charset="0"/>
+              </a:rPr>
+              <a:t>-</a:t>
+            </a:r>
+            <a:r>
+              <a:rPr lang="en-US" sz="1600" dirty="0">
+                <a:solidFill>
+                  <a:srgbClr val="000000"/>
+                </a:solidFill>
+                <a:highlight>
+                  <a:srgbClr val="FFFFFF"/>
+                </a:highlight>
+                <a:latin typeface="Consolas" panose="020B0609020204030204" pitchFamily="49" charset="0"/>
+              </a:rPr>
+              <a:t>&gt;Close();</a:t>
+            </a:r>
+            <a:endParaRPr lang="en-US" sz="1600" dirty="0" smtClean="0"/>
+          </a:p>
+          <a:p>
+            <a:endParaRPr lang="en-US" dirty="0"/>
+          </a:p>
+          <a:p>
+            <a:r>
+              <a:rPr lang="en-US" dirty="0" smtClean="0"/>
+              <a:t>This handle allows us to gracefully kill a thread</a:t>
             </a:r>
           </a:p>
           <a:p>
             <a:pPr lvl="1"/>
             <a:r>
               <a:rPr lang="en-US" dirty="0" smtClean="0"/>
-              <a:t>Specifically, the Fourier Transform</a:t>
+              <a:t>See the </a:t>
+            </a:r>
+            <a:r>
+              <a:rPr lang="en-US" dirty="0" err="1" smtClean="0">
+                <a:solidFill>
+                  <a:srgbClr val="000000"/>
+                </a:solidFill>
+                <a:highlight>
+                  <a:srgbClr val="FFFFFF"/>
+                </a:highlight>
+                <a:latin typeface="Consolas" panose="020B0609020204030204" pitchFamily="49" charset="0"/>
+              </a:rPr>
+              <a:t>CppThread</a:t>
+            </a:r>
+            <a:r>
+              <a:rPr lang="en-US" dirty="0" smtClean="0"/>
+              <a:t> example for more on this</a:t>
             </a:r>
             <a:endParaRPr lang="en-US" dirty="0"/>
           </a:p>
@@ -23617,13 +23775,20 @@
     </p:spTree>
     <p:extLst>
       <p:ext uri="{BB962C8B-B14F-4D97-AF65-F5344CB8AC3E}">
-        <p14:creationId xmlns:p14="http://schemas.microsoft.com/office/powerpoint/2010/main" val="534664506"/>
+        <p14:creationId xmlns:p14="http://schemas.microsoft.com/office/powerpoint/2010/main" val="1832878621"/>
       </p:ext>
     </p:extLst>
   </p:cSld>
   <p:clrMapOvr>
     <a:masterClrMapping/>
   </p:clrMapOvr>
+  <p:timing>
+    <p:tnLst>
+      <p:par>
+        <p:cTn xmlns:p14="http://schemas.microsoft.com/office/powerpoint/2010/main" id="1" dur="indefinite" restart="never" nodeType="tmRoot"/>
+      </p:par>
+    </p:tnLst>
+  </p:timing>
 </p:sld>
 </file>
 
@@ -23684,49 +23849,75 @@
           <a:p>
             <a:r>
               <a:rPr lang="en-US" dirty="0" smtClean="0"/>
-              <a:t>The Fourier Transform (FT) converts a </a:t>
-            </a:r>
-            <a:r>
-              <a:rPr lang="en-US" dirty="0" err="1" smtClean="0"/>
-              <a:t>timeseries</a:t>
-            </a:r>
-            <a:r>
-              <a:rPr lang="en-US" dirty="0" smtClean="0"/>
-              <a:t> into a frequency spectrum</a:t>
+              <a:t>Lots of space to explore in here</a:t>
             </a:r>
           </a:p>
           <a:p>
             <a:pPr lvl="1"/>
             <a:r>
               <a:rPr lang="en-US" dirty="0" smtClean="0"/>
-              <a:t>We can find the magnitude and phase of every frequency in the signal</a:t>
+              <a:t>Filtering</a:t>
+            </a:r>
+          </a:p>
+          <a:p>
+            <a:pPr lvl="2"/>
+            <a:r>
+              <a:rPr lang="en-US" dirty="0" smtClean="0"/>
+              <a:t>If you don’t know how to do it, go take EE 341</a:t>
             </a:r>
           </a:p>
           <a:p>
             <a:pPr lvl="1"/>
+            <a:r>
+              <a:rPr lang="en-US" dirty="0" smtClean="0"/>
+              <a:t>Analysis</a:t>
+            </a:r>
+          </a:p>
+          <a:p>
+            <a:pPr lvl="2"/>
+            <a:r>
+              <a:rPr lang="en-US" dirty="0" smtClean="0"/>
+              <a:t>If you don’t know how to do it, go take EE 518</a:t>
+            </a:r>
+          </a:p>
+          <a:p>
+            <a:pPr lvl="1"/>
+            <a:r>
+              <a:rPr lang="en-US" dirty="0" smtClean="0"/>
+              <a:t>Synthesis</a:t>
+            </a:r>
+          </a:p>
+          <a:p>
+            <a:pPr lvl="2"/>
+            <a:r>
+              <a:rPr lang="en-US" dirty="0" smtClean="0"/>
+              <a:t>Play around with different ideas, and see what sounds good!</a:t>
+            </a:r>
+          </a:p>
+          <a:p>
+            <a:pPr lvl="2"/>
             <a:endParaRPr lang="en-US" dirty="0"/>
           </a:p>
           <a:p>
             <a:r>
               <a:rPr lang="en-US" dirty="0" smtClean="0"/>
-              <a:t>Extremely useful, not just for signal junkies but also physicists, mathematicians, astronomers, etc…</a:t>
-            </a:r>
-          </a:p>
-          <a:p>
+              <a:t>For today, we’re going to stick with Analysis</a:t>
+            </a:r>
+          </a:p>
+          <a:p>
+            <a:pPr lvl="1"/>
+            <a:r>
+              <a:rPr lang="en-US" dirty="0" smtClean="0"/>
+              <a:t>Specifically, the Fourier Transform</a:t>
+            </a:r>
             <a:endParaRPr lang="en-US" dirty="0"/>
-          </a:p>
-          <a:p>
-            <a:r>
-              <a:rPr lang="en-US" dirty="0" smtClean="0"/>
-              <a:t>We’re going to hook up FFTW (The Fastest Fourier Transform in the West), a well-known FT library, to do the heavy numerical lifting for us</a:t>
-            </a:r>
           </a:p>
         </p:txBody>
       </p:sp>
     </p:spTree>
     <p:extLst>
       <p:ext uri="{BB962C8B-B14F-4D97-AF65-F5344CB8AC3E}">
-        <p14:creationId xmlns:p14="http://schemas.microsoft.com/office/powerpoint/2010/main" val="502761103"/>
+        <p14:creationId xmlns:p14="http://schemas.microsoft.com/office/powerpoint/2010/main" val="534664506"/>
       </p:ext>
     </p:extLst>
   </p:cSld>
@@ -23777,7 +23968,7 @@
           <a:p>
             <a:r>
               <a:rPr lang="en-US" dirty="0" smtClean="0"/>
-              <a:t>Linking in FFTW</a:t>
+              <a:t>Audio Processing</a:t>
             </a:r>
             <a:endParaRPr lang="en-US" dirty="0"/>
           </a:p>
@@ -23793,39 +23984,30 @@
             <p:ph idx="1"/>
           </p:nvPr>
         </p:nvSpPr>
-        <p:spPr>
-          <a:xfrm>
-            <a:off x="457200" y="1600200"/>
-            <a:ext cx="8229600" cy="5029200"/>
-          </a:xfrm>
-        </p:spPr>
+        <p:spPr/>
         <p:txBody>
-          <a:bodyPr>
-            <a:normAutofit/>
-          </a:bodyPr>
+          <a:bodyPr/>
           <a:lstStyle/>
           <a:p>
             <a:r>
               <a:rPr lang="en-US" dirty="0" smtClean="0"/>
-              <a:t>The HW2 template comes with a C++ component</a:t>
-            </a:r>
-            <a:endParaRPr lang="en-US" dirty="0" smtClean="0"/>
+              <a:t>The Fourier Transform (FT) converts a </a:t>
+            </a:r>
+            <a:r>
+              <a:rPr lang="en-US" dirty="0" err="1" smtClean="0"/>
+              <a:t>timeseries</a:t>
+            </a:r>
+            <a:r>
+              <a:rPr lang="en-US" dirty="0" smtClean="0"/>
+              <a:t> into a frequency spectrum</a:t>
+            </a:r>
           </a:p>
           <a:p>
             <a:pPr lvl="1"/>
             <a:r>
               <a:rPr lang="en-US" dirty="0" smtClean="0"/>
-              <a:t>Example usage is shown in the sample code, see “</a:t>
-            </a:r>
-            <a:r>
-              <a:rPr lang="en-US" dirty="0" err="1" smtClean="0"/>
-              <a:t>FFTWSample</a:t>
-            </a:r>
-            <a:r>
-              <a:rPr lang="en-US" dirty="0" smtClean="0"/>
-              <a:t>”</a:t>
-            </a:r>
-            <a:endParaRPr lang="en-US" dirty="0" smtClean="0"/>
+              <a:t>We can find the magnitude and phase of every frequency in the signal</a:t>
+            </a:r>
           </a:p>
           <a:p>
             <a:pPr lvl="1"/>
@@ -23834,54 +24016,16 @@
           <a:p>
             <a:r>
               <a:rPr lang="en-US" dirty="0" smtClean="0"/>
-              <a:t>This C++ component will allow you to perform 1-d Fourier Transforms</a:t>
-            </a:r>
-          </a:p>
-          <a:p>
-            <a:pPr lvl="1"/>
-            <a:r>
-              <a:rPr lang="en-US" dirty="0" smtClean="0"/>
-              <a:t>This is a “pure” C++ component; you can’t use it from C#</a:t>
-            </a:r>
-          </a:p>
-          <a:p>
-            <a:pPr lvl="1"/>
-            <a:r>
-              <a:rPr lang="en-US" dirty="0" smtClean="0"/>
-              <a:t>This because we haven’t discussed passing arrays C#</a:t>
-            </a:r>
-            <a:r>
-              <a:rPr lang="en-US" dirty="0" smtClean="0">
-                <a:sym typeface="Wingdings" panose="05000000000000000000" pitchFamily="2" charset="2"/>
-              </a:rPr>
-              <a:t> C++ (yet)</a:t>
-            </a:r>
-          </a:p>
-          <a:p>
-            <a:pPr lvl="1"/>
-            <a:endParaRPr lang="en-US" dirty="0">
-              <a:sym typeface="Wingdings" panose="05000000000000000000" pitchFamily="2" charset="2"/>
-            </a:endParaRPr>
-          </a:p>
-          <a:p>
-            <a:r>
-              <a:rPr lang="en-US" dirty="0" smtClean="0">
-                <a:sym typeface="Wingdings" panose="05000000000000000000" pitchFamily="2" charset="2"/>
-              </a:rPr>
-              <a:t>Some documentation is provided in the .h file</a:t>
-            </a:r>
-          </a:p>
-          <a:p>
-            <a:endParaRPr lang="en-US" dirty="0">
-              <a:sym typeface="Wingdings" panose="05000000000000000000" pitchFamily="2" charset="2"/>
-            </a:endParaRPr>
-          </a:p>
-          <a:p>
-            <a:r>
-              <a:rPr lang="en-US" dirty="0" smtClean="0">
-                <a:sym typeface="Wingdings" panose="05000000000000000000" pitchFamily="2" charset="2"/>
-              </a:rPr>
-              <a:t>Trickiest part is probably connecting the C++ component to the rest of your project</a:t>
+              <a:t>Extremely useful, not just for signal junkies but also physicists, mathematicians, astronomers, etc…</a:t>
+            </a:r>
+          </a:p>
+          <a:p>
+            <a:endParaRPr lang="en-US" dirty="0"/>
+          </a:p>
+          <a:p>
+            <a:r>
+              <a:rPr lang="en-US" dirty="0" smtClean="0"/>
+              <a:t>We’re going to hook up FFTW (The Fastest Fourier Transform in the West), a well-known FT library, to do the heavy numerical lifting for us</a:t>
             </a:r>
           </a:p>
         </p:txBody>
@@ -23889,7 +24033,7 @@
     </p:spTree>
     <p:extLst>
       <p:ext uri="{BB962C8B-B14F-4D97-AF65-F5344CB8AC3E}">
-        <p14:creationId xmlns:p14="http://schemas.microsoft.com/office/powerpoint/2010/main" val="2640594625"/>
+        <p14:creationId xmlns:p14="http://schemas.microsoft.com/office/powerpoint/2010/main" val="502761103"/>
       </p:ext>
     </p:extLst>
   </p:cSld>
@@ -23940,7 +24084,7 @@
           <a:p>
             <a:r>
               <a:rPr lang="en-US" dirty="0" smtClean="0"/>
-              <a:t>Misc. Info for HW 2</a:t>
+              <a:t>Linking in FFTW</a:t>
             </a:r>
             <a:endParaRPr lang="en-US" dirty="0"/>
           </a:p>
@@ -23956,315 +24100,101 @@
             <p:ph idx="1"/>
           </p:nvPr>
         </p:nvSpPr>
-        <p:spPr/>
+        <p:spPr>
+          <a:xfrm>
+            <a:off x="457200" y="1600200"/>
+            <a:ext cx="8229600" cy="5029200"/>
+          </a:xfrm>
+        </p:spPr>
         <p:txBody>
-          <a:bodyPr/>
+          <a:bodyPr>
+            <a:normAutofit/>
+          </a:bodyPr>
           <a:lstStyle/>
           <a:p>
             <a:r>
               <a:rPr lang="en-US" dirty="0" smtClean="0"/>
-              <a:t>WASAPI code is added to your C++ component through libraries and headers, not References</a:t>
+              <a:t>The HW2 template comes with a C++ component</a:t>
             </a:r>
           </a:p>
           <a:p>
             <a:pPr lvl="1"/>
             <a:r>
               <a:rPr lang="en-US" dirty="0" smtClean="0"/>
-              <a:t>It’s C++ code, so we have to add it to the list of libraries in the Project</a:t>
+              <a:t>Example usage is shown in the sample code, see “</a:t>
+            </a:r>
+            <a:r>
+              <a:rPr lang="en-US" dirty="0" err="1" smtClean="0"/>
+              <a:t>FFTWSample</a:t>
+            </a:r>
+            <a:r>
+              <a:rPr lang="en-US" dirty="0" smtClean="0"/>
+              <a:t>”</a:t>
             </a:r>
           </a:p>
           <a:p>
             <a:pPr lvl="1"/>
-            <a:r>
-              <a:rPr lang="en-US" dirty="0" smtClean="0"/>
-              <a:t>We need the </a:t>
-            </a:r>
-            <a:r>
-              <a:rPr lang="en-US" dirty="0"/>
-              <a:t>library </a:t>
+            <a:endParaRPr lang="en-US" dirty="0"/>
+          </a:p>
+          <a:p>
+            <a:r>
+              <a:rPr lang="en-US" dirty="0" smtClean="0"/>
+              <a:t>This C++ component will allow you to perform 1-d Fourier Transforms</a:t>
+            </a:r>
+          </a:p>
+          <a:p>
+            <a:pPr lvl="1"/>
+            <a:r>
+              <a:rPr lang="en-US" dirty="0" smtClean="0"/>
+              <a:t>This is a “pure” C++ component; you can’t use it from C#</a:t>
+            </a:r>
+          </a:p>
+          <a:p>
+            <a:pPr lvl="1"/>
+            <a:r>
+              <a:rPr lang="en-US" dirty="0" smtClean="0"/>
+              <a:t>This because we haven’t discussed passing arrays C#</a:t>
             </a:r>
             <a:r>
               <a:rPr lang="en-US" dirty="0" smtClean="0">
-                <a:solidFill>
-                  <a:srgbClr val="000000"/>
-                </a:solidFill>
-                <a:highlight>
-                  <a:srgbClr val="FFFFFF"/>
-                </a:highlight>
-                <a:latin typeface="Consolas" panose="020B0609020204030204" pitchFamily="49" charset="0"/>
-              </a:rPr>
-              <a:t>phoneaudioses.lib</a:t>
-            </a:r>
-            <a:endParaRPr lang="en-US" dirty="0" smtClean="0"/>
+                <a:sym typeface="Wingdings" panose="05000000000000000000" pitchFamily="2" charset="2"/>
+              </a:rPr>
+              <a:t> C++ (yet)</a:t>
+            </a:r>
           </a:p>
           <a:p>
             <a:pPr lvl="1"/>
-            <a:r>
-              <a:rPr lang="en-US" dirty="0" smtClean="0"/>
-              <a:t>We also need to </a:t>
-            </a:r>
-            <a:r>
-              <a:rPr lang="en-US" dirty="0">
-                <a:solidFill>
-                  <a:srgbClr val="0000FF"/>
-                </a:solidFill>
-                <a:highlight>
-                  <a:srgbClr val="FFFFFF"/>
-                </a:highlight>
-                <a:latin typeface="Consolas" panose="020B0609020204030204" pitchFamily="49" charset="0"/>
-              </a:rPr>
-              <a:t>#include</a:t>
-            </a:r>
-            <a:r>
-              <a:rPr lang="en-US" dirty="0" smtClean="0"/>
-              <a:t> </a:t>
-            </a:r>
-            <a:r>
-              <a:rPr lang="en-US" dirty="0" err="1" smtClean="0">
-                <a:solidFill>
-                  <a:srgbClr val="A31515"/>
-                </a:solidFill>
-                <a:highlight>
-                  <a:srgbClr val="FFFFFF"/>
-                </a:highlight>
-                <a:latin typeface="Consolas" panose="020B0609020204030204" pitchFamily="49" charset="0"/>
-              </a:rPr>
-              <a:t>audioclient.h</a:t>
-            </a:r>
-            <a:r>
-              <a:rPr lang="en-US" dirty="0" smtClean="0"/>
-              <a:t> and </a:t>
-            </a:r>
-            <a:r>
-              <a:rPr lang="en-US" dirty="0" err="1" smtClean="0">
-                <a:solidFill>
-                  <a:srgbClr val="A31515"/>
-                </a:solidFill>
-                <a:highlight>
-                  <a:srgbClr val="FFFFFF"/>
-                </a:highlight>
-                <a:latin typeface="Consolas" panose="020B0609020204030204" pitchFamily="49" charset="0"/>
-              </a:rPr>
-              <a:t>phoneaudioclient.h</a:t>
-            </a:r>
-            <a:endParaRPr lang="en-US" dirty="0" smtClean="0">
-              <a:solidFill>
-                <a:srgbClr val="A31515"/>
-              </a:solidFill>
-              <a:highlight>
-                <a:srgbClr val="FFFFFF"/>
-              </a:highlight>
-              <a:latin typeface="Consolas" panose="020B0609020204030204" pitchFamily="49" charset="0"/>
+            <a:endParaRPr lang="en-US" dirty="0">
+              <a:sym typeface="Wingdings" panose="05000000000000000000" pitchFamily="2" charset="2"/>
             </a:endParaRPr>
           </a:p>
           <a:p>
-            <a:pPr marL="457200" lvl="1" indent="0">
-              <a:buNone/>
-            </a:pPr>
-            <a:endParaRPr lang="en-US" dirty="0"/>
-          </a:p>
-          <a:p>
-            <a:r>
-              <a:rPr lang="en-US" dirty="0" smtClean="0"/>
-              <a:t>You cannot use C++ arrays in functions C# can see</a:t>
-            </a:r>
-          </a:p>
-          <a:p>
-            <a:pPr lvl="1"/>
-            <a:r>
-              <a:rPr lang="en-US" dirty="0" smtClean="0"/>
-              <a:t>That means things like </a:t>
-            </a:r>
-            <a:r>
-              <a:rPr lang="en-US" dirty="0">
-                <a:solidFill>
-                  <a:srgbClr val="0000FF"/>
-                </a:solidFill>
-                <a:highlight>
-                  <a:srgbClr val="FFFFFF"/>
-                </a:highlight>
-                <a:latin typeface="Consolas" panose="020B0609020204030204" pitchFamily="49" charset="0"/>
-              </a:rPr>
-              <a:t>float</a:t>
-            </a:r>
-            <a:r>
-              <a:rPr lang="en-US" dirty="0">
-                <a:solidFill>
-                  <a:srgbClr val="000000"/>
-                </a:solidFill>
-                <a:highlight>
-                  <a:srgbClr val="FFFFFF"/>
-                </a:highlight>
-                <a:latin typeface="Consolas" panose="020B0609020204030204" pitchFamily="49" charset="0"/>
-              </a:rPr>
-              <a:t> </a:t>
-            </a:r>
             <a:r>
               <a:rPr lang="en-US" dirty="0" smtClean="0">
-                <a:solidFill>
-                  <a:srgbClr val="000000"/>
-                </a:solidFill>
-                <a:highlight>
-                  <a:srgbClr val="FFFFFF"/>
-                </a:highlight>
-                <a:latin typeface="Consolas" panose="020B0609020204030204" pitchFamily="49" charset="0"/>
-              </a:rPr>
-              <a:t>*</a:t>
-            </a:r>
-            <a:r>
-              <a:rPr lang="en-US" dirty="0" smtClean="0"/>
-              <a:t>, </a:t>
-            </a:r>
-            <a:r>
-              <a:rPr lang="en-US" dirty="0" err="1">
-                <a:solidFill>
-                  <a:srgbClr val="000000"/>
-                </a:solidFill>
-                <a:highlight>
-                  <a:srgbClr val="FFFFFF"/>
-                </a:highlight>
-                <a:latin typeface="Consolas" panose="020B0609020204030204" pitchFamily="49" charset="0"/>
-              </a:rPr>
-              <a:t>std</a:t>
-            </a:r>
-            <a:r>
-              <a:rPr lang="en-US" dirty="0">
-                <a:solidFill>
-                  <a:srgbClr val="000000"/>
-                </a:solidFill>
-                <a:highlight>
-                  <a:srgbClr val="FFFFFF"/>
-                </a:highlight>
-                <a:latin typeface="Consolas" panose="020B0609020204030204" pitchFamily="49" charset="0"/>
-              </a:rPr>
-              <a:t>::</a:t>
-            </a:r>
-            <a:r>
-              <a:rPr lang="en-US" dirty="0">
-                <a:solidFill>
-                  <a:srgbClr val="2B91AF"/>
-                </a:solidFill>
-                <a:highlight>
-                  <a:srgbClr val="FFFFFF"/>
-                </a:highlight>
-                <a:latin typeface="Consolas" panose="020B0609020204030204" pitchFamily="49" charset="0"/>
-              </a:rPr>
-              <a:t>vector</a:t>
-            </a:r>
-            <a:r>
-              <a:rPr lang="en-US" dirty="0">
-                <a:solidFill>
-                  <a:srgbClr val="000000"/>
-                </a:solidFill>
-                <a:highlight>
-                  <a:srgbClr val="FFFFFF"/>
-                </a:highlight>
-                <a:latin typeface="Consolas" panose="020B0609020204030204" pitchFamily="49" charset="0"/>
-              </a:rPr>
-              <a:t>&lt;</a:t>
-            </a:r>
-            <a:r>
-              <a:rPr lang="en-US" dirty="0">
-                <a:solidFill>
-                  <a:srgbClr val="0000FF"/>
-                </a:solidFill>
-                <a:highlight>
-                  <a:srgbClr val="FFFFFF"/>
-                </a:highlight>
-                <a:latin typeface="Consolas" panose="020B0609020204030204" pitchFamily="49" charset="0"/>
-              </a:rPr>
-              <a:t>float</a:t>
-            </a:r>
-            <a:r>
-              <a:rPr lang="en-US" dirty="0">
-                <a:solidFill>
-                  <a:srgbClr val="000000"/>
-                </a:solidFill>
-                <a:highlight>
-                  <a:srgbClr val="FFFFFF"/>
-                </a:highlight>
-                <a:latin typeface="Consolas" panose="020B0609020204030204" pitchFamily="49" charset="0"/>
-              </a:rPr>
-              <a:t>&gt; </a:t>
-            </a:r>
+                <a:sym typeface="Wingdings" panose="05000000000000000000" pitchFamily="2" charset="2"/>
+              </a:rPr>
+              <a:t>Some documentation is provided in the .h file</a:t>
+            </a:r>
+          </a:p>
+          <a:p>
+            <a:endParaRPr lang="en-US" dirty="0">
+              <a:sym typeface="Wingdings" panose="05000000000000000000" pitchFamily="2" charset="2"/>
+            </a:endParaRPr>
+          </a:p>
+          <a:p>
             <a:r>
               <a:rPr lang="en-US" dirty="0" smtClean="0">
-                <a:solidFill>
-                  <a:srgbClr val="000000"/>
-                </a:solidFill>
-                <a:highlight>
-                  <a:srgbClr val="FFFFFF"/>
-                </a:highlight>
-                <a:latin typeface="Consolas" panose="020B0609020204030204" pitchFamily="49" charset="0"/>
-              </a:rPr>
-              <a:t>*</a:t>
-            </a:r>
-            <a:r>
-              <a:rPr lang="en-US" dirty="0" smtClean="0"/>
-              <a:t>, etc. can be used, but they must be </a:t>
-            </a:r>
-            <a:r>
-              <a:rPr lang="en-US" dirty="0">
-                <a:solidFill>
-                  <a:srgbClr val="0000FF"/>
-                </a:solidFill>
-                <a:highlight>
-                  <a:srgbClr val="FFFFFF"/>
-                </a:highlight>
-                <a:latin typeface="Consolas" panose="020B0609020204030204" pitchFamily="49" charset="0"/>
-              </a:rPr>
-              <a:t>private</a:t>
-            </a:r>
-            <a:r>
-              <a:rPr lang="en-US" dirty="0" smtClean="0"/>
-              <a:t> or </a:t>
-            </a:r>
-            <a:r>
-              <a:rPr lang="en-US" dirty="0" smtClean="0">
-                <a:solidFill>
-                  <a:srgbClr val="0000FF"/>
-                </a:solidFill>
-                <a:highlight>
-                  <a:srgbClr val="FFFFFF"/>
-                </a:highlight>
-                <a:latin typeface="Consolas" panose="020B0609020204030204" pitchFamily="49" charset="0"/>
-              </a:rPr>
-              <a:t>protected</a:t>
-            </a:r>
-            <a:r>
-              <a:rPr lang="en-US" dirty="0" smtClean="0"/>
-              <a:t> in C++/CX class definitions</a:t>
-            </a:r>
-            <a:endParaRPr lang="en-US" dirty="0" smtClean="0">
-              <a:solidFill>
-                <a:srgbClr val="0000FF"/>
-              </a:solidFill>
-              <a:highlight>
-                <a:srgbClr val="FFFFFF"/>
-              </a:highlight>
-              <a:latin typeface="Consolas" panose="020B0609020204030204" pitchFamily="49" charset="0"/>
-            </a:endParaRPr>
-          </a:p>
-          <a:p>
-            <a:pPr marL="457200" lvl="1" indent="0">
-              <a:buNone/>
-            </a:pPr>
-            <a:endParaRPr lang="en-US" dirty="0">
-              <a:solidFill>
-                <a:srgbClr val="0000FF"/>
-              </a:solidFill>
-              <a:highlight>
-                <a:srgbClr val="FFFFFF"/>
-              </a:highlight>
-              <a:latin typeface="Consolas" panose="020B0609020204030204" pitchFamily="49" charset="0"/>
-            </a:endParaRPr>
+                <a:sym typeface="Wingdings" panose="05000000000000000000" pitchFamily="2" charset="2"/>
+              </a:rPr>
+              <a:t>Trickiest part is probably connecting the C++ component to the rest of your project</a:t>
+            </a:r>
           </a:p>
         </p:txBody>
       </p:sp>
     </p:spTree>
     <p:extLst>
       <p:ext uri="{BB962C8B-B14F-4D97-AF65-F5344CB8AC3E}">
-        <p14:creationId xmlns:p14="http://schemas.microsoft.com/office/powerpoint/2010/main" val="2991349858"/>
+        <p14:creationId xmlns:p14="http://schemas.microsoft.com/office/powerpoint/2010/main" val="2640594625"/>
       </p:ext>
     </p:extLst>
   </p:cSld>
@@ -24338,23 +24268,93 @@
           <a:p>
             <a:r>
               <a:rPr lang="en-US" dirty="0" smtClean="0"/>
-              <a:t>FFTW returns arrays of type </a:t>
+              <a:t>WASAPI code is added to your C++ component through libraries and headers, not References</a:t>
+            </a:r>
+          </a:p>
+          <a:p>
+            <a:pPr lvl="1"/>
+            <a:r>
+              <a:rPr lang="en-US" dirty="0" smtClean="0"/>
+              <a:t>It’s C++ code, so we have to add it to the list of libraries in the Project</a:t>
+            </a:r>
+          </a:p>
+          <a:p>
+            <a:pPr lvl="1"/>
+            <a:r>
+              <a:rPr lang="en-US" dirty="0" smtClean="0"/>
+              <a:t>We need the </a:t>
+            </a:r>
+            <a:r>
+              <a:rPr lang="en-US" dirty="0"/>
+              <a:t>library </a:t>
+            </a:r>
+            <a:r>
+              <a:rPr lang="en-US" dirty="0" smtClean="0">
+                <a:solidFill>
+                  <a:srgbClr val="000000"/>
+                </a:solidFill>
+                <a:highlight>
+                  <a:srgbClr val="FFFFFF"/>
+                </a:highlight>
+                <a:latin typeface="Consolas" panose="020B0609020204030204" pitchFamily="49" charset="0"/>
+              </a:rPr>
+              <a:t>phoneaudioses.lib</a:t>
+            </a:r>
+            <a:endParaRPr lang="en-US" dirty="0" smtClean="0"/>
+          </a:p>
+          <a:p>
+            <a:pPr lvl="1"/>
+            <a:r>
+              <a:rPr lang="en-US" dirty="0" smtClean="0"/>
+              <a:t>We also need to </a:t>
+            </a:r>
+            <a:r>
+              <a:rPr lang="en-US" dirty="0">
+                <a:solidFill>
+                  <a:srgbClr val="0000FF"/>
+                </a:solidFill>
+                <a:highlight>
+                  <a:srgbClr val="FFFFFF"/>
+                </a:highlight>
+                <a:latin typeface="Consolas" panose="020B0609020204030204" pitchFamily="49" charset="0"/>
+              </a:rPr>
+              <a:t>#include</a:t>
+            </a:r>
+            <a:r>
+              <a:rPr lang="en-US" dirty="0" smtClean="0"/>
+              <a:t> </a:t>
             </a:r>
             <a:r>
               <a:rPr lang="en-US" dirty="0" err="1" smtClean="0">
                 <a:solidFill>
-                  <a:srgbClr val="2B91AF"/>
-                </a:solidFill>
-                <a:highlight>
-                  <a:srgbClr val="FFFFFF"/>
-                </a:highlight>
-                <a:latin typeface="Consolas" panose="020B0609020204030204" pitchFamily="49" charset="0"/>
-              </a:rPr>
-              <a:t>fftwf_complex</a:t>
+                  <a:srgbClr val="A31515"/>
+                </a:solidFill>
+                <a:highlight>
+                  <a:srgbClr val="FFFFFF"/>
+                </a:highlight>
+                <a:latin typeface="Consolas" panose="020B0609020204030204" pitchFamily="49" charset="0"/>
+              </a:rPr>
+              <a:t>audioclient.h</a:t>
+            </a:r>
+            <a:r>
+              <a:rPr lang="en-US" dirty="0" smtClean="0"/>
+              <a:t> and </a:t>
+            </a:r>
+            <a:r>
+              <a:rPr lang="en-US" dirty="0" err="1" smtClean="0">
+                <a:solidFill>
+                  <a:srgbClr val="A31515"/>
+                </a:solidFill>
+                <a:highlight>
+                  <a:srgbClr val="FFFFFF"/>
+                </a:highlight>
+                <a:latin typeface="Consolas" panose="020B0609020204030204" pitchFamily="49" charset="0"/>
+              </a:rPr>
+              <a:t>phoneaudioclient.h</a:t>
             </a:r>
             <a:endParaRPr lang="en-US" dirty="0" smtClean="0">
               <a:solidFill>
-                <a:srgbClr val="2B91AF"/>
+                <a:srgbClr val="A31515"/>
               </a:solidFill>
               <a:highlight>
                 <a:srgbClr val="FFFFFF"/>
@@ -24363,68 +24363,213 @@
             </a:endParaRPr>
           </a:p>
           <a:p>
+            <a:pPr marL="457200" lvl="1" indent="0">
+              <a:buNone/>
+            </a:pPr>
+            <a:endParaRPr lang="en-US" dirty="0"/>
+          </a:p>
+          <a:p>
+            <a:r>
+              <a:rPr lang="en-US" dirty="0" smtClean="0"/>
+              <a:t>You cannot use C++ arrays in functions C# can see</a:t>
+            </a:r>
+          </a:p>
+          <a:p>
             <a:pPr lvl="1"/>
             <a:r>
               <a:rPr lang="en-US" dirty="0" smtClean="0"/>
-              <a:t>Each element is itself a 2-element array:</a:t>
-            </a:r>
-          </a:p>
-          <a:p>
-            <a:pPr lvl="1"/>
-            <a:r>
-              <a:rPr lang="en-US" dirty="0" smtClean="0"/>
-              <a:t>The first sub-element is the real part, the next is the imaginary part</a:t>
-            </a:r>
-          </a:p>
-          <a:p>
-            <a:pPr lvl="1"/>
-            <a:endParaRPr lang="en-US" dirty="0" smtClean="0"/>
-          </a:p>
-          <a:p>
-            <a:r>
-              <a:rPr lang="en-US" dirty="0" smtClean="0"/>
-              <a:t>You must enable the “Microphone Capability” before you can open the Microphone for input</a:t>
-            </a:r>
-          </a:p>
-          <a:p>
-            <a:pPr lvl="1"/>
-            <a:r>
-              <a:rPr lang="en-US" dirty="0" smtClean="0"/>
-              <a:t>To do this, double-click on </a:t>
-            </a:r>
-            <a:r>
-              <a:rPr lang="en-US" b="1" dirty="0" smtClean="0"/>
-              <a:t>WMAppManifest.xml</a:t>
-            </a:r>
-          </a:p>
-          <a:p>
-            <a:pPr lvl="1"/>
-            <a:r>
-              <a:rPr lang="en-US" dirty="0" smtClean="0"/>
-              <a:t>Click the “Capabilities” tab</a:t>
-            </a:r>
-          </a:p>
-          <a:p>
-            <a:pPr lvl="1"/>
-            <a:r>
-              <a:rPr lang="en-US" dirty="0" smtClean="0"/>
-              <a:t>Scroll down to ID_CAP_MICROPHONE, and ensure it </a:t>
-            </a:r>
-            <a:r>
-              <a:rPr lang="en-US" smtClean="0"/>
-              <a:t>is checked</a:t>
-            </a:r>
-            <a:endParaRPr lang="en-US" dirty="0"/>
-          </a:p>
-          <a:p>
-            <a:endParaRPr lang="en-US" dirty="0"/>
+              <a:t>That means things like </a:t>
+            </a:r>
+            <a:r>
+              <a:rPr lang="en-US" dirty="0">
+                <a:solidFill>
+                  <a:srgbClr val="0000FF"/>
+                </a:solidFill>
+                <a:highlight>
+                  <a:srgbClr val="FFFFFF"/>
+                </a:highlight>
+                <a:latin typeface="Consolas" panose="020B0609020204030204" pitchFamily="49" charset="0"/>
+              </a:rPr>
+              <a:t>float</a:t>
+            </a:r>
+            <a:r>
+              <a:rPr lang="en-US" dirty="0">
+                <a:solidFill>
+                  <a:srgbClr val="000000"/>
+                </a:solidFill>
+                <a:highlight>
+                  <a:srgbClr val="FFFFFF"/>
+                </a:highlight>
+                <a:latin typeface="Consolas" panose="020B0609020204030204" pitchFamily="49" charset="0"/>
+              </a:rPr>
+              <a:t> </a:t>
+            </a:r>
+            <a:r>
+              <a:rPr lang="en-US" dirty="0" smtClean="0">
+                <a:solidFill>
+                  <a:srgbClr val="000000"/>
+                </a:solidFill>
+                <a:highlight>
+                  <a:srgbClr val="FFFFFF"/>
+                </a:highlight>
+                <a:latin typeface="Consolas" panose="020B0609020204030204" pitchFamily="49" charset="0"/>
+              </a:rPr>
+              <a:t>*</a:t>
+            </a:r>
+            <a:r>
+              <a:rPr lang="en-US" dirty="0" smtClean="0"/>
+              <a:t>, </a:t>
+            </a:r>
+            <a:r>
+              <a:rPr lang="en-US" dirty="0" err="1">
+                <a:solidFill>
+                  <a:srgbClr val="000000"/>
+                </a:solidFill>
+                <a:highlight>
+                  <a:srgbClr val="FFFFFF"/>
+                </a:highlight>
+                <a:latin typeface="Consolas" panose="020B0609020204030204" pitchFamily="49" charset="0"/>
+              </a:rPr>
+              <a:t>std</a:t>
+            </a:r>
+            <a:r>
+              <a:rPr lang="en-US" dirty="0">
+                <a:solidFill>
+                  <a:srgbClr val="000000"/>
+                </a:solidFill>
+                <a:highlight>
+                  <a:srgbClr val="FFFFFF"/>
+                </a:highlight>
+                <a:latin typeface="Consolas" panose="020B0609020204030204" pitchFamily="49" charset="0"/>
+              </a:rPr>
+              <a:t>::</a:t>
+            </a:r>
+            <a:r>
+              <a:rPr lang="en-US" dirty="0">
+                <a:solidFill>
+                  <a:srgbClr val="2B91AF"/>
+                </a:solidFill>
+                <a:highlight>
+                  <a:srgbClr val="FFFFFF"/>
+                </a:highlight>
+                <a:latin typeface="Consolas" panose="020B0609020204030204" pitchFamily="49" charset="0"/>
+              </a:rPr>
+              <a:t>vector</a:t>
+            </a:r>
+            <a:r>
+              <a:rPr lang="en-US" dirty="0">
+                <a:solidFill>
+                  <a:srgbClr val="000000"/>
+                </a:solidFill>
+                <a:highlight>
+                  <a:srgbClr val="FFFFFF"/>
+                </a:highlight>
+                <a:latin typeface="Consolas" panose="020B0609020204030204" pitchFamily="49" charset="0"/>
+              </a:rPr>
+              <a:t>&lt;</a:t>
+            </a:r>
+            <a:r>
+              <a:rPr lang="en-US" dirty="0">
+                <a:solidFill>
+                  <a:srgbClr val="0000FF"/>
+                </a:solidFill>
+                <a:highlight>
+                  <a:srgbClr val="FFFFFF"/>
+                </a:highlight>
+                <a:latin typeface="Consolas" panose="020B0609020204030204" pitchFamily="49" charset="0"/>
+              </a:rPr>
+              <a:t>float</a:t>
+            </a:r>
+            <a:r>
+              <a:rPr lang="en-US" dirty="0">
+                <a:solidFill>
+                  <a:srgbClr val="000000"/>
+                </a:solidFill>
+                <a:highlight>
+                  <a:srgbClr val="FFFFFF"/>
+                </a:highlight>
+                <a:latin typeface="Consolas" panose="020B0609020204030204" pitchFamily="49" charset="0"/>
+              </a:rPr>
+              <a:t>&gt; </a:t>
+            </a:r>
+            <a:r>
+              <a:rPr lang="en-US" dirty="0" smtClean="0">
+                <a:solidFill>
+                  <a:srgbClr val="000000"/>
+                </a:solidFill>
+                <a:highlight>
+                  <a:srgbClr val="FFFFFF"/>
+                </a:highlight>
+                <a:latin typeface="Consolas" panose="020B0609020204030204" pitchFamily="49" charset="0"/>
+              </a:rPr>
+              <a:t>*</a:t>
+            </a:r>
+            <a:r>
+              <a:rPr lang="en-US" dirty="0" smtClean="0"/>
+              <a:t>, etc. can be used, but they must be </a:t>
+            </a:r>
+            <a:r>
+              <a:rPr lang="en-US" dirty="0">
+                <a:solidFill>
+                  <a:srgbClr val="0000FF"/>
+                </a:solidFill>
+                <a:highlight>
+                  <a:srgbClr val="FFFFFF"/>
+                </a:highlight>
+                <a:latin typeface="Consolas" panose="020B0609020204030204" pitchFamily="49" charset="0"/>
+              </a:rPr>
+              <a:t>private</a:t>
+            </a:r>
+            <a:r>
+              <a:rPr lang="en-US" dirty="0" smtClean="0"/>
+              <a:t> or </a:t>
+            </a:r>
+            <a:r>
+              <a:rPr lang="en-US" dirty="0" smtClean="0">
+                <a:solidFill>
+                  <a:srgbClr val="0000FF"/>
+                </a:solidFill>
+                <a:highlight>
+                  <a:srgbClr val="FFFFFF"/>
+                </a:highlight>
+                <a:latin typeface="Consolas" panose="020B0609020204030204" pitchFamily="49" charset="0"/>
+              </a:rPr>
+              <a:t>protected</a:t>
+            </a:r>
+            <a:r>
+              <a:rPr lang="en-US" dirty="0" smtClean="0"/>
+              <a:t> in C++/CX class definitions</a:t>
+            </a:r>
+            <a:endParaRPr lang="en-US" dirty="0" smtClean="0">
+              <a:solidFill>
+                <a:srgbClr val="0000FF"/>
+              </a:solidFill>
+              <a:highlight>
+                <a:srgbClr val="FFFFFF"/>
+              </a:highlight>
+              <a:latin typeface="Consolas" panose="020B0609020204030204" pitchFamily="49" charset="0"/>
+            </a:endParaRPr>
+          </a:p>
+          <a:p>
+            <a:pPr marL="457200" lvl="1" indent="0">
+              <a:buNone/>
+            </a:pPr>
+            <a:endParaRPr lang="en-US" dirty="0">
+              <a:solidFill>
+                <a:srgbClr val="0000FF"/>
+              </a:solidFill>
+              <a:highlight>
+                <a:srgbClr val="FFFFFF"/>
+              </a:highlight>
+              <a:latin typeface="Consolas" panose="020B0609020204030204" pitchFamily="49" charset="0"/>
+            </a:endParaRPr>
           </a:p>
         </p:txBody>
       </p:sp>
     </p:spTree>
     <p:extLst>
       <p:ext uri="{BB962C8B-B14F-4D97-AF65-F5344CB8AC3E}">
-        <p14:creationId xmlns:p14="http://schemas.microsoft.com/office/powerpoint/2010/main" val="1820909009"/>
+        <p14:creationId xmlns:p14="http://schemas.microsoft.com/office/powerpoint/2010/main" val="2991349858"/>
       </p:ext>
     </p:extLst>
   </p:cSld>
@@ -24475,7 +24620,7 @@
           <a:p>
             <a:r>
               <a:rPr lang="en-US" dirty="0" smtClean="0"/>
-              <a:t>Profiling</a:t>
+              <a:t>Misc. Info for HW 2</a:t>
             </a:r>
             <a:endParaRPr lang="en-US" dirty="0"/>
           </a:p>
@@ -24498,55 +24643,85 @@
           <a:p>
             <a:r>
               <a:rPr lang="en-US" dirty="0" smtClean="0"/>
-              <a:t>This is the bonus topic!</a:t>
-            </a:r>
+              <a:t>FFTW returns arrays of type </a:t>
+            </a:r>
+            <a:r>
+              <a:rPr lang="en-US" dirty="0" err="1" smtClean="0">
+                <a:solidFill>
+                  <a:srgbClr val="2B91AF"/>
+                </a:solidFill>
+                <a:highlight>
+                  <a:srgbClr val="FFFFFF"/>
+                </a:highlight>
+                <a:latin typeface="Consolas" panose="020B0609020204030204" pitchFamily="49" charset="0"/>
+              </a:rPr>
+              <a:t>fftwf_complex</a:t>
+            </a:r>
+            <a:endParaRPr lang="en-US" dirty="0" smtClean="0">
+              <a:solidFill>
+                <a:srgbClr val="2B91AF"/>
+              </a:solidFill>
+              <a:highlight>
+                <a:srgbClr val="FFFFFF"/>
+              </a:highlight>
+              <a:latin typeface="Consolas" panose="020B0609020204030204" pitchFamily="49" charset="0"/>
+            </a:endParaRPr>
           </a:p>
           <a:p>
             <a:pPr lvl="1"/>
             <a:r>
               <a:rPr lang="en-US" dirty="0" smtClean="0"/>
-              <a:t>I know it feels like you’re drinking from a fire hose, but if we made it this far, you all rock!</a:t>
-            </a:r>
-          </a:p>
-          <a:p>
+              <a:t>Each element is itself a 2-element array:</a:t>
+            </a:r>
+          </a:p>
+          <a:p>
+            <a:pPr lvl="1"/>
+            <a:r>
+              <a:rPr lang="en-US" dirty="0" smtClean="0"/>
+              <a:t>The first sub-element is the real part, the next is the imaginary part</a:t>
+            </a:r>
+          </a:p>
+          <a:p>
+            <a:pPr lvl="1"/>
+            <a:endParaRPr lang="en-US" dirty="0" smtClean="0"/>
+          </a:p>
+          <a:p>
+            <a:r>
+              <a:rPr lang="en-US" dirty="0" smtClean="0"/>
+              <a:t>You must enable the “Microphone Capability” before you can open the Microphone for input</a:t>
+            </a:r>
+          </a:p>
+          <a:p>
+            <a:pPr lvl="1"/>
+            <a:r>
+              <a:rPr lang="en-US" dirty="0" smtClean="0"/>
+              <a:t>To do this, double-click on </a:t>
+            </a:r>
+            <a:r>
+              <a:rPr lang="en-US" b="1" dirty="0" smtClean="0"/>
+              <a:t>WMAppManifest.xml</a:t>
+            </a:r>
+          </a:p>
+          <a:p>
+            <a:pPr lvl="1"/>
+            <a:r>
+              <a:rPr lang="en-US" dirty="0" smtClean="0"/>
+              <a:t>Click the “Capabilities” tab</a:t>
+            </a:r>
+          </a:p>
+          <a:p>
+            <a:pPr lvl="1"/>
+            <a:r>
+              <a:rPr lang="en-US" dirty="0" smtClean="0"/>
+              <a:t>Scroll down to ID_CAP_MICROPHONE, and ensure it </a:t>
+            </a:r>
+            <a:r>
+              <a:rPr lang="en-US" smtClean="0"/>
+              <a:t>is checked</a:t>
+            </a:r>
             <a:endParaRPr lang="en-US" dirty="0"/>
           </a:p>
           <a:p>
-            <a:r>
-              <a:rPr lang="en-US" dirty="0" smtClean="0"/>
-              <a:t>Profiling is the first line of defense against slow code</a:t>
-            </a:r>
-          </a:p>
-          <a:p>
-            <a:pPr lvl="1"/>
-            <a:r>
-              <a:rPr lang="en-US" dirty="0" smtClean="0"/>
-              <a:t>It allows us to find out which functions take the most time</a:t>
-            </a:r>
-          </a:p>
-          <a:p>
-            <a:pPr lvl="1"/>
-            <a:r>
-              <a:rPr lang="en-US" dirty="0" smtClean="0"/>
-              <a:t>It works on C# and C++ code!</a:t>
-            </a:r>
-          </a:p>
-          <a:p>
-            <a:pPr lvl="1"/>
-            <a:r>
-              <a:rPr lang="en-US" dirty="0" smtClean="0"/>
-              <a:t>It can run on the emulator or the device, but the device is recommended</a:t>
-            </a:r>
-          </a:p>
-          <a:p>
-            <a:pPr lvl="1"/>
-            <a:endParaRPr lang="en-US" dirty="0"/>
-          </a:p>
-          <a:p>
-            <a:r>
-              <a:rPr lang="en-US" dirty="0" smtClean="0"/>
-              <a:t>It’s easy to run, you launch it inside of VS</a:t>
-            </a:r>
             <a:endParaRPr lang="en-US" dirty="0"/>
           </a:p>
         </p:txBody>
@@ -24554,13 +24729,20 @@
     </p:spTree>
     <p:extLst>
       <p:ext uri="{BB962C8B-B14F-4D97-AF65-F5344CB8AC3E}">
-        <p14:creationId xmlns:p14="http://schemas.microsoft.com/office/powerpoint/2010/main" val="2707181119"/>
+        <p14:creationId xmlns:p14="http://schemas.microsoft.com/office/powerpoint/2010/main" val="1820909009"/>
       </p:ext>
     </p:extLst>
   </p:cSld>
   <p:clrMapOvr>
     <a:masterClrMapping/>
   </p:clrMapOvr>
+  <p:timing>
+    <p:tnLst>
+      <p:par>
+        <p:cTn xmlns:p14="http://schemas.microsoft.com/office/powerpoint/2010/main" id="1" dur="indefinite" restart="never" nodeType="tmRoot"/>
+      </p:par>
+    </p:tnLst>
+  </p:timing>
 </p:sld>
 </file>
 
@@ -24703,6 +24885,129 @@
 </file>
 
 <file path=ppt/slides/slide50.xml><?xml version="1.0" encoding="utf-8"?>
+<p:sld xmlns:a="http://schemas.openxmlformats.org/drawingml/2006/main" xmlns:r="http://schemas.openxmlformats.org/officeDocument/2006/relationships" xmlns:p="http://schemas.openxmlformats.org/presentationml/2006/main">
+  <p:cSld>
+    <p:spTree>
+      <p:nvGrpSpPr>
+        <p:cNvPr id="1" name=""/>
+        <p:cNvGrpSpPr/>
+        <p:nvPr/>
+      </p:nvGrpSpPr>
+      <p:grpSpPr>
+        <a:xfrm>
+          <a:off x="0" y="0"/>
+          <a:ext cx="0" cy="0"/>
+          <a:chOff x="0" y="0"/>
+          <a:chExt cx="0" cy="0"/>
+        </a:xfrm>
+      </p:grpSpPr>
+      <p:sp>
+        <p:nvSpPr>
+          <p:cNvPr id="2" name="Title 1"/>
+          <p:cNvSpPr>
+            <a:spLocks noGrp="1"/>
+          </p:cNvSpPr>
+          <p:nvPr>
+            <p:ph type="title"/>
+          </p:nvPr>
+        </p:nvSpPr>
+        <p:spPr/>
+        <p:txBody>
+          <a:bodyPr/>
+          <a:lstStyle/>
+          <a:p>
+            <a:r>
+              <a:rPr lang="en-US" dirty="0" smtClean="0"/>
+              <a:t>Profiling</a:t>
+            </a:r>
+            <a:endParaRPr lang="en-US" dirty="0"/>
+          </a:p>
+        </p:txBody>
+      </p:sp>
+      <p:sp>
+        <p:nvSpPr>
+          <p:cNvPr id="3" name="Content Placeholder 2"/>
+          <p:cNvSpPr>
+            <a:spLocks noGrp="1"/>
+          </p:cNvSpPr>
+          <p:nvPr>
+            <p:ph idx="1"/>
+          </p:nvPr>
+        </p:nvSpPr>
+        <p:spPr/>
+        <p:txBody>
+          <a:bodyPr/>
+          <a:lstStyle/>
+          <a:p>
+            <a:r>
+              <a:rPr lang="en-US" dirty="0" smtClean="0"/>
+              <a:t>This is the bonus topic!</a:t>
+            </a:r>
+          </a:p>
+          <a:p>
+            <a:pPr lvl="1"/>
+            <a:r>
+              <a:rPr lang="en-US" dirty="0" smtClean="0"/>
+              <a:t>I know it feels like you’re drinking from a fire hose, but if we made it this far, you all rock!</a:t>
+            </a:r>
+          </a:p>
+          <a:p>
+            <a:endParaRPr lang="en-US" dirty="0"/>
+          </a:p>
+          <a:p>
+            <a:r>
+              <a:rPr lang="en-US" dirty="0" smtClean="0"/>
+              <a:t>Profiling is the first line of defense against slow code</a:t>
+            </a:r>
+          </a:p>
+          <a:p>
+            <a:pPr lvl="1"/>
+            <a:r>
+              <a:rPr lang="en-US" dirty="0" smtClean="0"/>
+              <a:t>It allows us to find out which functions take the most time</a:t>
+            </a:r>
+          </a:p>
+          <a:p>
+            <a:pPr lvl="1"/>
+            <a:r>
+              <a:rPr lang="en-US" dirty="0" smtClean="0"/>
+              <a:t>It works on C# and C++ code!</a:t>
+            </a:r>
+          </a:p>
+          <a:p>
+            <a:pPr lvl="1"/>
+            <a:r>
+              <a:rPr lang="en-US" dirty="0" smtClean="0"/>
+              <a:t>It can run on the emulator or the device, but the device is recommended</a:t>
+            </a:r>
+          </a:p>
+          <a:p>
+            <a:pPr lvl="1"/>
+            <a:endParaRPr lang="en-US" dirty="0"/>
+          </a:p>
+          <a:p>
+            <a:r>
+              <a:rPr lang="en-US" dirty="0" smtClean="0"/>
+              <a:t>It’s easy to run, you launch it inside of VS</a:t>
+            </a:r>
+            <a:endParaRPr lang="en-US" dirty="0"/>
+          </a:p>
+        </p:txBody>
+      </p:sp>
+    </p:spTree>
+    <p:extLst>
+      <p:ext uri="{BB962C8B-B14F-4D97-AF65-F5344CB8AC3E}">
+        <p14:creationId xmlns:p14="http://schemas.microsoft.com/office/powerpoint/2010/main" val="2707181119"/>
+      </p:ext>
+    </p:extLst>
+  </p:cSld>
+  <p:clrMapOvr>
+    <a:masterClrMapping/>
+  </p:clrMapOvr>
+</p:sld>
+</file>
+
+<file path=ppt/slides/slide51.xml><?xml version="1.0" encoding="utf-8"?>
 <p:sld xmlns:a="http://schemas.openxmlformats.org/drawingml/2006/main" xmlns:r="http://schemas.openxmlformats.org/officeDocument/2006/relationships" xmlns:p="http://schemas.openxmlformats.org/presentationml/2006/main">
   <p:cSld>
     <p:spTree>
@@ -24878,7 +25183,7 @@
 </p:sld>
 </file>
 
-<file path=ppt/slides/slide51.xml><?xml version="1.0" encoding="utf-8"?>
+<file path=ppt/slides/slide52.xml><?xml version="1.0" encoding="utf-8"?>
 <p:sld xmlns:a="http://schemas.openxmlformats.org/drawingml/2006/main" xmlns:r="http://schemas.openxmlformats.org/officeDocument/2006/relationships" xmlns:p="http://schemas.openxmlformats.org/presentationml/2006/main">
   <p:cSld>
     <p:spTree>
@@ -24981,7 +25286,7 @@
 </p:sld>
 </file>
 
-<file path=ppt/slides/slide52.xml><?xml version="1.0" encoding="utf-8"?>
+<file path=ppt/slides/slide53.xml><?xml version="1.0" encoding="utf-8"?>
 <p:sld xmlns:a="http://schemas.openxmlformats.org/drawingml/2006/main" xmlns:r="http://schemas.openxmlformats.org/officeDocument/2006/relationships" xmlns:p="http://schemas.openxmlformats.org/presentationml/2006/main">
   <p:cSld>
     <p:spTree>
@@ -25671,15 +25976,7 @@
             <a:pPr lvl="1"/>
             <a:r>
               <a:rPr lang="en-US" dirty="0" smtClean="0"/>
-              <a:t>If capturing </a:t>
-            </a:r>
-            <a:r>
-              <a:rPr lang="en-US" dirty="0" smtClean="0"/>
-              <a:t>an </a:t>
-            </a:r>
-            <a:r>
-              <a:rPr lang="en-US" dirty="0" smtClean="0"/>
-              <a:t>X Hz signal, need to sample at a rate of at least 2X Hz</a:t>
+              <a:t>If capturing an X Hz signal, need to sample at a rate of at least 2X Hz</a:t>
             </a:r>
           </a:p>
           <a:p>
@@ -25694,13 +25991,8 @@
             </a:r>
             <a:r>
               <a:rPr lang="en-US" dirty="0" smtClean="0"/>
-              <a:t> is complicated, don’t just drop </a:t>
-            </a:r>
-            <a:r>
-              <a:rPr lang="en-US" dirty="0" smtClean="0"/>
-              <a:t>samples</a:t>
-            </a:r>
-            <a:endParaRPr lang="en-US" dirty="0" smtClean="0"/>
+              <a:t> is complicated, don’t just drop samples</a:t>
+            </a:r>
           </a:p>
           <a:p>
             <a:pPr marL="457200" lvl="1" indent="0">

--- a/Week2/Slides/Week 2.pptx
+++ b/Week2/Slides/Week 2.pptx
@@ -161,7 +161,7 @@
   </p:defaultTextStyle>
   <p:extLst>
     <p:ext uri="{EFAFB233-063F-42B5-8137-9DF3F51BA10A}">
-      <p15:sldGuideLst xmlns:p15="http://schemas.microsoft.com/office/powerpoint/2012/main" xmlns="">
+      <p15:sldGuideLst xmlns="" xmlns:p15="http://schemas.microsoft.com/office/powerpoint/2012/main">
         <p15:guide id="1" orient="horz" pos="2160">
           <p15:clr>
             <a:srgbClr val="A4A3A4"/>
@@ -297,11 +297,11 @@
         </c:dLbls>
         <c:marker val="1"/>
         <c:smooth val="0"/>
-        <c:axId val="-2132058504"/>
-        <c:axId val="-2124251544"/>
+        <c:axId val="-2141541928"/>
+        <c:axId val="-2141736136"/>
       </c:lineChart>
       <c:catAx>
-        <c:axId val="-2132058504"/>
+        <c:axId val="-2141541928"/>
         <c:scaling>
           <c:orientation val="minMax"/>
         </c:scaling>
@@ -325,7 +325,7 @@
         <c:majorTickMark val="out"/>
         <c:minorTickMark val="none"/>
         <c:tickLblPos val="nextTo"/>
-        <c:crossAx val="-2124251544"/>
+        <c:crossAx val="-2141736136"/>
         <c:crosses val="autoZero"/>
         <c:auto val="1"/>
         <c:lblAlgn val="ctr"/>
@@ -333,7 +333,7 @@
         <c:noMultiLvlLbl val="0"/>
       </c:catAx>
       <c:valAx>
-        <c:axId val="-2124251544"/>
+        <c:axId val="-2141736136"/>
         <c:scaling>
           <c:orientation val="minMax"/>
         </c:scaling>
@@ -384,7 +384,7 @@
             <a:endParaRPr lang="en-US"/>
           </a:p>
         </c:txPr>
-        <c:crossAx val="-2132058504"/>
+        <c:crossAx val="-2141541928"/>
         <c:crosses val="autoZero"/>
         <c:crossBetween val="between"/>
       </c:valAx>
@@ -539,11 +539,11 @@
           <c:showBubbleSize val="0"/>
         </c:dLbls>
         <c:gapWidth val="150"/>
-        <c:axId val="-2123911336"/>
-        <c:axId val="-2123907912"/>
+        <c:axId val="-2141670104"/>
+        <c:axId val="-2141666680"/>
       </c:barChart>
       <c:catAx>
-        <c:axId val="-2123911336"/>
+        <c:axId val="-2141670104"/>
         <c:scaling>
           <c:orientation val="minMax"/>
         </c:scaling>
@@ -567,7 +567,7 @@
         <c:majorTickMark val="none"/>
         <c:minorTickMark val="none"/>
         <c:tickLblPos val="nextTo"/>
-        <c:crossAx val="-2123907912"/>
+        <c:crossAx val="-2141666680"/>
         <c:crosses val="autoZero"/>
         <c:auto val="1"/>
         <c:lblAlgn val="ctr"/>
@@ -575,7 +575,7 @@
         <c:noMultiLvlLbl val="0"/>
       </c:catAx>
       <c:valAx>
-        <c:axId val="-2123907912"/>
+        <c:axId val="-2141666680"/>
         <c:scaling>
           <c:orientation val="minMax"/>
         </c:scaling>
@@ -632,7 +632,7 @@
             <a:endParaRPr lang="en-US"/>
           </a:p>
         </c:txPr>
-        <c:crossAx val="-2123911336"/>
+        <c:crossAx val="-2141670104"/>
         <c:crosses val="autoZero"/>
         <c:crossBetween val="between"/>
       </c:valAx>
@@ -1870,7 +1870,7 @@
           <a:p>
             <a:fld id="{90AF4669-11A5-AA4B-ACB6-1CD3E71EA0D2}" type="datetimeFigureOut">
               <a:rPr lang="en-US" smtClean="0"/>
-              <a:t>4/7/14</a:t>
+              <a:t>4/12/14</a:t>
             </a:fld>
             <a:endParaRPr lang="en-US"/>
           </a:p>
@@ -2428,7 +2428,7 @@
           <a:p>
             <a:fld id="{C95D1B94-35C6-4950-B226-D68A01DA1DCF}" type="datetimeFigureOut">
               <a:rPr lang="en-US" smtClean="0"/>
-              <a:t>4/7/14</a:t>
+              <a:t>4/12/14</a:t>
             </a:fld>
             <a:endParaRPr lang="en-US"/>
           </a:p>
@@ -2593,7 +2593,7 @@
           <a:p>
             <a:fld id="{C95D1B94-35C6-4950-B226-D68A01DA1DCF}" type="datetimeFigureOut">
               <a:rPr lang="en-US" smtClean="0"/>
-              <a:t>4/7/14</a:t>
+              <a:t>4/12/14</a:t>
             </a:fld>
             <a:endParaRPr lang="en-US"/>
           </a:p>
@@ -2768,7 +2768,7 @@
           <a:p>
             <a:fld id="{C95D1B94-35C6-4950-B226-D68A01DA1DCF}" type="datetimeFigureOut">
               <a:rPr lang="en-US" smtClean="0"/>
-              <a:t>4/7/14</a:t>
+              <a:t>4/12/14</a:t>
             </a:fld>
             <a:endParaRPr lang="en-US"/>
           </a:p>
@@ -2951,7 +2951,7 @@
           <a:p>
             <a:fld id="{C95D1B94-35C6-4950-B226-D68A01DA1DCF}" type="datetimeFigureOut">
               <a:rPr lang="en-US" smtClean="0"/>
-              <a:t>4/7/14</a:t>
+              <a:t>4/12/14</a:t>
             </a:fld>
             <a:endParaRPr lang="en-US"/>
           </a:p>
@@ -3213,7 +3213,7 @@
           <a:p>
             <a:fld id="{C95D1B94-35C6-4950-B226-D68A01DA1DCF}" type="datetimeFigureOut">
               <a:rPr lang="en-US" smtClean="0"/>
-              <a:t>4/7/14</a:t>
+              <a:t>4/12/14</a:t>
             </a:fld>
             <a:endParaRPr lang="en-US"/>
           </a:p>
@@ -3561,7 +3561,7 @@
           <a:p>
             <a:fld id="{C95D1B94-35C6-4950-B226-D68A01DA1DCF}" type="datetimeFigureOut">
               <a:rPr lang="en-US" smtClean="0"/>
-              <a:t>4/7/14</a:t>
+              <a:t>4/12/14</a:t>
             </a:fld>
             <a:endParaRPr lang="en-US"/>
           </a:p>
@@ -3869,7 +3869,7 @@
           <a:p>
             <a:fld id="{C95D1B94-35C6-4950-B226-D68A01DA1DCF}" type="datetimeFigureOut">
               <a:rPr lang="en-US" smtClean="0"/>
-              <a:t>4/7/14</a:t>
+              <a:t>4/12/14</a:t>
             </a:fld>
             <a:endParaRPr lang="en-US"/>
           </a:p>
@@ -4096,7 +4096,7 @@
           <a:p>
             <a:fld id="{C95D1B94-35C6-4950-B226-D68A01DA1DCF}" type="datetimeFigureOut">
               <a:rPr lang="en-US" smtClean="0"/>
-              <a:t>4/7/14</a:t>
+              <a:t>4/12/14</a:t>
             </a:fld>
             <a:endParaRPr lang="en-US"/>
           </a:p>
@@ -4186,7 +4186,7 @@
           <a:p>
             <a:fld id="{C95D1B94-35C6-4950-B226-D68A01DA1DCF}" type="datetimeFigureOut">
               <a:rPr lang="en-US" smtClean="0"/>
-              <a:t>4/7/14</a:t>
+              <a:t>4/12/14</a:t>
             </a:fld>
             <a:endParaRPr lang="en-US"/>
           </a:p>
@@ -4474,7 +4474,7 @@
           <a:p>
             <a:fld id="{C95D1B94-35C6-4950-B226-D68A01DA1DCF}" type="datetimeFigureOut">
               <a:rPr lang="en-US" smtClean="0"/>
-              <a:t>4/7/14</a:t>
+              <a:t>4/12/14</a:t>
             </a:fld>
             <a:endParaRPr lang="en-US"/>
           </a:p>
@@ -4743,7 +4743,7 @@
           <a:p>
             <a:fld id="{C95D1B94-35C6-4950-B226-D68A01DA1DCF}" type="datetimeFigureOut">
               <a:rPr lang="en-US" smtClean="0"/>
-              <a:t>4/7/14</a:t>
+              <a:t>4/12/14</a:t>
             </a:fld>
             <a:endParaRPr lang="en-US"/>
           </a:p>
@@ -4953,7 +4953,7 @@
           <a:p>
             <a:fld id="{C95D1B94-35C6-4950-B226-D68A01DA1DCF}" type="datetimeFigureOut">
               <a:rPr lang="en-US" smtClean="0"/>
-              <a:t>4/7/14</a:t>
+              <a:t>4/12/14</a:t>
             </a:fld>
             <a:endParaRPr lang="en-US"/>
           </a:p>
@@ -15801,11 +15801,7 @@
             </a:r>
             <a:r>
               <a:rPr lang="en-US" dirty="0" smtClean="0"/>
-              <a:t> </a:t>
-            </a:r>
-            <a:r>
-              <a:rPr lang="en-US" dirty="0" smtClean="0"/>
-              <a:t>is a special variable type that matches the right-hand side</a:t>
+              <a:t> is a special variable type that matches the right-hand side</a:t>
             </a:r>
           </a:p>
           <a:p>
@@ -15887,11 +15883,7 @@
             <a:pPr lvl="1"/>
             <a:r>
               <a:rPr lang="en-US" dirty="0" smtClean="0"/>
-              <a:t>If </a:t>
-            </a:r>
-            <a:r>
-              <a:rPr lang="en-US" dirty="0" smtClean="0"/>
-              <a:t>you don’t understand </a:t>
+              <a:t>If you don’t understand </a:t>
             </a:r>
             <a:r>
               <a:rPr lang="en-US" dirty="0">
@@ -15943,11 +15935,7 @@
             </a:r>
             <a:r>
               <a:rPr lang="en-US" dirty="0" smtClean="0"/>
-              <a:t> </a:t>
-            </a:r>
-            <a:r>
-              <a:rPr lang="en-US" dirty="0" smtClean="0"/>
-              <a:t>brush up on pointers</a:t>
+              <a:t> brush up on pointers</a:t>
             </a:r>
             <a:endParaRPr lang="en-US" dirty="0"/>
           </a:p>
@@ -16738,11 +16726,23 @@
                 </a:highlight>
                 <a:latin typeface="Consolas" panose="020B0609020204030204" pitchFamily="49" charset="0"/>
               </a:rPr>
-              <a:t>    unsigned</a:t>
+              <a:t>    </a:t>
             </a:r>
             <a:r>
               <a:rPr lang="en-US" sz="1600" dirty="0" smtClean="0">
                 <a:solidFill>
+                  <a:srgbClr val="0000FF"/>
+                </a:solidFill>
+                <a:highlight>
+                  <a:srgbClr val="FFFFFF"/>
+                </a:highlight>
+                <a:latin typeface="Consolas" panose="020B0609020204030204" pitchFamily="49" charset="0"/>
+              </a:rPr>
+              <a:t>auto</a:t>
+            </a:r>
+            <a:r>
+              <a:rPr lang="en-US" sz="1600" dirty="0" smtClean="0">
+                <a:solidFill>
                   <a:srgbClr val="000000"/>
                 </a:solidFill>
                 <a:highlight>
@@ -16753,30 +16753,6 @@
               <a:t> </a:t>
             </a:r>
             <a:r>
-              <a:rPr lang="en-US" sz="1600" dirty="0" err="1">
-                <a:solidFill>
-                  <a:srgbClr val="0000FF"/>
-                </a:solidFill>
-                <a:highlight>
-                  <a:srgbClr val="FFFFFF"/>
-                </a:highlight>
-                <a:latin typeface="Consolas" panose="020B0609020204030204" pitchFamily="49" charset="0"/>
-              </a:rPr>
-              <a:t>int</a:t>
-            </a:r>
-            <a:r>
-              <a:rPr lang="en-US" sz="1600" dirty="0">
-                <a:solidFill>
-                  <a:srgbClr val="000000"/>
-                </a:solidFill>
-                <a:highlight>
-                  <a:srgbClr val="FFFFFF"/>
-                </a:highlight>
-                <a:latin typeface="Consolas" panose="020B0609020204030204" pitchFamily="49" charset="0"/>
-              </a:rPr>
-              <a:t> </a:t>
-            </a:r>
-            <a:r>
               <a:rPr lang="en-US" sz="1600" dirty="0" smtClean="0">
                 <a:solidFill>
                   <a:srgbClr val="000000"/>
@@ -16789,7 +16765,7 @@
               <a:t>mode </a:t>
             </a:r>
             <a:r>
-              <a:rPr lang="en-US" sz="1600" dirty="0">
+              <a:rPr lang="en-US" sz="1600" dirty="0" smtClean="0">
                 <a:solidFill>
                   <a:srgbClr val="000000"/>
                 </a:solidFill>
@@ -16824,6 +16800,15 @@
               </a:rPr>
               <a:t>;</a:t>
             </a:r>
+            <a:endParaRPr lang="en-US" sz="1600" dirty="0" smtClean="0">
+              <a:solidFill>
+                <a:srgbClr val="000000"/>
+              </a:solidFill>
+              <a:highlight>
+                <a:srgbClr val="FFFFFF"/>
+              </a:highlight>
+              <a:latin typeface="Consolas" panose="020B0609020204030204" pitchFamily="49" charset="0"/>
+            </a:endParaRPr>
           </a:p>
           <a:p>
             <a:pPr marL="0" indent="0">
@@ -20606,11 +20591,7 @@
             <a:pPr lvl="2"/>
             <a:r>
               <a:rPr lang="en-US" dirty="0" smtClean="0"/>
-              <a:t>On WP8, seems to always be the minimum value of 480 </a:t>
-            </a:r>
-            <a:r>
-              <a:rPr lang="en-US" dirty="0" smtClean="0"/>
-              <a:t>samples</a:t>
+              <a:t>On WP8, seems to always be the minimum value of 480 samples</a:t>
             </a:r>
           </a:p>
           <a:p>
@@ -20619,7 +20600,6 @@
               <a:rPr lang="en-US" dirty="0" smtClean="0"/>
               <a:t>At 48KHz recording, this means we get 10ms chunks at once</a:t>
             </a:r>
-            <a:endParaRPr lang="en-US" dirty="0" smtClean="0"/>
           </a:p>
           <a:p>
             <a:pPr lvl="1"/>
@@ -23235,19 +23215,7 @@
                 </a:highlight>
                 <a:latin typeface="Consolas" panose="020B0609020204030204" pitchFamily="49" charset="0"/>
               </a:rPr>
-              <a:t> ) </a:t>
-            </a:r>
-            <a:r>
-              <a:rPr lang="en-US" dirty="0" smtClean="0">
-                <a:solidFill>
-                  <a:srgbClr val="000000"/>
-                </a:solidFill>
-                <a:highlight>
-                  <a:srgbClr val="FFFFFF"/>
-                </a:highlight>
-                <a:latin typeface="Consolas" panose="020B0609020204030204" pitchFamily="49" charset="0"/>
-              </a:rPr>
-              <a:t>{</a:t>
+              <a:t> ) {</a:t>
             </a:r>
           </a:p>
           <a:p>
